--- a/figure.pptx
+++ b/figure.pptx
@@ -115,7 +115,7 @@
 <file path=ppt/revisionInfo.xml><?xml version="1.0" encoding="utf-8"?>
 <p1510:revInfo xmlns:a="http://schemas.openxmlformats.org/drawingml/2006/main" xmlns:r="http://schemas.openxmlformats.org/officeDocument/2006/relationships" xmlns:p1510="http://schemas.microsoft.com/office/powerpoint/2015/10/main">
   <p1510:revLst>
-    <p1510:client id="{2A0EED9B-B346-4B51-BDB4-680CA7B24250}" v="203" dt="2022-09-28T15:04:47.634"/>
+    <p1510:client id="{2A0EED9B-B346-4B51-BDB4-680CA7B24250}" v="214" dt="2022-09-29T16:11:00.381"/>
   </p1510:revLst>
 </p1510:revInfo>
 </file>
@@ -125,7 +125,7 @@
   <pc:docChgLst>
     <pc:chgData name="Noro Ryousuke" userId="f6f1762f-5136-4b7d-ace9-9db4248a5115" providerId="ADAL" clId="{2A0EED9B-B346-4B51-BDB4-680CA7B24250}"/>
     <pc:docChg chg="undo custSel delSld modSld">
-      <pc:chgData name="Noro Ryousuke" userId="f6f1762f-5136-4b7d-ace9-9db4248a5115" providerId="ADAL" clId="{2A0EED9B-B346-4B51-BDB4-680CA7B24250}" dt="2022-09-28T15:05:09.036" v="503" actId="1076"/>
+      <pc:chgData name="Noro Ryousuke" userId="f6f1762f-5136-4b7d-ace9-9db4248a5115" providerId="ADAL" clId="{2A0EED9B-B346-4B51-BDB4-680CA7B24250}" dt="2022-09-29T16:11:00.381" v="699" actId="164"/>
       <pc:docMkLst>
         <pc:docMk/>
       </pc:docMkLst>
@@ -145,13 +145,13 @@
         </pc:grpChg>
       </pc:sldChg>
       <pc:sldChg chg="addSp delSp modSp mod">
-        <pc:chgData name="Noro Ryousuke" userId="f6f1762f-5136-4b7d-ace9-9db4248a5115" providerId="ADAL" clId="{2A0EED9B-B346-4B51-BDB4-680CA7B24250}" dt="2022-09-28T15:05:09.036" v="503" actId="1076"/>
+        <pc:chgData name="Noro Ryousuke" userId="f6f1762f-5136-4b7d-ace9-9db4248a5115" providerId="ADAL" clId="{2A0EED9B-B346-4B51-BDB4-680CA7B24250}" dt="2022-09-29T16:11:00.381" v="699" actId="164"/>
         <pc:sldMkLst>
           <pc:docMk/>
           <pc:sldMk cId="18023783" sldId="257"/>
         </pc:sldMkLst>
         <pc:spChg chg="add mod">
-          <ac:chgData name="Noro Ryousuke" userId="f6f1762f-5136-4b7d-ace9-9db4248a5115" providerId="ADAL" clId="{2A0EED9B-B346-4B51-BDB4-680CA7B24250}" dt="2022-09-28T15:03:57.735" v="463" actId="404"/>
+          <ac:chgData name="Noro Ryousuke" userId="f6f1762f-5136-4b7d-ace9-9db4248a5115" providerId="ADAL" clId="{2A0EED9B-B346-4B51-BDB4-680CA7B24250}" dt="2022-09-29T04:55:46.467" v="625" actId="164"/>
           <ac:spMkLst>
             <pc:docMk/>
             <pc:sldMk cId="18023783" sldId="257"/>
@@ -159,7 +159,7 @@
           </ac:spMkLst>
         </pc:spChg>
         <pc:spChg chg="add mod">
-          <ac:chgData name="Noro Ryousuke" userId="f6f1762f-5136-4b7d-ace9-9db4248a5115" providerId="ADAL" clId="{2A0EED9B-B346-4B51-BDB4-680CA7B24250}" dt="2022-09-28T15:04:12.329" v="468" actId="404"/>
+          <ac:chgData name="Noro Ryousuke" userId="f6f1762f-5136-4b7d-ace9-9db4248a5115" providerId="ADAL" clId="{2A0EED9B-B346-4B51-BDB4-680CA7B24250}" dt="2022-09-29T04:55:46.467" v="625" actId="164"/>
           <ac:spMkLst>
             <pc:docMk/>
             <pc:sldMk cId="18023783" sldId="257"/>
@@ -175,7 +175,7 @@
           </ac:spMkLst>
         </pc:spChg>
         <pc:spChg chg="add mod">
-          <ac:chgData name="Noro Ryousuke" userId="f6f1762f-5136-4b7d-ace9-9db4248a5115" providerId="ADAL" clId="{2A0EED9B-B346-4B51-BDB4-680CA7B24250}" dt="2022-09-28T15:04:47.095" v="489" actId="1076"/>
+          <ac:chgData name="Noro Ryousuke" userId="f6f1762f-5136-4b7d-ace9-9db4248a5115" providerId="ADAL" clId="{2A0EED9B-B346-4B51-BDB4-680CA7B24250}" dt="2022-09-29T04:59:19.091" v="653" actId="20577"/>
           <ac:spMkLst>
             <pc:docMk/>
             <pc:sldMk cId="18023783" sldId="257"/>
@@ -183,7 +183,7 @@
           </ac:spMkLst>
         </pc:spChg>
         <pc:spChg chg="add mod">
-          <ac:chgData name="Noro Ryousuke" userId="f6f1762f-5136-4b7d-ace9-9db4248a5115" providerId="ADAL" clId="{2A0EED9B-B346-4B51-BDB4-680CA7B24250}" dt="2022-09-28T15:05:09.036" v="503" actId="1076"/>
+          <ac:chgData name="Noro Ryousuke" userId="f6f1762f-5136-4b7d-ace9-9db4248a5115" providerId="ADAL" clId="{2A0EED9B-B346-4B51-BDB4-680CA7B24250}" dt="2022-09-29T04:59:25.900" v="670" actId="20577"/>
           <ac:spMkLst>
             <pc:docMk/>
             <pc:sldMk cId="18023783" sldId="257"/>
@@ -199,7 +199,15 @@
           </ac:spMkLst>
         </pc:spChg>
         <pc:spChg chg="add mod">
-          <ac:chgData name="Noro Ryousuke" userId="f6f1762f-5136-4b7d-ace9-9db4248a5115" providerId="ADAL" clId="{2A0EED9B-B346-4B51-BDB4-680CA7B24250}" dt="2022-09-28T07:36:34.406" v="405" actId="1037"/>
+          <ac:chgData name="Noro Ryousuke" userId="f6f1762f-5136-4b7d-ace9-9db4248a5115" providerId="ADAL" clId="{2A0EED9B-B346-4B51-BDB4-680CA7B24250}" dt="2022-09-29T16:11:00.381" v="699" actId="164"/>
+          <ac:spMkLst>
+            <pc:docMk/>
+            <pc:sldMk cId="18023783" sldId="257"/>
+            <ac:spMk id="9" creationId="{75D24A63-7DC8-1E54-6CF0-8A1A03917ACB}"/>
+          </ac:spMkLst>
+        </pc:spChg>
+        <pc:spChg chg="add mod">
+          <ac:chgData name="Noro Ryousuke" userId="f6f1762f-5136-4b7d-ace9-9db4248a5115" providerId="ADAL" clId="{2A0EED9B-B346-4B51-BDB4-680CA7B24250}" dt="2022-09-29T04:55:46.467" v="625" actId="164"/>
           <ac:spMkLst>
             <pc:docMk/>
             <pc:sldMk cId="18023783" sldId="257"/>
@@ -207,7 +215,7 @@
           </ac:spMkLst>
         </pc:spChg>
         <pc:spChg chg="add mod">
-          <ac:chgData name="Noro Ryousuke" userId="f6f1762f-5136-4b7d-ace9-9db4248a5115" providerId="ADAL" clId="{2A0EED9B-B346-4B51-BDB4-680CA7B24250}" dt="2022-09-28T07:36:34.406" v="405" actId="1037"/>
+          <ac:chgData name="Noro Ryousuke" userId="f6f1762f-5136-4b7d-ace9-9db4248a5115" providerId="ADAL" clId="{2A0EED9B-B346-4B51-BDB4-680CA7B24250}" dt="2022-09-29T04:55:46.467" v="625" actId="164"/>
           <ac:spMkLst>
             <pc:docMk/>
             <pc:sldMk cId="18023783" sldId="257"/>
@@ -215,11 +223,27 @@
           </ac:spMkLst>
         </pc:spChg>
         <pc:spChg chg="add mod">
-          <ac:chgData name="Noro Ryousuke" userId="f6f1762f-5136-4b7d-ace9-9db4248a5115" providerId="ADAL" clId="{2A0EED9B-B346-4B51-BDB4-680CA7B24250}" dt="2022-09-28T07:36:34.406" v="405" actId="1037"/>
+          <ac:chgData name="Noro Ryousuke" userId="f6f1762f-5136-4b7d-ace9-9db4248a5115" providerId="ADAL" clId="{2A0EED9B-B346-4B51-BDB4-680CA7B24250}" dt="2022-09-29T04:55:46.467" v="625" actId="164"/>
           <ac:spMkLst>
             <pc:docMk/>
             <pc:sldMk cId="18023783" sldId="257"/>
             <ac:spMk id="17" creationId="{00175CBE-CB47-5567-229F-0B81528BB285}"/>
+          </ac:spMkLst>
+        </pc:spChg>
+        <pc:spChg chg="add del mod">
+          <ac:chgData name="Noro Ryousuke" userId="f6f1762f-5136-4b7d-ace9-9db4248a5115" providerId="ADAL" clId="{2A0EED9B-B346-4B51-BDB4-680CA7B24250}" dt="2022-09-29T04:55:23.969" v="620" actId="478"/>
+          <ac:spMkLst>
+            <pc:docMk/>
+            <pc:sldMk cId="18023783" sldId="257"/>
+            <ac:spMk id="20" creationId="{08F20A96-E5AA-7586-5765-3A3CBD37C879}"/>
+          </ac:spMkLst>
+        </pc:spChg>
+        <pc:spChg chg="add del mod">
+          <ac:chgData name="Noro Ryousuke" userId="f6f1762f-5136-4b7d-ace9-9db4248a5115" providerId="ADAL" clId="{2A0EED9B-B346-4B51-BDB4-680CA7B24250}" dt="2022-09-29T04:55:25.406" v="621" actId="478"/>
+          <ac:spMkLst>
+            <pc:docMk/>
+            <pc:sldMk cId="18023783" sldId="257"/>
+            <ac:spMk id="21" creationId="{FFCC3823-1E3D-A8BF-910C-FD140D540250}"/>
           </ac:spMkLst>
         </pc:spChg>
         <pc:spChg chg="add mod">
@@ -231,11 +255,19 @@
           </ac:spMkLst>
         </pc:spChg>
         <pc:spChg chg="mod topLvl">
-          <ac:chgData name="Noro Ryousuke" userId="f6f1762f-5136-4b7d-ace9-9db4248a5115" providerId="ADAL" clId="{2A0EED9B-B346-4B51-BDB4-680CA7B24250}" dt="2022-09-28T07:36:34.406" v="405" actId="1037"/>
+          <ac:chgData name="Noro Ryousuke" userId="f6f1762f-5136-4b7d-ace9-9db4248a5115" providerId="ADAL" clId="{2A0EED9B-B346-4B51-BDB4-680CA7B24250}" dt="2022-09-29T04:55:46.467" v="625" actId="164"/>
           <ac:spMkLst>
             <pc:docMk/>
             <pc:sldMk cId="18023783" sldId="257"/>
             <ac:spMk id="25" creationId="{5A82312B-E0A9-C112-4326-F306B312F331}"/>
+          </ac:spMkLst>
+        </pc:spChg>
+        <pc:spChg chg="add del mod">
+          <ac:chgData name="Noro Ryousuke" userId="f6f1762f-5136-4b7d-ace9-9db4248a5115" providerId="ADAL" clId="{2A0EED9B-B346-4B51-BDB4-680CA7B24250}" dt="2022-09-29T04:53:30.956" v="589" actId="478"/>
+          <ac:spMkLst>
+            <pc:docMk/>
+            <pc:sldMk cId="18023783" sldId="257"/>
+            <ac:spMk id="26" creationId="{52595526-6F72-474E-1751-01834EE0B797}"/>
           </ac:spMkLst>
         </pc:spChg>
         <pc:spChg chg="del mod topLvl">
@@ -246,8 +278,16 @@
             <ac:spMk id="27" creationId="{10F11A3D-5EE6-E094-F45C-3CEA67E4B6B4}"/>
           </ac:spMkLst>
         </pc:spChg>
+        <pc:spChg chg="add del mod">
+          <ac:chgData name="Noro Ryousuke" userId="f6f1762f-5136-4b7d-ace9-9db4248a5115" providerId="ADAL" clId="{2A0EED9B-B346-4B51-BDB4-680CA7B24250}" dt="2022-09-29T04:53:30.956" v="589" actId="478"/>
+          <ac:spMkLst>
+            <pc:docMk/>
+            <pc:sldMk cId="18023783" sldId="257"/>
+            <ac:spMk id="27" creationId="{31CE0B53-08B0-ABDC-9C3E-C90E10AE95D8}"/>
+          </ac:spMkLst>
+        </pc:spChg>
         <pc:spChg chg="mod topLvl">
-          <ac:chgData name="Noro Ryousuke" userId="f6f1762f-5136-4b7d-ace9-9db4248a5115" providerId="ADAL" clId="{2A0EED9B-B346-4B51-BDB4-680CA7B24250}" dt="2022-09-28T07:36:34.406" v="405" actId="1037"/>
+          <ac:chgData name="Noro Ryousuke" userId="f6f1762f-5136-4b7d-ace9-9db4248a5115" providerId="ADAL" clId="{2A0EED9B-B346-4B51-BDB4-680CA7B24250}" dt="2022-09-29T04:55:46.467" v="625" actId="164"/>
           <ac:spMkLst>
             <pc:docMk/>
             <pc:sldMk cId="18023783" sldId="257"/>
@@ -279,7 +319,7 @@
           </ac:spMkLst>
         </pc:spChg>
         <pc:spChg chg="add mod">
-          <ac:chgData name="Noro Ryousuke" userId="f6f1762f-5136-4b7d-ace9-9db4248a5115" providerId="ADAL" clId="{2A0EED9B-B346-4B51-BDB4-680CA7B24250}" dt="2022-09-28T07:40:03.382" v="416" actId="20577"/>
+          <ac:chgData name="Noro Ryousuke" userId="f6f1762f-5136-4b7d-ace9-9db4248a5115" providerId="ADAL" clId="{2A0EED9B-B346-4B51-BDB4-680CA7B24250}" dt="2022-09-29T04:55:46.467" v="625" actId="164"/>
           <ac:spMkLst>
             <pc:docMk/>
             <pc:sldMk cId="18023783" sldId="257"/>
@@ -287,7 +327,7 @@
           </ac:spMkLst>
         </pc:spChg>
         <pc:spChg chg="add mod">
-          <ac:chgData name="Noro Ryousuke" userId="f6f1762f-5136-4b7d-ace9-9db4248a5115" providerId="ADAL" clId="{2A0EED9B-B346-4B51-BDB4-680CA7B24250}" dt="2022-09-28T07:40:10.157" v="421" actId="20577"/>
+          <ac:chgData name="Noro Ryousuke" userId="f6f1762f-5136-4b7d-ace9-9db4248a5115" providerId="ADAL" clId="{2A0EED9B-B346-4B51-BDB4-680CA7B24250}" dt="2022-09-29T04:55:46.467" v="625" actId="164"/>
           <ac:spMkLst>
             <pc:docMk/>
             <pc:sldMk cId="18023783" sldId="257"/>
@@ -295,7 +335,7 @@
           </ac:spMkLst>
         </pc:spChg>
         <pc:spChg chg="add mod">
-          <ac:chgData name="Noro Ryousuke" userId="f6f1762f-5136-4b7d-ace9-9db4248a5115" providerId="ADAL" clId="{2A0EED9B-B346-4B51-BDB4-680CA7B24250}" dt="2022-09-28T07:36:34.406" v="405" actId="1037"/>
+          <ac:chgData name="Noro Ryousuke" userId="f6f1762f-5136-4b7d-ace9-9db4248a5115" providerId="ADAL" clId="{2A0EED9B-B346-4B51-BDB4-680CA7B24250}" dt="2022-09-29T04:55:46.467" v="625" actId="164"/>
           <ac:spMkLst>
             <pc:docMk/>
             <pc:sldMk cId="18023783" sldId="257"/>
@@ -303,7 +343,7 @@
           </ac:spMkLst>
         </pc:spChg>
         <pc:spChg chg="add mod">
-          <ac:chgData name="Noro Ryousuke" userId="f6f1762f-5136-4b7d-ace9-9db4248a5115" providerId="ADAL" clId="{2A0EED9B-B346-4B51-BDB4-680CA7B24250}" dt="2022-09-28T07:40:48.960" v="441" actId="20577"/>
+          <ac:chgData name="Noro Ryousuke" userId="f6f1762f-5136-4b7d-ace9-9db4248a5115" providerId="ADAL" clId="{2A0EED9B-B346-4B51-BDB4-680CA7B24250}" dt="2022-09-29T04:55:46.467" v="625" actId="164"/>
           <ac:spMkLst>
             <pc:docMk/>
             <pc:sldMk cId="18023783" sldId="257"/>
@@ -327,7 +367,7 @@
           </ac:spMkLst>
         </pc:spChg>
         <pc:spChg chg="add mod">
-          <ac:chgData name="Noro Ryousuke" userId="f6f1762f-5136-4b7d-ace9-9db4248a5115" providerId="ADAL" clId="{2A0EED9B-B346-4B51-BDB4-680CA7B24250}" dt="2022-09-28T07:36:34.406" v="405" actId="1037"/>
+          <ac:chgData name="Noro Ryousuke" userId="f6f1762f-5136-4b7d-ace9-9db4248a5115" providerId="ADAL" clId="{2A0EED9B-B346-4B51-BDB4-680CA7B24250}" dt="2022-09-29T04:55:46.467" v="625" actId="164"/>
           <ac:spMkLst>
             <pc:docMk/>
             <pc:sldMk cId="18023783" sldId="257"/>
@@ -342,6 +382,14 @@
             <ac:grpSpMk id="6" creationId="{55035D96-9D53-BE5C-D28D-C29892A92BE2}"/>
           </ac:grpSpMkLst>
         </pc:grpChg>
+        <pc:grpChg chg="add mod">
+          <ac:chgData name="Noro Ryousuke" userId="f6f1762f-5136-4b7d-ace9-9db4248a5115" providerId="ADAL" clId="{2A0EED9B-B346-4B51-BDB4-680CA7B24250}" dt="2022-09-29T16:11:00.381" v="699" actId="164"/>
+          <ac:grpSpMkLst>
+            <pc:docMk/>
+            <pc:sldMk cId="18023783" sldId="257"/>
+            <ac:grpSpMk id="10" creationId="{CB62DBEE-0923-94B3-F1EA-38F4637B0074}"/>
+          </ac:grpSpMkLst>
+        </pc:grpChg>
         <pc:grpChg chg="del mod topLvl">
           <ac:chgData name="Noro Ryousuke" userId="f6f1762f-5136-4b7d-ace9-9db4248a5115" providerId="ADAL" clId="{2A0EED9B-B346-4B51-BDB4-680CA7B24250}" dt="2022-09-28T04:00:34.859" v="3" actId="165"/>
           <ac:grpSpMkLst>
@@ -351,7 +399,7 @@
           </ac:grpSpMkLst>
         </pc:grpChg>
         <pc:grpChg chg="add mod">
-          <ac:chgData name="Noro Ryousuke" userId="f6f1762f-5136-4b7d-ace9-9db4248a5115" providerId="ADAL" clId="{2A0EED9B-B346-4B51-BDB4-680CA7B24250}" dt="2022-09-28T07:36:34.406" v="405" actId="1037"/>
+          <ac:chgData name="Noro Ryousuke" userId="f6f1762f-5136-4b7d-ace9-9db4248a5115" providerId="ADAL" clId="{2A0EED9B-B346-4B51-BDB4-680CA7B24250}" dt="2022-09-29T04:55:46.467" v="625" actId="164"/>
           <ac:grpSpMkLst>
             <pc:docMk/>
             <pc:sldMk cId="18023783" sldId="257"/>
@@ -359,15 +407,23 @@
           </ac:grpSpMkLst>
         </pc:grpChg>
         <pc:grpChg chg="add mod">
-          <ac:chgData name="Noro Ryousuke" userId="f6f1762f-5136-4b7d-ace9-9db4248a5115" providerId="ADAL" clId="{2A0EED9B-B346-4B51-BDB4-680CA7B24250}" dt="2022-09-28T07:36:34.406" v="405" actId="1037"/>
+          <ac:chgData name="Noro Ryousuke" userId="f6f1762f-5136-4b7d-ace9-9db4248a5115" providerId="ADAL" clId="{2A0EED9B-B346-4B51-BDB4-680CA7B24250}" dt="2022-09-29T04:55:46.467" v="625" actId="164"/>
           <ac:grpSpMkLst>
             <pc:docMk/>
             <pc:sldMk cId="18023783" sldId="257"/>
             <ac:grpSpMk id="35" creationId="{7E826845-E542-4449-84F4-BE68D6305486}"/>
           </ac:grpSpMkLst>
         </pc:grpChg>
+        <pc:grpChg chg="add mod">
+          <ac:chgData name="Noro Ryousuke" userId="f6f1762f-5136-4b7d-ace9-9db4248a5115" providerId="ADAL" clId="{2A0EED9B-B346-4B51-BDB4-680CA7B24250}" dt="2022-09-29T16:11:00.381" v="699" actId="164"/>
+          <ac:grpSpMkLst>
+            <pc:docMk/>
+            <pc:sldMk cId="18023783" sldId="257"/>
+            <ac:grpSpMk id="59" creationId="{694F06D2-FC94-F1A4-EBBF-2D00871FC050}"/>
+          </ac:grpSpMkLst>
+        </pc:grpChg>
         <pc:cxnChg chg="mod topLvl">
-          <ac:chgData name="Noro Ryousuke" userId="f6f1762f-5136-4b7d-ace9-9db4248a5115" providerId="ADAL" clId="{2A0EED9B-B346-4B51-BDB4-680CA7B24250}" dt="2022-09-28T07:36:34.406" v="405" actId="1037"/>
+          <ac:chgData name="Noro Ryousuke" userId="f6f1762f-5136-4b7d-ace9-9db4248a5115" providerId="ADAL" clId="{2A0EED9B-B346-4B51-BDB4-680CA7B24250}" dt="2022-09-29T04:55:46.467" v="625" actId="164"/>
           <ac:cxnSpMkLst>
             <pc:docMk/>
             <pc:sldMk cId="18023783" sldId="257"/>
@@ -375,7 +431,7 @@
           </ac:cxnSpMkLst>
         </pc:cxnChg>
         <pc:cxnChg chg="add mod">
-          <ac:chgData name="Noro Ryousuke" userId="f6f1762f-5136-4b7d-ace9-9db4248a5115" providerId="ADAL" clId="{2A0EED9B-B346-4B51-BDB4-680CA7B24250}" dt="2022-09-28T07:36:34.406" v="405" actId="1037"/>
+          <ac:chgData name="Noro Ryousuke" userId="f6f1762f-5136-4b7d-ace9-9db4248a5115" providerId="ADAL" clId="{2A0EED9B-B346-4B51-BDB4-680CA7B24250}" dt="2022-09-29T04:55:46.467" v="625" actId="164"/>
           <ac:cxnSpMkLst>
             <pc:docMk/>
             <pc:sldMk cId="18023783" sldId="257"/>
@@ -383,7 +439,7 @@
           </ac:cxnSpMkLst>
         </pc:cxnChg>
         <pc:cxnChg chg="add mod">
-          <ac:chgData name="Noro Ryousuke" userId="f6f1762f-5136-4b7d-ace9-9db4248a5115" providerId="ADAL" clId="{2A0EED9B-B346-4B51-BDB4-680CA7B24250}" dt="2022-09-28T07:39:34.471" v="409" actId="1076"/>
+          <ac:chgData name="Noro Ryousuke" userId="f6f1762f-5136-4b7d-ace9-9db4248a5115" providerId="ADAL" clId="{2A0EED9B-B346-4B51-BDB4-680CA7B24250}" dt="2022-09-29T04:55:46.467" v="625" actId="164"/>
           <ac:cxnSpMkLst>
             <pc:docMk/>
             <pc:sldMk cId="18023783" sldId="257"/>
@@ -415,7 +471,7 @@
           </ac:cxnSpMkLst>
         </pc:cxnChg>
         <pc:cxnChg chg="add mod">
-          <ac:chgData name="Noro Ryousuke" userId="f6f1762f-5136-4b7d-ace9-9db4248a5115" providerId="ADAL" clId="{2A0EED9B-B346-4B51-BDB4-680CA7B24250}" dt="2022-09-28T07:36:34.406" v="405" actId="1037"/>
+          <ac:chgData name="Noro Ryousuke" userId="f6f1762f-5136-4b7d-ace9-9db4248a5115" providerId="ADAL" clId="{2A0EED9B-B346-4B51-BDB4-680CA7B24250}" dt="2022-09-29T04:55:46.467" v="625" actId="164"/>
           <ac:cxnSpMkLst>
             <pc:docMk/>
             <pc:sldMk cId="18023783" sldId="257"/>
@@ -423,7 +479,7 @@
           </ac:cxnSpMkLst>
         </pc:cxnChg>
         <pc:cxnChg chg="add mod">
-          <ac:chgData name="Noro Ryousuke" userId="f6f1762f-5136-4b7d-ace9-9db4248a5115" providerId="ADAL" clId="{2A0EED9B-B346-4B51-BDB4-680CA7B24250}" dt="2022-09-28T07:36:34.406" v="405" actId="1037"/>
+          <ac:chgData name="Noro Ryousuke" userId="f6f1762f-5136-4b7d-ace9-9db4248a5115" providerId="ADAL" clId="{2A0EED9B-B346-4B51-BDB4-680CA7B24250}" dt="2022-09-29T04:55:46.467" v="625" actId="164"/>
           <ac:cxnSpMkLst>
             <pc:docMk/>
             <pc:sldMk cId="18023783" sldId="257"/>
@@ -431,7 +487,7 @@
           </ac:cxnSpMkLst>
         </pc:cxnChg>
         <pc:cxnChg chg="add mod">
-          <ac:chgData name="Noro Ryousuke" userId="f6f1762f-5136-4b7d-ace9-9db4248a5115" providerId="ADAL" clId="{2A0EED9B-B346-4B51-BDB4-680CA7B24250}" dt="2022-09-28T07:36:34.406" v="405" actId="1037"/>
+          <ac:chgData name="Noro Ryousuke" userId="f6f1762f-5136-4b7d-ace9-9db4248a5115" providerId="ADAL" clId="{2A0EED9B-B346-4B51-BDB4-680CA7B24250}" dt="2022-09-29T04:55:46.467" v="625" actId="164"/>
           <ac:cxnSpMkLst>
             <pc:docMk/>
             <pc:sldMk cId="18023783" sldId="257"/>
@@ -447,7 +503,7 @@
           </ac:cxnSpMkLst>
         </pc:cxnChg>
         <pc:cxnChg chg="add mod">
-          <ac:chgData name="Noro Ryousuke" userId="f6f1762f-5136-4b7d-ace9-9db4248a5115" providerId="ADAL" clId="{2A0EED9B-B346-4B51-BDB4-680CA7B24250}" dt="2022-09-28T07:36:34.406" v="405" actId="1037"/>
+          <ac:chgData name="Noro Ryousuke" userId="f6f1762f-5136-4b7d-ace9-9db4248a5115" providerId="ADAL" clId="{2A0EED9B-B346-4B51-BDB4-680CA7B24250}" dt="2022-09-29T04:55:46.467" v="625" actId="164"/>
           <ac:cxnSpMkLst>
             <pc:docMk/>
             <pc:sldMk cId="18023783" sldId="257"/>
@@ -455,7 +511,7 @@
           </ac:cxnSpMkLst>
         </pc:cxnChg>
         <pc:cxnChg chg="add mod">
-          <ac:chgData name="Noro Ryousuke" userId="f6f1762f-5136-4b7d-ace9-9db4248a5115" providerId="ADAL" clId="{2A0EED9B-B346-4B51-BDB4-680CA7B24250}" dt="2022-09-28T07:36:34.406" v="405" actId="1037"/>
+          <ac:chgData name="Noro Ryousuke" userId="f6f1762f-5136-4b7d-ace9-9db4248a5115" providerId="ADAL" clId="{2A0EED9B-B346-4B51-BDB4-680CA7B24250}" dt="2022-09-29T04:55:46.467" v="625" actId="164"/>
           <ac:cxnSpMkLst>
             <pc:docMk/>
             <pc:sldMk cId="18023783" sldId="257"/>
@@ -478,6 +534,14 @@
             <ac:cxnSpMk id="31" creationId="{4D039251-C3D1-5DF0-BD26-A978AADDC0A9}"/>
           </ac:cxnSpMkLst>
         </pc:cxnChg>
+        <pc:cxnChg chg="add mod">
+          <ac:chgData name="Noro Ryousuke" userId="f6f1762f-5136-4b7d-ace9-9db4248a5115" providerId="ADAL" clId="{2A0EED9B-B346-4B51-BDB4-680CA7B24250}" dt="2022-09-29T04:55:46.467" v="625" actId="164"/>
+          <ac:cxnSpMkLst>
+            <pc:docMk/>
+            <pc:sldMk cId="18023783" sldId="257"/>
+            <ac:cxnSpMk id="32" creationId="{E8BB4CE5-9428-9C40-E344-ACFA10CBDF30}"/>
+          </ac:cxnSpMkLst>
+        </pc:cxnChg>
         <pc:cxnChg chg="mod">
           <ac:chgData name="Noro Ryousuke" userId="f6f1762f-5136-4b7d-ace9-9db4248a5115" providerId="ADAL" clId="{2A0EED9B-B346-4B51-BDB4-680CA7B24250}" dt="2022-09-28T04:09:35.251" v="175"/>
           <ac:cxnSpMkLst>
@@ -487,7 +551,7 @@
           </ac:cxnSpMkLst>
         </pc:cxnChg>
         <pc:cxnChg chg="add mod">
-          <ac:chgData name="Noro Ryousuke" userId="f6f1762f-5136-4b7d-ace9-9db4248a5115" providerId="ADAL" clId="{2A0EED9B-B346-4B51-BDB4-680CA7B24250}" dt="2022-09-28T07:36:34.406" v="405" actId="1037"/>
+          <ac:chgData name="Noro Ryousuke" userId="f6f1762f-5136-4b7d-ace9-9db4248a5115" providerId="ADAL" clId="{2A0EED9B-B346-4B51-BDB4-680CA7B24250}" dt="2022-09-29T04:55:46.467" v="625" actId="164"/>
           <ac:cxnSpMkLst>
             <pc:docMk/>
             <pc:sldMk cId="18023783" sldId="257"/>
@@ -495,11 +559,27 @@
           </ac:cxnSpMkLst>
         </pc:cxnChg>
         <pc:cxnChg chg="add mod">
-          <ac:chgData name="Noro Ryousuke" userId="f6f1762f-5136-4b7d-ace9-9db4248a5115" providerId="ADAL" clId="{2A0EED9B-B346-4B51-BDB4-680CA7B24250}" dt="2022-09-28T07:36:34.406" v="405" actId="1037"/>
+          <ac:chgData name="Noro Ryousuke" userId="f6f1762f-5136-4b7d-ace9-9db4248a5115" providerId="ADAL" clId="{2A0EED9B-B346-4B51-BDB4-680CA7B24250}" dt="2022-09-29T04:55:46.467" v="625" actId="164"/>
+          <ac:cxnSpMkLst>
+            <pc:docMk/>
+            <pc:sldMk cId="18023783" sldId="257"/>
+            <ac:cxnSpMk id="42" creationId="{AC60841A-2934-1651-D1D2-84D2DF691E1E}"/>
+          </ac:cxnSpMkLst>
+        </pc:cxnChg>
+        <pc:cxnChg chg="add mod">
+          <ac:chgData name="Noro Ryousuke" userId="f6f1762f-5136-4b7d-ace9-9db4248a5115" providerId="ADAL" clId="{2A0EED9B-B346-4B51-BDB4-680CA7B24250}" dt="2022-09-29T04:55:46.467" v="625" actId="164"/>
           <ac:cxnSpMkLst>
             <pc:docMk/>
             <pc:sldMk cId="18023783" sldId="257"/>
             <ac:cxnSpMk id="44" creationId="{AD95741F-92C5-B968-923D-5C95B538AEC4}"/>
+          </ac:cxnSpMkLst>
+        </pc:cxnChg>
+        <pc:cxnChg chg="add del mod">
+          <ac:chgData name="Noro Ryousuke" userId="f6f1762f-5136-4b7d-ace9-9db4248a5115" providerId="ADAL" clId="{2A0EED9B-B346-4B51-BDB4-680CA7B24250}" dt="2022-09-29T04:54:25.566" v="604" actId="478"/>
+          <ac:cxnSpMkLst>
+            <pc:docMk/>
+            <pc:sldMk cId="18023783" sldId="257"/>
+            <ac:cxnSpMk id="46" creationId="{9455355A-39D4-46EE-889A-01B1854633D6}"/>
           </ac:cxnSpMkLst>
         </pc:cxnChg>
         <pc:cxnChg chg="add del mod">
@@ -511,6 +591,14 @@
           </ac:cxnSpMkLst>
         </pc:cxnChg>
         <pc:cxnChg chg="add del mod">
+          <ac:chgData name="Noro Ryousuke" userId="f6f1762f-5136-4b7d-ace9-9db4248a5115" providerId="ADAL" clId="{2A0EED9B-B346-4B51-BDB4-680CA7B24250}" dt="2022-09-29T04:54:34.691" v="606" actId="478"/>
+          <ac:cxnSpMkLst>
+            <pc:docMk/>
+            <pc:sldMk cId="18023783" sldId="257"/>
+            <ac:cxnSpMk id="48" creationId="{C12EEC7C-4901-97D9-8120-F63E8469D604}"/>
+          </ac:cxnSpMkLst>
+        </pc:cxnChg>
+        <pc:cxnChg chg="add del mod">
           <ac:chgData name="Noro Ryousuke" userId="f6f1762f-5136-4b7d-ace9-9db4248a5115" providerId="ADAL" clId="{2A0EED9B-B346-4B51-BDB4-680CA7B24250}" dt="2022-09-28T07:35:01.768" v="363" actId="478"/>
           <ac:cxnSpMkLst>
             <pc:docMk/>
@@ -519,7 +607,39 @@
           </ac:cxnSpMkLst>
         </pc:cxnChg>
         <pc:cxnChg chg="add mod">
-          <ac:chgData name="Noro Ryousuke" userId="f6f1762f-5136-4b7d-ace9-9db4248a5115" providerId="ADAL" clId="{2A0EED9B-B346-4B51-BDB4-680CA7B24250}" dt="2022-09-28T07:36:34.406" v="405" actId="1037"/>
+          <ac:chgData name="Noro Ryousuke" userId="f6f1762f-5136-4b7d-ace9-9db4248a5115" providerId="ADAL" clId="{2A0EED9B-B346-4B51-BDB4-680CA7B24250}" dt="2022-09-29T04:55:46.467" v="625" actId="164"/>
+          <ac:cxnSpMkLst>
+            <pc:docMk/>
+            <pc:sldMk cId="18023783" sldId="257"/>
+            <ac:cxnSpMk id="50" creationId="{A056DA0A-0950-9E3C-AF59-180071BE4201}"/>
+          </ac:cxnSpMkLst>
+        </pc:cxnChg>
+        <pc:cxnChg chg="add mod">
+          <ac:chgData name="Noro Ryousuke" userId="f6f1762f-5136-4b7d-ace9-9db4248a5115" providerId="ADAL" clId="{2A0EED9B-B346-4B51-BDB4-680CA7B24250}" dt="2022-09-29T04:55:46.467" v="625" actId="164"/>
+          <ac:cxnSpMkLst>
+            <pc:docMk/>
+            <pc:sldMk cId="18023783" sldId="257"/>
+            <ac:cxnSpMk id="51" creationId="{3BFF0CF1-3196-A685-6180-C68176A57477}"/>
+          </ac:cxnSpMkLst>
+        </pc:cxnChg>
+        <pc:cxnChg chg="add mod">
+          <ac:chgData name="Noro Ryousuke" userId="f6f1762f-5136-4b7d-ace9-9db4248a5115" providerId="ADAL" clId="{2A0EED9B-B346-4B51-BDB4-680CA7B24250}" dt="2022-09-29T04:55:46.467" v="625" actId="164"/>
+          <ac:cxnSpMkLst>
+            <pc:docMk/>
+            <pc:sldMk cId="18023783" sldId="257"/>
+            <ac:cxnSpMk id="52" creationId="{E696B837-1766-56CA-51BB-6201B8C77968}"/>
+          </ac:cxnSpMkLst>
+        </pc:cxnChg>
+        <pc:cxnChg chg="add mod">
+          <ac:chgData name="Noro Ryousuke" userId="f6f1762f-5136-4b7d-ace9-9db4248a5115" providerId="ADAL" clId="{2A0EED9B-B346-4B51-BDB4-680CA7B24250}" dt="2022-09-29T04:55:46.467" v="625" actId="164"/>
+          <ac:cxnSpMkLst>
+            <pc:docMk/>
+            <pc:sldMk cId="18023783" sldId="257"/>
+            <ac:cxnSpMk id="53" creationId="{214EE189-A836-8FFF-E7BA-2E7E3DD55FE1}"/>
+          </ac:cxnSpMkLst>
+        </pc:cxnChg>
+        <pc:cxnChg chg="add mod">
+          <ac:chgData name="Noro Ryousuke" userId="f6f1762f-5136-4b7d-ace9-9db4248a5115" providerId="ADAL" clId="{2A0EED9B-B346-4B51-BDB4-680CA7B24250}" dt="2022-09-29T04:55:46.467" v="625" actId="164"/>
           <ac:cxnSpMkLst>
             <pc:docMk/>
             <pc:sldMk cId="18023783" sldId="257"/>
@@ -527,11 +647,27 @@
           </ac:cxnSpMkLst>
         </pc:cxnChg>
         <pc:cxnChg chg="add mod">
-          <ac:chgData name="Noro Ryousuke" userId="f6f1762f-5136-4b7d-ace9-9db4248a5115" providerId="ADAL" clId="{2A0EED9B-B346-4B51-BDB4-680CA7B24250}" dt="2022-09-28T07:36:34.406" v="405" actId="1037"/>
+          <ac:chgData name="Noro Ryousuke" userId="f6f1762f-5136-4b7d-ace9-9db4248a5115" providerId="ADAL" clId="{2A0EED9B-B346-4B51-BDB4-680CA7B24250}" dt="2022-09-29T04:55:46.467" v="625" actId="164"/>
+          <ac:cxnSpMkLst>
+            <pc:docMk/>
+            <pc:sldMk cId="18023783" sldId="257"/>
+            <ac:cxnSpMk id="55" creationId="{EBF77377-4884-F7CF-A159-A6645D588CC4}"/>
+          </ac:cxnSpMkLst>
+        </pc:cxnChg>
+        <pc:cxnChg chg="add mod">
+          <ac:chgData name="Noro Ryousuke" userId="f6f1762f-5136-4b7d-ace9-9db4248a5115" providerId="ADAL" clId="{2A0EED9B-B346-4B51-BDB4-680CA7B24250}" dt="2022-09-29T04:55:46.467" v="625" actId="164"/>
           <ac:cxnSpMkLst>
             <pc:docMk/>
             <pc:sldMk cId="18023783" sldId="257"/>
             <ac:cxnSpMk id="56" creationId="{0DA0C73E-7086-7E03-5FB8-50C85875D3E4}"/>
+          </ac:cxnSpMkLst>
+        </pc:cxnChg>
+        <pc:cxnChg chg="add mod">
+          <ac:chgData name="Noro Ryousuke" userId="f6f1762f-5136-4b7d-ace9-9db4248a5115" providerId="ADAL" clId="{2A0EED9B-B346-4B51-BDB4-680CA7B24250}" dt="2022-09-29T04:55:46.467" v="625" actId="164"/>
+          <ac:cxnSpMkLst>
+            <pc:docMk/>
+            <pc:sldMk cId="18023783" sldId="257"/>
+            <ac:cxnSpMk id="58" creationId="{45203D06-8810-EDB8-C681-8B119BFE6A67}"/>
           </ac:cxnSpMkLst>
         </pc:cxnChg>
         <pc:cxnChg chg="add del mod">
@@ -695,7 +831,7 @@
           <a:p>
             <a:fld id="{927D1FD1-0782-4701-8D62-E3DA66609878}" type="datetimeFigureOut">
               <a:rPr kumimoji="1" lang="ja-JP" altLang="en-US" smtClean="0"/>
-              <a:t>2022/9/28</a:t>
+              <a:t>2022/9/30</a:t>
             </a:fld>
             <a:endParaRPr kumimoji="1" lang="ja-JP" altLang="en-US"/>
           </a:p>
@@ -925,7 +1061,7 @@
           <a:p>
             <a:fld id="{927D1FD1-0782-4701-8D62-E3DA66609878}" type="datetimeFigureOut">
               <a:rPr kumimoji="1" lang="ja-JP" altLang="en-US" smtClean="0"/>
-              <a:t>2022/9/28</a:t>
+              <a:t>2022/9/30</a:t>
             </a:fld>
             <a:endParaRPr kumimoji="1" lang="ja-JP" altLang="en-US"/>
           </a:p>
@@ -1165,7 +1301,7 @@
           <a:p>
             <a:fld id="{927D1FD1-0782-4701-8D62-E3DA66609878}" type="datetimeFigureOut">
               <a:rPr kumimoji="1" lang="ja-JP" altLang="en-US" smtClean="0"/>
-              <a:t>2022/9/28</a:t>
+              <a:t>2022/9/30</a:t>
             </a:fld>
             <a:endParaRPr kumimoji="1" lang="ja-JP" altLang="en-US"/>
           </a:p>
@@ -1395,7 +1531,7 @@
           <a:p>
             <a:fld id="{927D1FD1-0782-4701-8D62-E3DA66609878}" type="datetimeFigureOut">
               <a:rPr kumimoji="1" lang="ja-JP" altLang="en-US" smtClean="0"/>
-              <a:t>2022/9/28</a:t>
+              <a:t>2022/9/30</a:t>
             </a:fld>
             <a:endParaRPr kumimoji="1" lang="ja-JP" altLang="en-US"/>
           </a:p>
@@ -1670,7 +1806,7 @@
           <a:p>
             <a:fld id="{927D1FD1-0782-4701-8D62-E3DA66609878}" type="datetimeFigureOut">
               <a:rPr kumimoji="1" lang="ja-JP" altLang="en-US" smtClean="0"/>
-              <a:t>2022/9/28</a:t>
+              <a:t>2022/9/30</a:t>
             </a:fld>
             <a:endParaRPr kumimoji="1" lang="ja-JP" altLang="en-US"/>
           </a:p>
@@ -1999,7 +2135,7 @@
           <a:p>
             <a:fld id="{927D1FD1-0782-4701-8D62-E3DA66609878}" type="datetimeFigureOut">
               <a:rPr kumimoji="1" lang="ja-JP" altLang="en-US" smtClean="0"/>
-              <a:t>2022/9/28</a:t>
+              <a:t>2022/9/30</a:t>
             </a:fld>
             <a:endParaRPr kumimoji="1" lang="ja-JP" altLang="en-US"/>
           </a:p>
@@ -2475,7 +2611,7 @@
           <a:p>
             <a:fld id="{927D1FD1-0782-4701-8D62-E3DA66609878}" type="datetimeFigureOut">
               <a:rPr kumimoji="1" lang="ja-JP" altLang="en-US" smtClean="0"/>
-              <a:t>2022/9/28</a:t>
+              <a:t>2022/9/30</a:t>
             </a:fld>
             <a:endParaRPr kumimoji="1" lang="ja-JP" altLang="en-US"/>
           </a:p>
@@ -2616,7 +2752,7 @@
           <a:p>
             <a:fld id="{927D1FD1-0782-4701-8D62-E3DA66609878}" type="datetimeFigureOut">
               <a:rPr kumimoji="1" lang="ja-JP" altLang="en-US" smtClean="0"/>
-              <a:t>2022/9/28</a:t>
+              <a:t>2022/9/30</a:t>
             </a:fld>
             <a:endParaRPr kumimoji="1" lang="ja-JP" altLang="en-US"/>
           </a:p>
@@ -2729,7 +2865,7 @@
           <a:p>
             <a:fld id="{927D1FD1-0782-4701-8D62-E3DA66609878}" type="datetimeFigureOut">
               <a:rPr kumimoji="1" lang="ja-JP" altLang="en-US" smtClean="0"/>
-              <a:t>2022/9/28</a:t>
+              <a:t>2022/9/30</a:t>
             </a:fld>
             <a:endParaRPr kumimoji="1" lang="ja-JP" altLang="en-US"/>
           </a:p>
@@ -3072,7 +3208,7 @@
           <a:p>
             <a:fld id="{927D1FD1-0782-4701-8D62-E3DA66609878}" type="datetimeFigureOut">
               <a:rPr kumimoji="1" lang="ja-JP" altLang="en-US" smtClean="0"/>
-              <a:t>2022/9/28</a:t>
+              <a:t>2022/9/30</a:t>
             </a:fld>
             <a:endParaRPr kumimoji="1" lang="ja-JP" altLang="en-US"/>
           </a:p>
@@ -3360,7 +3496,7 @@
           <a:p>
             <a:fld id="{927D1FD1-0782-4701-8D62-E3DA66609878}" type="datetimeFigureOut">
               <a:rPr kumimoji="1" lang="ja-JP" altLang="en-US" smtClean="0"/>
-              <a:t>2022/9/28</a:t>
+              <a:t>2022/9/30</a:t>
             </a:fld>
             <a:endParaRPr kumimoji="1" lang="ja-JP" altLang="en-US"/>
           </a:p>
@@ -3633,7 +3769,7 @@
           <a:p>
             <a:fld id="{927D1FD1-0782-4701-8D62-E3DA66609878}" type="datetimeFigureOut">
               <a:rPr kumimoji="1" lang="ja-JP" altLang="en-US" smtClean="0"/>
-              <a:t>2022/9/28</a:t>
+              <a:t>2022/9/30</a:t>
             </a:fld>
             <a:endParaRPr kumimoji="1" lang="ja-JP" altLang="en-US"/>
           </a:p>
@@ -4050,88 +4186,2347 @@
           <a:chExt cx="0" cy="0"/>
         </a:xfrm>
       </p:grpSpPr>
-      <p:sp>
-        <p:nvSpPr>
-          <p:cNvPr id="28" name="正方形/長方形 27">
+      <p:grpSp>
+        <p:nvGrpSpPr>
+          <p:cNvPr id="10" name="グループ化 9">
             <a:extLst>
               <a:ext uri="{FF2B5EF4-FFF2-40B4-BE49-F238E27FC236}">
-                <a16:creationId xmlns:a16="http://schemas.microsoft.com/office/drawing/2014/main" id="{75030CAA-E78A-12F8-FB04-C91C0F2E6106}"/>
+                <a16:creationId xmlns:a16="http://schemas.microsoft.com/office/drawing/2014/main" id="{CB62DBEE-0923-94B3-F1EA-38F4637B0074}"/>
               </a:ext>
             </a:extLst>
           </p:cNvPr>
-          <p:cNvSpPr/>
+          <p:cNvGrpSpPr/>
           <p:nvPr/>
-        </p:nvSpPr>
-        <p:spPr>
+        </p:nvGrpSpPr>
+        <p:grpSpPr>
           <a:xfrm>
-            <a:off x="2493381" y="2637668"/>
-            <a:ext cx="820410" cy="1324732"/>
+            <a:off x="15750" y="1129138"/>
+            <a:ext cx="12082502" cy="4546520"/>
+            <a:chOff x="15750" y="1129138"/>
+            <a:chExt cx="12082502" cy="4546520"/>
           </a:xfrm>
-          <a:prstGeom prst="rect">
-            <a:avLst/>
-          </a:prstGeom>
-          <a:noFill/>
-          <a:ln>
-            <a:solidFill>
-              <a:srgbClr val="00B0F0"/>
-            </a:solidFill>
-          </a:ln>
-        </p:spPr>
-        <p:style>
-          <a:lnRef idx="2">
-            <a:schemeClr val="accent1">
-              <a:shade val="50000"/>
-            </a:schemeClr>
-          </a:lnRef>
-          <a:fillRef idx="1">
-            <a:schemeClr val="accent1"/>
-          </a:fillRef>
-          <a:effectRef idx="0">
-            <a:schemeClr val="accent1"/>
-          </a:effectRef>
-          <a:fontRef idx="minor">
-            <a:schemeClr val="lt1"/>
-          </a:fontRef>
-        </p:style>
-        <p:txBody>
-          <a:bodyPr rtlCol="0" anchor="ctr"/>
-          <a:lstStyle/>
-          <a:p>
-            <a:pPr algn="ctr"/>
-            <a:r>
-              <a:rPr kumimoji="1" lang="en-US" altLang="ja-JP" dirty="0">
+        </p:grpSpPr>
+        <p:grpSp>
+          <p:nvGrpSpPr>
+            <p:cNvPr id="59" name="グループ化 58">
+              <a:extLst>
+                <a:ext uri="{FF2B5EF4-FFF2-40B4-BE49-F238E27FC236}">
+                  <a16:creationId xmlns:a16="http://schemas.microsoft.com/office/drawing/2014/main" id="{694F06D2-FC94-F1A4-EBBF-2D00871FC050}"/>
+                </a:ext>
+              </a:extLst>
+            </p:cNvPr>
+            <p:cNvGrpSpPr/>
+            <p:nvPr/>
+          </p:nvGrpSpPr>
+          <p:grpSpPr>
+            <a:xfrm>
+              <a:off x="15750" y="1604801"/>
+              <a:ext cx="12082502" cy="4070857"/>
+              <a:chOff x="15750" y="1604801"/>
+              <a:chExt cx="12082502" cy="4070857"/>
+            </a:xfrm>
+          </p:grpSpPr>
+          <p:sp>
+            <p:nvSpPr>
+              <p:cNvPr id="28" name="正方形/長方形 27">
+                <a:extLst>
+                  <a:ext uri="{FF2B5EF4-FFF2-40B4-BE49-F238E27FC236}">
+                    <a16:creationId xmlns:a16="http://schemas.microsoft.com/office/drawing/2014/main" id="{75030CAA-E78A-12F8-FB04-C91C0F2E6106}"/>
+                  </a:ext>
+                </a:extLst>
+              </p:cNvPr>
+              <p:cNvSpPr/>
+              <p:nvPr/>
+            </p:nvSpPr>
+            <p:spPr>
+              <a:xfrm>
+                <a:off x="2493381" y="2637668"/>
+                <a:ext cx="820410" cy="1324732"/>
+              </a:xfrm>
+              <a:prstGeom prst="rect">
+                <a:avLst/>
+              </a:prstGeom>
+              <a:noFill/>
+              <a:ln>
                 <a:solidFill>
                   <a:srgbClr val="00B0F0"/>
                 </a:solidFill>
-              </a:rPr>
-              <a:t>50:50</a:t>
-            </a:r>
-          </a:p>
-          <a:p>
-            <a:pPr algn="ctr"/>
-            <a:r>
-              <a:rPr kumimoji="1" lang="en-US" altLang="ja-JP" dirty="0">
+              </a:ln>
+            </p:spPr>
+            <p:style>
+              <a:lnRef idx="2">
+                <a:schemeClr val="accent1">
+                  <a:shade val="50000"/>
+                </a:schemeClr>
+              </a:lnRef>
+              <a:fillRef idx="1">
+                <a:schemeClr val="accent1"/>
+              </a:fillRef>
+              <a:effectRef idx="0">
+                <a:schemeClr val="accent1"/>
+              </a:effectRef>
+              <a:fontRef idx="minor">
+                <a:schemeClr val="lt1"/>
+              </a:fontRef>
+            </p:style>
+            <p:txBody>
+              <a:bodyPr rtlCol="0" anchor="ctr"/>
+              <a:lstStyle/>
+              <a:p>
+                <a:pPr algn="ctr"/>
+                <a:r>
+                  <a:rPr kumimoji="1" lang="en-US" altLang="ja-JP" dirty="0">
+                    <a:solidFill>
+                      <a:srgbClr val="00B0F0"/>
+                    </a:solidFill>
+                  </a:rPr>
+                  <a:t>50:50</a:t>
+                </a:r>
+              </a:p>
+              <a:p>
+                <a:pPr algn="ctr"/>
+                <a:r>
+                  <a:rPr kumimoji="1" lang="en-US" altLang="ja-JP" dirty="0">
+                    <a:solidFill>
+                      <a:srgbClr val="00B0F0"/>
+                    </a:solidFill>
+                  </a:rPr>
+                  <a:t>BS</a:t>
+                </a:r>
+                <a:r>
+                  <a:rPr kumimoji="1" lang="ja-JP" altLang="en-US" dirty="0"/>
+                  <a:t> </a:t>
+                </a:r>
+              </a:p>
+            </p:txBody>
+          </p:sp>
+          <mc:AlternateContent xmlns:mc="http://schemas.openxmlformats.org/markup-compatibility/2006" xmlns:a14="http://schemas.microsoft.com/office/drawing/2010/main">
+            <mc:Choice Requires="a14">
+              <p:sp>
+                <p:nvSpPr>
+                  <p:cNvPr id="25" name="テキスト ボックス 24">
+                    <a:extLst>
+                      <a:ext uri="{FF2B5EF4-FFF2-40B4-BE49-F238E27FC236}">
+                        <a16:creationId xmlns:a16="http://schemas.microsoft.com/office/drawing/2014/main" id="{5A82312B-E0A9-C112-4326-F306B312F331}"/>
+                      </a:ext>
+                    </a:extLst>
+                  </p:cNvPr>
+                  <p:cNvSpPr txBox="1"/>
+                  <p:nvPr/>
+                </p:nvSpPr>
+                <p:spPr>
+                  <a:xfrm>
+                    <a:off x="360129" y="1614909"/>
+                    <a:ext cx="1356012" cy="646331"/>
+                  </a:xfrm>
+                  <a:prstGeom prst="rect">
+                    <a:avLst/>
+                  </a:prstGeom>
+                  <a:noFill/>
+                </p:spPr>
+                <p:txBody>
+                  <a:bodyPr wrap="none" rtlCol="0">
+                    <a:spAutoFit/>
+                  </a:bodyPr>
+                  <a:lstStyle/>
+                  <a:p>
+                    <a:r>
+                      <a:rPr kumimoji="1" lang="en-US" altLang="ja-JP" b="0" dirty="0">
+                        <a:solidFill>
+                          <a:srgbClr val="00B0F0"/>
+                        </a:solidFill>
+                        <a:latin typeface="+mn-ea"/>
+                      </a:rPr>
+                      <a:t>input state</a:t>
+                    </a:r>
+                  </a:p>
+                  <a:p>
+                    <a:pPr/>
+                    <a14:m>
+                      <m:oMathPara xmlns:m="http://schemas.openxmlformats.org/officeDocument/2006/math">
+                        <m:oMathParaPr>
+                          <m:jc m:val="centerGroup"/>
+                        </m:oMathParaPr>
+                        <m:oMath xmlns:m="http://schemas.openxmlformats.org/officeDocument/2006/math">
+                          <m:sSub>
+                            <m:sSubPr>
+                              <m:ctrlPr>
+                                <a:rPr kumimoji="1" lang="en-US" altLang="ja-JP" b="0" i="1" smtClean="0">
+                                  <a:solidFill>
+                                    <a:srgbClr val="00B0F0"/>
+                                  </a:solidFill>
+                                  <a:latin typeface="Cambria Math" panose="02040503050406030204" pitchFamily="18" charset="0"/>
+                                </a:rPr>
+                              </m:ctrlPr>
+                            </m:sSubPr>
+                            <m:e>
+                              <m:d>
+                                <m:dPr>
+                                  <m:begChr m:val="|"/>
+                                  <m:endChr m:val="⟩"/>
+                                  <m:ctrlPr>
+                                    <a:rPr kumimoji="1" lang="en-US" altLang="ja-JP" b="0" i="1" smtClean="0">
+                                      <a:solidFill>
+                                        <a:srgbClr val="00B0F0"/>
+                                      </a:solidFill>
+                                      <a:latin typeface="Cambria Math" panose="02040503050406030204" pitchFamily="18" charset="0"/>
+                                    </a:rPr>
+                                  </m:ctrlPr>
+                                </m:dPr>
+                                <m:e>
+                                  <m:r>
+                                    <a:rPr kumimoji="1" lang="en-US" altLang="ja-JP" b="0" i="1" smtClean="0">
+                                      <a:solidFill>
+                                        <a:srgbClr val="00B0F0"/>
+                                      </a:solidFill>
+                                      <a:latin typeface="Cambria Math" panose="02040503050406030204" pitchFamily="18" charset="0"/>
+                                    </a:rPr>
+                                    <m:t>𝜙</m:t>
+                                  </m:r>
+                                </m:e>
+                              </m:d>
+                            </m:e>
+                            <m:sub>
+                              <m:r>
+                                <m:rPr>
+                                  <m:sty m:val="p"/>
+                                </m:rPr>
+                                <a:rPr kumimoji="1" lang="en-US" altLang="ja-JP" b="0" i="0" smtClean="0">
+                                  <a:solidFill>
+                                    <a:srgbClr val="00B0F0"/>
+                                  </a:solidFill>
+                                  <a:latin typeface="Cambria Math" panose="02040503050406030204" pitchFamily="18" charset="0"/>
+                                </a:rPr>
+                                <m:t>in</m:t>
+                              </m:r>
+                            </m:sub>
+                          </m:sSub>
+                        </m:oMath>
+                      </m:oMathPara>
+                    </a14:m>
+                    <a:endParaRPr kumimoji="1" lang="ja-JP" altLang="en-US" dirty="0">
+                      <a:solidFill>
+                        <a:srgbClr val="00B0F0"/>
+                      </a:solidFill>
+                    </a:endParaRPr>
+                  </a:p>
+                </p:txBody>
+              </p:sp>
+            </mc:Choice>
+            <mc:Fallback xmlns="">
+              <p:sp>
+                <p:nvSpPr>
+                  <p:cNvPr id="25" name="テキスト ボックス 24">
+                    <a:extLst>
+                      <a:ext uri="{FF2B5EF4-FFF2-40B4-BE49-F238E27FC236}">
+                        <a16:creationId xmlns:a16="http://schemas.microsoft.com/office/drawing/2014/main" id="{5A82312B-E0A9-C112-4326-F306B312F331}"/>
+                      </a:ext>
+                    </a:extLst>
+                  </p:cNvPr>
+                  <p:cNvSpPr txBox="1">
+                    <a:spLocks noRot="1" noChangeAspect="1" noMove="1" noResize="1" noEditPoints="1" noAdjustHandles="1" noChangeArrowheads="1" noChangeShapeType="1" noTextEdit="1"/>
+                  </p:cNvSpPr>
+                  <p:nvPr/>
+                </p:nvSpPr>
+                <p:spPr>
+                  <a:xfrm>
+                    <a:off x="360129" y="1614909"/>
+                    <a:ext cx="1356012" cy="646331"/>
+                  </a:xfrm>
+                  <a:prstGeom prst="rect">
+                    <a:avLst/>
+                  </a:prstGeom>
+                  <a:blipFill>
+                    <a:blip r:embed="rId2"/>
+                    <a:stretch>
+                      <a:fillRect l="-3587" t="-5660" r="-897" b="-6604"/>
+                    </a:stretch>
+                  </a:blipFill>
+                </p:spPr>
+                <p:txBody>
+                  <a:bodyPr/>
+                  <a:lstStyle/>
+                  <a:p>
+                    <a:r>
+                      <a:rPr lang="ja-JP" altLang="en-US">
+                        <a:noFill/>
+                      </a:rPr>
+                      <a:t> </a:t>
+                    </a:r>
+                  </a:p>
+                </p:txBody>
+              </p:sp>
+            </mc:Fallback>
+          </mc:AlternateContent>
+          <p:cxnSp>
+            <p:nvCxnSpPr>
+              <p:cNvPr id="3" name="直線コネクタ 2">
+                <a:extLst>
+                  <a:ext uri="{FF2B5EF4-FFF2-40B4-BE49-F238E27FC236}">
+                    <a16:creationId xmlns:a16="http://schemas.microsoft.com/office/drawing/2014/main" id="{38C9F603-6B6A-6B3E-4215-6CDC865D3666}"/>
+                  </a:ext>
+                </a:extLst>
+              </p:cNvPr>
+              <p:cNvCxnSpPr>
+                <a:cxnSpLocks/>
+              </p:cNvCxnSpPr>
+              <p:nvPr/>
+            </p:nvCxnSpPr>
+            <p:spPr>
+              <a:xfrm>
+                <a:off x="1716141" y="1938074"/>
+                <a:ext cx="2364720" cy="0"/>
+              </a:xfrm>
+              <a:prstGeom prst="line">
+                <a:avLst/>
+              </a:prstGeom>
+              <a:ln w="12700">
                 <a:solidFill>
                   <a:srgbClr val="00B0F0"/>
                 </a:solidFill>
-              </a:rPr>
-              <a:t>BS</a:t>
-            </a:r>
-            <a:r>
-              <a:rPr kumimoji="1" lang="ja-JP" altLang="en-US" dirty="0"/>
-              <a:t> </a:t>
-            </a:r>
-          </a:p>
-        </p:txBody>
-      </p:sp>
-      <mc:AlternateContent xmlns:mc="http://schemas.openxmlformats.org/markup-compatibility/2006" xmlns:a14="http://schemas.microsoft.com/office/drawing/2010/main">
-        <mc:Choice Requires="a14">
+              </a:ln>
+            </p:spPr>
+            <p:style>
+              <a:lnRef idx="1">
+                <a:schemeClr val="accent1"/>
+              </a:lnRef>
+              <a:fillRef idx="0">
+                <a:schemeClr val="accent1"/>
+              </a:fillRef>
+              <a:effectRef idx="0">
+                <a:schemeClr val="accent1"/>
+              </a:effectRef>
+              <a:fontRef idx="minor">
+                <a:schemeClr val="tx1"/>
+              </a:fontRef>
+            </p:style>
+          </p:cxnSp>
+          <p:cxnSp>
+            <p:nvCxnSpPr>
+              <p:cNvPr id="13" name="直線コネクタ 12">
+                <a:extLst>
+                  <a:ext uri="{FF2B5EF4-FFF2-40B4-BE49-F238E27FC236}">
+                    <a16:creationId xmlns:a16="http://schemas.microsoft.com/office/drawing/2014/main" id="{547CDFF3-E3EC-071C-F317-EE9D1323B5D9}"/>
+                  </a:ext>
+                </a:extLst>
+              </p:cNvPr>
+              <p:cNvCxnSpPr>
+                <a:cxnSpLocks/>
+              </p:cNvCxnSpPr>
+              <p:nvPr/>
+            </p:nvCxnSpPr>
+            <p:spPr>
+              <a:xfrm>
+                <a:off x="1726311" y="2882954"/>
+                <a:ext cx="767070" cy="0"/>
+              </a:xfrm>
+              <a:prstGeom prst="line">
+                <a:avLst/>
+              </a:prstGeom>
+              <a:ln w="12700">
+                <a:solidFill>
+                  <a:srgbClr val="00B0F0"/>
+                </a:solidFill>
+              </a:ln>
+            </p:spPr>
+            <p:style>
+              <a:lnRef idx="1">
+                <a:schemeClr val="accent1"/>
+              </a:lnRef>
+              <a:fillRef idx="0">
+                <a:schemeClr val="accent1"/>
+              </a:fillRef>
+              <a:effectRef idx="0">
+                <a:schemeClr val="accent1"/>
+              </a:effectRef>
+              <a:fontRef idx="minor">
+                <a:schemeClr val="tx1"/>
+              </a:fontRef>
+            </p:style>
+          </p:cxnSp>
+          <p:cxnSp>
+            <p:nvCxnSpPr>
+              <p:cNvPr id="14" name="直線コネクタ 13">
+                <a:extLst>
+                  <a:ext uri="{FF2B5EF4-FFF2-40B4-BE49-F238E27FC236}">
+                    <a16:creationId xmlns:a16="http://schemas.microsoft.com/office/drawing/2014/main" id="{B79079C2-8A5D-47E9-C617-997721ECE4D7}"/>
+                  </a:ext>
+                </a:extLst>
+              </p:cNvPr>
+              <p:cNvCxnSpPr>
+                <a:cxnSpLocks/>
+              </p:cNvCxnSpPr>
+              <p:nvPr/>
+            </p:nvCxnSpPr>
+            <p:spPr>
+              <a:xfrm>
+                <a:off x="1726311" y="3812926"/>
+                <a:ext cx="767070" cy="0"/>
+              </a:xfrm>
+              <a:prstGeom prst="line">
+                <a:avLst/>
+              </a:prstGeom>
+              <a:ln w="12700">
+                <a:solidFill>
+                  <a:srgbClr val="00B0F0"/>
+                </a:solidFill>
+              </a:ln>
+            </p:spPr>
+            <p:style>
+              <a:lnRef idx="1">
+                <a:schemeClr val="accent1"/>
+              </a:lnRef>
+              <a:fillRef idx="0">
+                <a:schemeClr val="accent1"/>
+              </a:fillRef>
+              <a:effectRef idx="0">
+                <a:schemeClr val="accent1"/>
+              </a:effectRef>
+              <a:fontRef idx="minor">
+                <a:schemeClr val="tx1"/>
+              </a:fontRef>
+            </p:style>
+          </p:cxnSp>
+          <mc:AlternateContent xmlns:mc="http://schemas.openxmlformats.org/markup-compatibility/2006" xmlns:a14="http://schemas.microsoft.com/office/drawing/2010/main">
+            <mc:Choice Requires="a14">
+              <p:sp>
+                <p:nvSpPr>
+                  <p:cNvPr id="15" name="テキスト ボックス 14">
+                    <a:extLst>
+                      <a:ext uri="{FF2B5EF4-FFF2-40B4-BE49-F238E27FC236}">
+                        <a16:creationId xmlns:a16="http://schemas.microsoft.com/office/drawing/2014/main" id="{9E13D592-7A48-5D46-B826-821C87DDDDE1}"/>
+                      </a:ext>
+                    </a:extLst>
+                  </p:cNvPr>
+                  <p:cNvSpPr txBox="1"/>
+                  <p:nvPr/>
+                </p:nvSpPr>
+                <p:spPr>
+                  <a:xfrm>
+                    <a:off x="49414" y="2544880"/>
+                    <a:ext cx="1795684" cy="646331"/>
+                  </a:xfrm>
+                  <a:prstGeom prst="rect">
+                    <a:avLst/>
+                  </a:prstGeom>
+                  <a:noFill/>
+                </p:spPr>
+                <p:txBody>
+                  <a:bodyPr wrap="none" rtlCol="0">
+                    <a:spAutoFit/>
+                  </a:bodyPr>
+                  <a:lstStyle/>
+                  <a:p>
+                    <a:r>
+                      <a:rPr kumimoji="1" lang="en-US" altLang="ja-JP" b="0" dirty="0">
+                        <a:solidFill>
+                          <a:srgbClr val="00B0F0"/>
+                        </a:solidFill>
+                        <a:latin typeface="+mn-ea"/>
+                      </a:rPr>
+                      <a:t>squeezed state</a:t>
+                    </a:r>
+                  </a:p>
+                  <a:p>
+                    <a:pPr/>
+                    <a14:m>
+                      <m:oMathPara xmlns:m="http://schemas.openxmlformats.org/officeDocument/2006/math">
+                        <m:oMathParaPr>
+                          <m:jc m:val="centerGroup"/>
+                        </m:oMathParaPr>
+                        <m:oMath xmlns:m="http://schemas.openxmlformats.org/officeDocument/2006/math">
+                          <m:r>
+                            <a:rPr kumimoji="1" lang="en-US" altLang="ja-JP" b="0" i="1" smtClean="0">
+                              <a:solidFill>
+                                <a:srgbClr val="00B0F0"/>
+                              </a:solidFill>
+                              <a:latin typeface="Cambria Math" panose="02040503050406030204" pitchFamily="18" charset="0"/>
+                            </a:rPr>
+                            <m:t>𝑆</m:t>
+                          </m:r>
+                          <m:r>
+                            <a:rPr kumimoji="1" lang="en-US" altLang="ja-JP" b="0" i="1" smtClean="0">
+                              <a:solidFill>
+                                <a:srgbClr val="00B0F0"/>
+                              </a:solidFill>
+                              <a:latin typeface="Cambria Math" panose="02040503050406030204" pitchFamily="18" charset="0"/>
+                            </a:rPr>
+                            <m:t>(</m:t>
+                          </m:r>
+                          <m:r>
+                            <a:rPr kumimoji="1" lang="en-US" altLang="ja-JP" b="0" i="1" smtClean="0">
+                              <a:solidFill>
+                                <a:srgbClr val="00B0F0"/>
+                              </a:solidFill>
+                              <a:latin typeface="Cambria Math" panose="02040503050406030204" pitchFamily="18" charset="0"/>
+                            </a:rPr>
+                            <m:t>𝑟</m:t>
+                          </m:r>
+                          <m:r>
+                            <a:rPr kumimoji="1" lang="en-US" altLang="ja-JP" b="0" i="1" smtClean="0">
+                              <a:solidFill>
+                                <a:srgbClr val="00B0F0"/>
+                              </a:solidFill>
+                              <a:latin typeface="Cambria Math" panose="02040503050406030204" pitchFamily="18" charset="0"/>
+                            </a:rPr>
+                            <m:t>)|0⟩</m:t>
+                          </m:r>
+                        </m:oMath>
+                      </m:oMathPara>
+                    </a14:m>
+                    <a:endParaRPr kumimoji="1" lang="ja-JP" altLang="en-US" dirty="0">
+                      <a:solidFill>
+                        <a:srgbClr val="00B0F0"/>
+                      </a:solidFill>
+                    </a:endParaRPr>
+                  </a:p>
+                </p:txBody>
+              </p:sp>
+            </mc:Choice>
+            <mc:Fallback xmlns="">
+              <p:sp>
+                <p:nvSpPr>
+                  <p:cNvPr id="15" name="テキスト ボックス 14">
+                    <a:extLst>
+                      <a:ext uri="{FF2B5EF4-FFF2-40B4-BE49-F238E27FC236}">
+                        <a16:creationId xmlns:a16="http://schemas.microsoft.com/office/drawing/2014/main" id="{9E13D592-7A48-5D46-B826-821C87DDDDE1}"/>
+                      </a:ext>
+                    </a:extLst>
+                  </p:cNvPr>
+                  <p:cNvSpPr txBox="1">
+                    <a:spLocks noRot="1" noChangeAspect="1" noMove="1" noResize="1" noEditPoints="1" noAdjustHandles="1" noChangeArrowheads="1" noChangeShapeType="1" noTextEdit="1"/>
+                  </p:cNvSpPr>
+                  <p:nvPr/>
+                </p:nvSpPr>
+                <p:spPr>
+                  <a:xfrm>
+                    <a:off x="49414" y="2544880"/>
+                    <a:ext cx="1795684" cy="646331"/>
+                  </a:xfrm>
+                  <a:prstGeom prst="rect">
+                    <a:avLst/>
+                  </a:prstGeom>
+                  <a:blipFill>
+                    <a:blip r:embed="rId3"/>
+                    <a:stretch>
+                      <a:fillRect l="-2712" t="-4717" r="-1695" b="-7547"/>
+                    </a:stretch>
+                  </a:blipFill>
+                </p:spPr>
+                <p:txBody>
+                  <a:bodyPr/>
+                  <a:lstStyle/>
+                  <a:p>
+                    <a:r>
+                      <a:rPr lang="ja-JP" altLang="en-US">
+                        <a:noFill/>
+                      </a:rPr>
+                      <a:t> </a:t>
+                    </a:r>
+                  </a:p>
+                </p:txBody>
+              </p:sp>
+            </mc:Fallback>
+          </mc:AlternateContent>
+          <mc:AlternateContent xmlns:mc="http://schemas.openxmlformats.org/markup-compatibility/2006" xmlns:a14="http://schemas.microsoft.com/office/drawing/2010/main">
+            <mc:Choice Requires="a14">
+              <p:sp>
+                <p:nvSpPr>
+                  <p:cNvPr id="16" name="テキスト ボックス 15">
+                    <a:extLst>
+                      <a:ext uri="{FF2B5EF4-FFF2-40B4-BE49-F238E27FC236}">
+                        <a16:creationId xmlns:a16="http://schemas.microsoft.com/office/drawing/2014/main" id="{E31E81BF-1DD8-67C0-ACE8-69DE695A0F97}"/>
+                      </a:ext>
+                    </a:extLst>
+                  </p:cNvPr>
+                  <p:cNvSpPr txBox="1"/>
+                  <p:nvPr/>
+                </p:nvSpPr>
+                <p:spPr>
+                  <a:xfrm>
+                    <a:off x="49414" y="3369561"/>
+                    <a:ext cx="1795684" cy="646331"/>
+                  </a:xfrm>
+                  <a:prstGeom prst="rect">
+                    <a:avLst/>
+                  </a:prstGeom>
+                  <a:noFill/>
+                </p:spPr>
+                <p:txBody>
+                  <a:bodyPr wrap="none" rtlCol="0">
+                    <a:spAutoFit/>
+                  </a:bodyPr>
+                  <a:lstStyle/>
+                  <a:p>
+                    <a:r>
+                      <a:rPr kumimoji="1" lang="en-US" altLang="ja-JP" b="0" dirty="0">
+                        <a:solidFill>
+                          <a:srgbClr val="00B0F0"/>
+                        </a:solidFill>
+                        <a:latin typeface="+mn-ea"/>
+                      </a:rPr>
+                      <a:t>squeezed state</a:t>
+                    </a:r>
+                  </a:p>
+                  <a:p>
+                    <a:pPr/>
+                    <a14:m>
+                      <m:oMathPara xmlns:m="http://schemas.openxmlformats.org/officeDocument/2006/math">
+                        <m:oMathParaPr>
+                          <m:jc m:val="centerGroup"/>
+                        </m:oMathParaPr>
+                        <m:oMath xmlns:m="http://schemas.openxmlformats.org/officeDocument/2006/math">
+                          <m:r>
+                            <a:rPr kumimoji="1" lang="en-US" altLang="ja-JP" b="0" i="1" smtClean="0">
+                              <a:solidFill>
+                                <a:srgbClr val="00B0F0"/>
+                              </a:solidFill>
+                              <a:latin typeface="Cambria Math" panose="02040503050406030204" pitchFamily="18" charset="0"/>
+                            </a:rPr>
+                            <m:t>𝑆</m:t>
+                          </m:r>
+                          <m:r>
+                            <a:rPr kumimoji="1" lang="en-US" altLang="ja-JP" b="0" i="1" smtClean="0">
+                              <a:solidFill>
+                                <a:srgbClr val="00B0F0"/>
+                              </a:solidFill>
+                              <a:latin typeface="Cambria Math" panose="02040503050406030204" pitchFamily="18" charset="0"/>
+                            </a:rPr>
+                            <m:t>(−</m:t>
+                          </m:r>
+                          <m:r>
+                            <a:rPr kumimoji="1" lang="en-US" altLang="ja-JP" b="0" i="1" smtClean="0">
+                              <a:solidFill>
+                                <a:srgbClr val="00B0F0"/>
+                              </a:solidFill>
+                              <a:latin typeface="Cambria Math" panose="02040503050406030204" pitchFamily="18" charset="0"/>
+                            </a:rPr>
+                            <m:t>𝑟</m:t>
+                          </m:r>
+                          <m:r>
+                            <a:rPr kumimoji="1" lang="en-US" altLang="ja-JP" b="0" i="1" smtClean="0">
+                              <a:solidFill>
+                                <a:srgbClr val="00B0F0"/>
+                              </a:solidFill>
+                              <a:latin typeface="Cambria Math" panose="02040503050406030204" pitchFamily="18" charset="0"/>
+                            </a:rPr>
+                            <m:t>)|0⟩</m:t>
+                          </m:r>
+                        </m:oMath>
+                      </m:oMathPara>
+                    </a14:m>
+                    <a:endParaRPr kumimoji="1" lang="ja-JP" altLang="en-US" dirty="0">
+                      <a:solidFill>
+                        <a:srgbClr val="00B0F0"/>
+                      </a:solidFill>
+                    </a:endParaRPr>
+                  </a:p>
+                </p:txBody>
+              </p:sp>
+            </mc:Choice>
+            <mc:Fallback xmlns="">
+              <p:sp>
+                <p:nvSpPr>
+                  <p:cNvPr id="16" name="テキスト ボックス 15">
+                    <a:extLst>
+                      <a:ext uri="{FF2B5EF4-FFF2-40B4-BE49-F238E27FC236}">
+                        <a16:creationId xmlns:a16="http://schemas.microsoft.com/office/drawing/2014/main" id="{E31E81BF-1DD8-67C0-ACE8-69DE695A0F97}"/>
+                      </a:ext>
+                    </a:extLst>
+                  </p:cNvPr>
+                  <p:cNvSpPr txBox="1">
+                    <a:spLocks noRot="1" noChangeAspect="1" noMove="1" noResize="1" noEditPoints="1" noAdjustHandles="1" noChangeArrowheads="1" noChangeShapeType="1" noTextEdit="1"/>
+                  </p:cNvSpPr>
+                  <p:nvPr/>
+                </p:nvSpPr>
+                <p:spPr>
+                  <a:xfrm>
+                    <a:off x="49414" y="3369561"/>
+                    <a:ext cx="1795684" cy="646331"/>
+                  </a:xfrm>
+                  <a:prstGeom prst="rect">
+                    <a:avLst/>
+                  </a:prstGeom>
+                  <a:blipFill>
+                    <a:blip r:embed="rId4"/>
+                    <a:stretch>
+                      <a:fillRect l="-2712" t="-5660" r="-1695" b="-6604"/>
+                    </a:stretch>
+                  </a:blipFill>
+                </p:spPr>
+                <p:txBody>
+                  <a:bodyPr/>
+                  <a:lstStyle/>
+                  <a:p>
+                    <a:r>
+                      <a:rPr lang="ja-JP" altLang="en-US">
+                        <a:noFill/>
+                      </a:rPr>
+                      <a:t> </a:t>
+                    </a:r>
+                  </a:p>
+                </p:txBody>
+              </p:sp>
+            </mc:Fallback>
+          </mc:AlternateContent>
           <p:sp>
             <p:nvSpPr>
-              <p:cNvPr id="25" name="テキスト ボックス 24">
+              <p:cNvPr id="17" name="正方形/長方形 16">
                 <a:extLst>
                   <a:ext uri="{FF2B5EF4-FFF2-40B4-BE49-F238E27FC236}">
-                    <a16:creationId xmlns:a16="http://schemas.microsoft.com/office/drawing/2014/main" id="{5A82312B-E0A9-C112-4326-F306B312F331}"/>
+                    <a16:creationId xmlns:a16="http://schemas.microsoft.com/office/drawing/2014/main" id="{00175CBE-CB47-5567-229F-0B81528BB285}"/>
+                  </a:ext>
+                </a:extLst>
+              </p:cNvPr>
+              <p:cNvSpPr/>
+              <p:nvPr/>
+            </p:nvSpPr>
+            <p:spPr>
+              <a:xfrm>
+                <a:off x="4080861" y="1715648"/>
+                <a:ext cx="820410" cy="1324732"/>
+              </a:xfrm>
+              <a:prstGeom prst="rect">
+                <a:avLst/>
+              </a:prstGeom>
+              <a:noFill/>
+              <a:ln>
+                <a:solidFill>
+                  <a:srgbClr val="00B0F0"/>
+                </a:solidFill>
+              </a:ln>
+            </p:spPr>
+            <p:style>
+              <a:lnRef idx="2">
+                <a:schemeClr val="accent1">
+                  <a:shade val="50000"/>
+                </a:schemeClr>
+              </a:lnRef>
+              <a:fillRef idx="1">
+                <a:schemeClr val="accent1"/>
+              </a:fillRef>
+              <a:effectRef idx="0">
+                <a:schemeClr val="accent1"/>
+              </a:effectRef>
+              <a:fontRef idx="minor">
+                <a:schemeClr val="lt1"/>
+              </a:fontRef>
+            </p:style>
+            <p:txBody>
+              <a:bodyPr rtlCol="0" anchor="ctr"/>
+              <a:lstStyle/>
+              <a:p>
+                <a:pPr algn="ctr"/>
+                <a:r>
+                  <a:rPr kumimoji="1" lang="en-US" altLang="ja-JP" dirty="0">
+                    <a:solidFill>
+                      <a:srgbClr val="00B0F0"/>
+                    </a:solidFill>
+                  </a:rPr>
+                  <a:t>50:50</a:t>
+                </a:r>
+              </a:p>
+              <a:p>
+                <a:pPr algn="ctr"/>
+                <a:r>
+                  <a:rPr kumimoji="1" lang="en-US" altLang="ja-JP" dirty="0">
+                    <a:solidFill>
+                      <a:srgbClr val="00B0F0"/>
+                    </a:solidFill>
+                  </a:rPr>
+                  <a:t>BS</a:t>
+                </a:r>
+                <a:r>
+                  <a:rPr kumimoji="1" lang="ja-JP" altLang="en-US" dirty="0"/>
+                  <a:t> </a:t>
+                </a:r>
+              </a:p>
+            </p:txBody>
+          </p:sp>
+          <p:cxnSp>
+            <p:nvCxnSpPr>
+              <p:cNvPr id="18" name="直線コネクタ 17">
+                <a:extLst>
+                  <a:ext uri="{FF2B5EF4-FFF2-40B4-BE49-F238E27FC236}">
+                    <a16:creationId xmlns:a16="http://schemas.microsoft.com/office/drawing/2014/main" id="{044CF99E-FB4D-32FA-0D7F-D2847FB82700}"/>
+                  </a:ext>
+                </a:extLst>
+              </p:cNvPr>
+              <p:cNvCxnSpPr>
+                <a:cxnSpLocks/>
+              </p:cNvCxnSpPr>
+              <p:nvPr/>
+            </p:nvCxnSpPr>
+            <p:spPr>
+              <a:xfrm>
+                <a:off x="3313791" y="2882954"/>
+                <a:ext cx="767070" cy="0"/>
+              </a:xfrm>
+              <a:prstGeom prst="line">
+                <a:avLst/>
+              </a:prstGeom>
+              <a:ln w="12700">
+                <a:solidFill>
+                  <a:srgbClr val="00B0F0"/>
+                </a:solidFill>
+              </a:ln>
+            </p:spPr>
+            <p:style>
+              <a:lnRef idx="1">
+                <a:schemeClr val="accent1"/>
+              </a:lnRef>
+              <a:fillRef idx="0">
+                <a:schemeClr val="accent1"/>
+              </a:fillRef>
+              <a:effectRef idx="0">
+                <a:schemeClr val="accent1"/>
+              </a:effectRef>
+              <a:fontRef idx="minor">
+                <a:schemeClr val="tx1"/>
+              </a:fontRef>
+            </p:style>
+          </p:cxnSp>
+          <p:cxnSp>
+            <p:nvCxnSpPr>
+              <p:cNvPr id="22" name="直線コネクタ 21">
+                <a:extLst>
+                  <a:ext uri="{FF2B5EF4-FFF2-40B4-BE49-F238E27FC236}">
+                    <a16:creationId xmlns:a16="http://schemas.microsoft.com/office/drawing/2014/main" id="{9F6F180B-A36F-26BE-AFD7-25A70232EA33}"/>
+                  </a:ext>
+                </a:extLst>
+              </p:cNvPr>
+              <p:cNvCxnSpPr>
+                <a:cxnSpLocks/>
+              </p:cNvCxnSpPr>
+              <p:nvPr/>
+            </p:nvCxnSpPr>
+            <p:spPr>
+              <a:xfrm>
+                <a:off x="4901271" y="1938074"/>
+                <a:ext cx="461395" cy="0"/>
+              </a:xfrm>
+              <a:prstGeom prst="line">
+                <a:avLst/>
+              </a:prstGeom>
+              <a:ln w="12700">
+                <a:solidFill>
+                  <a:srgbClr val="00B0F0"/>
+                </a:solidFill>
+              </a:ln>
+            </p:spPr>
+            <p:style>
+              <a:lnRef idx="1">
+                <a:schemeClr val="accent1"/>
+              </a:lnRef>
+              <a:fillRef idx="0">
+                <a:schemeClr val="accent1"/>
+              </a:fillRef>
+              <a:effectRef idx="0">
+                <a:schemeClr val="accent1"/>
+              </a:effectRef>
+              <a:fontRef idx="minor">
+                <a:schemeClr val="tx1"/>
+              </a:fontRef>
+            </p:style>
+          </p:cxnSp>
+          <p:cxnSp>
+            <p:nvCxnSpPr>
+              <p:cNvPr id="23" name="直線コネクタ 22">
+                <a:extLst>
+                  <a:ext uri="{FF2B5EF4-FFF2-40B4-BE49-F238E27FC236}">
+                    <a16:creationId xmlns:a16="http://schemas.microsoft.com/office/drawing/2014/main" id="{B1F1DC72-DF8D-B206-D220-55B5A39BA925}"/>
+                  </a:ext>
+                </a:extLst>
+              </p:cNvPr>
+              <p:cNvCxnSpPr>
+                <a:cxnSpLocks/>
+              </p:cNvCxnSpPr>
+              <p:nvPr/>
+            </p:nvCxnSpPr>
+            <p:spPr>
+              <a:xfrm>
+                <a:off x="4901271" y="2882954"/>
+                <a:ext cx="475556" cy="0"/>
+              </a:xfrm>
+              <a:prstGeom prst="line">
+                <a:avLst/>
+              </a:prstGeom>
+              <a:ln w="12700">
+                <a:solidFill>
+                  <a:srgbClr val="00B0F0"/>
+                </a:solidFill>
+              </a:ln>
+            </p:spPr>
+            <p:style>
+              <a:lnRef idx="1">
+                <a:schemeClr val="accent1"/>
+              </a:lnRef>
+              <a:fillRef idx="0">
+                <a:schemeClr val="accent1"/>
+              </a:fillRef>
+              <a:effectRef idx="0">
+                <a:schemeClr val="accent1"/>
+              </a:effectRef>
+              <a:fontRef idx="minor">
+                <a:schemeClr val="tx1"/>
+              </a:fontRef>
+            </p:style>
+          </p:cxnSp>
+          <p:grpSp>
+            <p:nvGrpSpPr>
+              <p:cNvPr id="34" name="グループ化 33">
+                <a:extLst>
+                  <a:ext uri="{FF2B5EF4-FFF2-40B4-BE49-F238E27FC236}">
+                    <a16:creationId xmlns:a16="http://schemas.microsoft.com/office/drawing/2014/main" id="{9ADB904D-25B0-3B27-9CBF-31A1D793BA6B}"/>
+                  </a:ext>
+                </a:extLst>
+              </p:cNvPr>
+              <p:cNvGrpSpPr/>
+              <p:nvPr/>
+            </p:nvGrpSpPr>
+            <p:grpSpPr>
+              <a:xfrm>
+                <a:off x="5359902" y="1604801"/>
+                <a:ext cx="646329" cy="670968"/>
+                <a:chOff x="5846464" y="1604801"/>
+                <a:chExt cx="646329" cy="670968"/>
+              </a:xfrm>
+            </p:grpSpPr>
+            <p:sp>
+              <p:nvSpPr>
+                <p:cNvPr id="24" name="正方形/長方形 23">
+                  <a:extLst>
+                    <a:ext uri="{FF2B5EF4-FFF2-40B4-BE49-F238E27FC236}">
+                      <a16:creationId xmlns:a16="http://schemas.microsoft.com/office/drawing/2014/main" id="{56D2C95C-0AD3-D7D8-B981-400C6E2C9688}"/>
+                    </a:ext>
+                  </a:extLst>
+                </p:cNvPr>
+                <p:cNvSpPr/>
+                <p:nvPr/>
+              </p:nvSpPr>
+              <p:spPr>
+                <a:xfrm>
+                  <a:off x="5846464" y="1604801"/>
+                  <a:ext cx="646329" cy="646329"/>
+                </a:xfrm>
+                <a:prstGeom prst="rect">
+                  <a:avLst/>
+                </a:prstGeom>
+                <a:noFill/>
+                <a:ln w="12700">
+                  <a:solidFill>
+                    <a:srgbClr val="00B0F0"/>
+                  </a:solidFill>
+                </a:ln>
+              </p:spPr>
+              <p:style>
+                <a:lnRef idx="2">
+                  <a:schemeClr val="accent1">
+                    <a:shade val="50000"/>
+                  </a:schemeClr>
+                </a:lnRef>
+                <a:fillRef idx="1">
+                  <a:schemeClr val="accent1"/>
+                </a:fillRef>
+                <a:effectRef idx="0">
+                  <a:schemeClr val="accent1"/>
+                </a:effectRef>
+                <a:fontRef idx="minor">
+                  <a:schemeClr val="lt1"/>
+                </a:fontRef>
+              </p:style>
+              <p:txBody>
+                <a:bodyPr rtlCol="0" anchor="ctr"/>
+                <a:lstStyle/>
+                <a:p>
+                  <a:pPr algn="ctr"/>
+                  <a:endParaRPr kumimoji="1" lang="ja-JP" altLang="en-US" dirty="0"/>
+                </a:p>
+              </p:txBody>
+            </p:sp>
+            <p:sp>
+              <p:nvSpPr>
+                <p:cNvPr id="29" name="円弧 28">
+                  <a:extLst>
+                    <a:ext uri="{FF2B5EF4-FFF2-40B4-BE49-F238E27FC236}">
+                      <a16:creationId xmlns:a16="http://schemas.microsoft.com/office/drawing/2014/main" id="{5997CD09-BC67-5367-C4D4-25FF94B153EE}"/>
+                    </a:ext>
+                  </a:extLst>
+                </p:cNvPr>
+                <p:cNvSpPr/>
+                <p:nvPr/>
+              </p:nvSpPr>
+              <p:spPr>
+                <a:xfrm rot="18900000">
+                  <a:off x="5947511" y="1811750"/>
+                  <a:ext cx="464019" cy="464019"/>
+                </a:xfrm>
+                <a:prstGeom prst="arc">
+                  <a:avLst>
+                    <a:gd name="adj1" fmla="val 15236206"/>
+                    <a:gd name="adj2" fmla="val 1122544"/>
+                  </a:avLst>
+                </a:prstGeom>
+                <a:ln w="12700">
+                  <a:solidFill>
+                    <a:srgbClr val="00B0F0"/>
+                  </a:solidFill>
+                </a:ln>
+              </p:spPr>
+              <p:style>
+                <a:lnRef idx="1">
+                  <a:schemeClr val="accent1"/>
+                </a:lnRef>
+                <a:fillRef idx="0">
+                  <a:schemeClr val="accent1"/>
+                </a:fillRef>
+                <a:effectRef idx="0">
+                  <a:schemeClr val="accent1"/>
+                </a:effectRef>
+                <a:fontRef idx="minor">
+                  <a:schemeClr val="tx1"/>
+                </a:fontRef>
+              </p:style>
+              <p:txBody>
+                <a:bodyPr rtlCol="0" anchor="ctr"/>
+                <a:lstStyle/>
+                <a:p>
+                  <a:pPr algn="ctr"/>
+                  <a:endParaRPr kumimoji="1" lang="ja-JP" altLang="en-US"/>
+                </a:p>
+              </p:txBody>
+            </p:sp>
+            <p:cxnSp>
+              <p:nvCxnSpPr>
+                <p:cNvPr id="31" name="直線コネクタ 30">
+                  <a:extLst>
+                    <a:ext uri="{FF2B5EF4-FFF2-40B4-BE49-F238E27FC236}">
+                      <a16:creationId xmlns:a16="http://schemas.microsoft.com/office/drawing/2014/main" id="{4D039251-C3D1-5DF0-BD26-A978AADDC0A9}"/>
+                    </a:ext>
+                  </a:extLst>
+                </p:cNvPr>
+                <p:cNvCxnSpPr>
+                  <a:cxnSpLocks/>
+                </p:cNvCxnSpPr>
+                <p:nvPr/>
+              </p:nvCxnSpPr>
+              <p:spPr>
+                <a:xfrm flipH="1">
+                  <a:off x="6164580" y="1829396"/>
+                  <a:ext cx="202186" cy="202186"/>
+                </a:xfrm>
+                <a:prstGeom prst="line">
+                  <a:avLst/>
+                </a:prstGeom>
+                <a:ln w="12700">
+                  <a:solidFill>
+                    <a:srgbClr val="00B0F0"/>
+                  </a:solidFill>
+                </a:ln>
+              </p:spPr>
+              <p:style>
+                <a:lnRef idx="1">
+                  <a:schemeClr val="accent1"/>
+                </a:lnRef>
+                <a:fillRef idx="0">
+                  <a:schemeClr val="accent1"/>
+                </a:fillRef>
+                <a:effectRef idx="0">
+                  <a:schemeClr val="accent1"/>
+                </a:effectRef>
+                <a:fontRef idx="minor">
+                  <a:schemeClr val="tx1"/>
+                </a:fontRef>
+              </p:style>
+            </p:cxnSp>
+          </p:grpSp>
+          <p:grpSp>
+            <p:nvGrpSpPr>
+              <p:cNvPr id="35" name="グループ化 34">
+                <a:extLst>
+                  <a:ext uri="{FF2B5EF4-FFF2-40B4-BE49-F238E27FC236}">
+                    <a16:creationId xmlns:a16="http://schemas.microsoft.com/office/drawing/2014/main" id="{7E826845-E542-4449-84F4-BE68D6305486}"/>
+                  </a:ext>
+                </a:extLst>
+              </p:cNvPr>
+              <p:cNvGrpSpPr/>
+              <p:nvPr/>
+            </p:nvGrpSpPr>
+            <p:grpSpPr>
+              <a:xfrm>
+                <a:off x="5362173" y="2518841"/>
+                <a:ext cx="646329" cy="670968"/>
+                <a:chOff x="5846464" y="1604801"/>
+                <a:chExt cx="646329" cy="670968"/>
+              </a:xfrm>
+            </p:grpSpPr>
+            <p:sp>
+              <p:nvSpPr>
+                <p:cNvPr id="36" name="正方形/長方形 35">
+                  <a:extLst>
+                    <a:ext uri="{FF2B5EF4-FFF2-40B4-BE49-F238E27FC236}">
+                      <a16:creationId xmlns:a16="http://schemas.microsoft.com/office/drawing/2014/main" id="{9A57AA2D-4E6D-4016-47FD-05343751D7B2}"/>
+                    </a:ext>
+                  </a:extLst>
+                </p:cNvPr>
+                <p:cNvSpPr/>
+                <p:nvPr/>
+              </p:nvSpPr>
+              <p:spPr>
+                <a:xfrm>
+                  <a:off x="5846464" y="1604801"/>
+                  <a:ext cx="646329" cy="646329"/>
+                </a:xfrm>
+                <a:prstGeom prst="rect">
+                  <a:avLst/>
+                </a:prstGeom>
+                <a:noFill/>
+                <a:ln w="12700">
+                  <a:solidFill>
+                    <a:srgbClr val="00B0F0"/>
+                  </a:solidFill>
+                </a:ln>
+              </p:spPr>
+              <p:style>
+                <a:lnRef idx="2">
+                  <a:schemeClr val="accent1">
+                    <a:shade val="50000"/>
+                  </a:schemeClr>
+                </a:lnRef>
+                <a:fillRef idx="1">
+                  <a:schemeClr val="accent1"/>
+                </a:fillRef>
+                <a:effectRef idx="0">
+                  <a:schemeClr val="accent1"/>
+                </a:effectRef>
+                <a:fontRef idx="minor">
+                  <a:schemeClr val="lt1"/>
+                </a:fontRef>
+              </p:style>
+              <p:txBody>
+                <a:bodyPr rtlCol="0" anchor="ctr"/>
+                <a:lstStyle/>
+                <a:p>
+                  <a:pPr algn="ctr"/>
+                  <a:endParaRPr kumimoji="1" lang="ja-JP" altLang="en-US"/>
+                </a:p>
+              </p:txBody>
+            </p:sp>
+            <p:sp>
+              <p:nvSpPr>
+                <p:cNvPr id="37" name="円弧 36">
+                  <a:extLst>
+                    <a:ext uri="{FF2B5EF4-FFF2-40B4-BE49-F238E27FC236}">
+                      <a16:creationId xmlns:a16="http://schemas.microsoft.com/office/drawing/2014/main" id="{DF52FD0B-476D-614F-B863-0BB27402367B}"/>
+                    </a:ext>
+                  </a:extLst>
+                </p:cNvPr>
+                <p:cNvSpPr/>
+                <p:nvPr/>
+              </p:nvSpPr>
+              <p:spPr>
+                <a:xfrm rot="18900000">
+                  <a:off x="5947511" y="1811750"/>
+                  <a:ext cx="464019" cy="464019"/>
+                </a:xfrm>
+                <a:prstGeom prst="arc">
+                  <a:avLst>
+                    <a:gd name="adj1" fmla="val 15236206"/>
+                    <a:gd name="adj2" fmla="val 1122544"/>
+                  </a:avLst>
+                </a:prstGeom>
+                <a:ln w="12700">
+                  <a:solidFill>
+                    <a:srgbClr val="00B0F0"/>
+                  </a:solidFill>
+                </a:ln>
+              </p:spPr>
+              <p:style>
+                <a:lnRef idx="1">
+                  <a:schemeClr val="accent1"/>
+                </a:lnRef>
+                <a:fillRef idx="0">
+                  <a:schemeClr val="accent1"/>
+                </a:fillRef>
+                <a:effectRef idx="0">
+                  <a:schemeClr val="accent1"/>
+                </a:effectRef>
+                <a:fontRef idx="minor">
+                  <a:schemeClr val="tx1"/>
+                </a:fontRef>
+              </p:style>
+              <p:txBody>
+                <a:bodyPr rtlCol="0" anchor="ctr"/>
+                <a:lstStyle/>
+                <a:p>
+                  <a:pPr algn="ctr"/>
+                  <a:endParaRPr kumimoji="1" lang="ja-JP" altLang="en-US"/>
+                </a:p>
+              </p:txBody>
+            </p:sp>
+            <p:cxnSp>
+              <p:nvCxnSpPr>
+                <p:cNvPr id="38" name="直線コネクタ 37">
+                  <a:extLst>
+                    <a:ext uri="{FF2B5EF4-FFF2-40B4-BE49-F238E27FC236}">
+                      <a16:creationId xmlns:a16="http://schemas.microsoft.com/office/drawing/2014/main" id="{6BD397C4-C164-3DD9-62B9-369DD7C8BD6D}"/>
+                    </a:ext>
+                  </a:extLst>
+                </p:cNvPr>
+                <p:cNvCxnSpPr>
+                  <a:cxnSpLocks/>
+                </p:cNvCxnSpPr>
+                <p:nvPr/>
+              </p:nvCxnSpPr>
+              <p:spPr>
+                <a:xfrm flipH="1">
+                  <a:off x="6164580" y="1829396"/>
+                  <a:ext cx="202186" cy="202186"/>
+                </a:xfrm>
+                <a:prstGeom prst="line">
+                  <a:avLst/>
+                </a:prstGeom>
+                <a:ln w="12700">
+                  <a:solidFill>
+                    <a:srgbClr val="00B0F0"/>
+                  </a:solidFill>
+                </a:ln>
+              </p:spPr>
+              <p:style>
+                <a:lnRef idx="1">
+                  <a:schemeClr val="accent1"/>
+                </a:lnRef>
+                <a:fillRef idx="0">
+                  <a:schemeClr val="accent1"/>
+                </a:fillRef>
+                <a:effectRef idx="0">
+                  <a:schemeClr val="accent1"/>
+                </a:effectRef>
+                <a:fontRef idx="minor">
+                  <a:schemeClr val="tx1"/>
+                </a:fontRef>
+              </p:style>
+            </p:cxnSp>
+          </p:grpSp>
+          <mc:AlternateContent xmlns:mc="http://schemas.openxmlformats.org/markup-compatibility/2006" xmlns:a14="http://schemas.microsoft.com/office/drawing/2010/main">
+            <mc:Choice Requires="a14">
+              <p:sp>
+                <p:nvSpPr>
+                  <p:cNvPr id="39" name="テキスト ボックス 38">
+                    <a:extLst>
+                      <a:ext uri="{FF2B5EF4-FFF2-40B4-BE49-F238E27FC236}">
+                        <a16:creationId xmlns:a16="http://schemas.microsoft.com/office/drawing/2014/main" id="{13F6787A-36FB-6FB9-E792-1B25525D931D}"/>
+                      </a:ext>
+                    </a:extLst>
+                  </p:cNvPr>
+                  <p:cNvSpPr txBox="1"/>
+                  <p:nvPr/>
+                </p:nvSpPr>
+                <p:spPr>
+                  <a:xfrm>
+                    <a:off x="5934044" y="1733226"/>
+                    <a:ext cx="1434175" cy="369332"/>
+                  </a:xfrm>
+                  <a:prstGeom prst="rect">
+                    <a:avLst/>
+                  </a:prstGeom>
+                  <a:noFill/>
+                </p:spPr>
+                <p:txBody>
+                  <a:bodyPr wrap="none" rtlCol="0">
+                    <a:spAutoFit/>
+                  </a:bodyPr>
+                  <a:lstStyle/>
+                  <a:p>
+                    <a:pPr/>
+                    <a14:m>
+                      <m:oMathPara xmlns:m="http://schemas.openxmlformats.org/officeDocument/2006/math">
+                        <m:oMathParaPr>
+                          <m:jc m:val="centerGroup"/>
+                        </m:oMathParaPr>
+                        <m:oMath xmlns:m="http://schemas.openxmlformats.org/officeDocument/2006/math">
+                          <m:r>
+                            <a:rPr kumimoji="1" lang="en-US" altLang="ja-JP" b="0" i="1" smtClean="0">
+                              <a:solidFill>
+                                <a:srgbClr val="00B0F0"/>
+                              </a:solidFill>
+                              <a:latin typeface="Cambria Math" panose="02040503050406030204" pitchFamily="18" charset="0"/>
+                            </a:rPr>
+                            <m:t>|</m:t>
+                          </m:r>
+                          <m:r>
+                            <a:rPr kumimoji="1" lang="en-US" altLang="ja-JP" b="0" i="1" smtClean="0">
+                              <a:solidFill>
+                                <a:srgbClr val="00B0F0"/>
+                              </a:solidFill>
+                              <a:latin typeface="Cambria Math" panose="02040503050406030204" pitchFamily="18" charset="0"/>
+                            </a:rPr>
+                            <m:t>𝑥</m:t>
+                          </m:r>
+                          <m:r>
+                            <a:rPr kumimoji="1" lang="en-US" altLang="ja-JP" b="0" i="1" smtClean="0">
+                              <a:solidFill>
+                                <a:srgbClr val="00B0F0"/>
+                              </a:solidFill>
+                              <a:latin typeface="Cambria Math" panose="02040503050406030204" pitchFamily="18" charset="0"/>
+                            </a:rPr>
+                            <m:t>⟩⟨</m:t>
+                          </m:r>
+                          <m:r>
+                            <a:rPr kumimoji="1" lang="en-US" altLang="ja-JP" b="0" i="1" smtClean="0">
+                              <a:solidFill>
+                                <a:srgbClr val="00B0F0"/>
+                              </a:solidFill>
+                              <a:latin typeface="Cambria Math" panose="02040503050406030204" pitchFamily="18" charset="0"/>
+                            </a:rPr>
+                            <m:t>𝑥</m:t>
+                          </m:r>
+                          <m:r>
+                            <a:rPr kumimoji="1" lang="en-US" altLang="ja-JP" b="0" i="1" smtClean="0">
+                              <a:solidFill>
+                                <a:srgbClr val="00B0F0"/>
+                              </a:solidFill>
+                              <a:latin typeface="Cambria Math" panose="02040503050406030204" pitchFamily="18" charset="0"/>
+                            </a:rPr>
+                            <m:t>|=</m:t>
+                          </m:r>
+                          <m:sSub>
+                            <m:sSubPr>
+                              <m:ctrlPr>
+                                <a:rPr kumimoji="1" lang="en-US" altLang="ja-JP" b="0" i="1" smtClean="0">
+                                  <a:solidFill>
+                                    <a:srgbClr val="00B0F0"/>
+                                  </a:solidFill>
+                                  <a:latin typeface="Cambria Math" panose="02040503050406030204" pitchFamily="18" charset="0"/>
+                                </a:rPr>
+                              </m:ctrlPr>
+                            </m:sSubPr>
+                            <m:e>
+                              <m:r>
+                                <a:rPr kumimoji="1" lang="en-US" altLang="ja-JP" b="0" i="1" smtClean="0">
+                                  <a:solidFill>
+                                    <a:srgbClr val="00B0F0"/>
+                                  </a:solidFill>
+                                  <a:latin typeface="Cambria Math" panose="02040503050406030204" pitchFamily="18" charset="0"/>
+                                </a:rPr>
+                                <m:t>𝑚</m:t>
+                              </m:r>
+                            </m:e>
+                            <m:sub>
+                              <m:r>
+                                <a:rPr kumimoji="1" lang="en-US" altLang="ja-JP" b="0" i="1" smtClean="0">
+                                  <a:solidFill>
+                                    <a:srgbClr val="00B0F0"/>
+                                  </a:solidFill>
+                                  <a:latin typeface="Cambria Math" panose="02040503050406030204" pitchFamily="18" charset="0"/>
+                                </a:rPr>
+                                <m:t>𝑥</m:t>
+                              </m:r>
+                            </m:sub>
+                          </m:sSub>
+                        </m:oMath>
+                      </m:oMathPara>
+                    </a14:m>
+                    <a:endParaRPr kumimoji="1" lang="ja-JP" altLang="en-US" dirty="0">
+                      <a:solidFill>
+                        <a:srgbClr val="00B0F0"/>
+                      </a:solidFill>
+                    </a:endParaRPr>
+                  </a:p>
+                </p:txBody>
+              </p:sp>
+            </mc:Choice>
+            <mc:Fallback xmlns="">
+              <p:sp>
+                <p:nvSpPr>
+                  <p:cNvPr id="39" name="テキスト ボックス 38">
+                    <a:extLst>
+                      <a:ext uri="{FF2B5EF4-FFF2-40B4-BE49-F238E27FC236}">
+                        <a16:creationId xmlns:a16="http://schemas.microsoft.com/office/drawing/2014/main" id="{13F6787A-36FB-6FB9-E792-1B25525D931D}"/>
+                      </a:ext>
+                    </a:extLst>
+                  </p:cNvPr>
+                  <p:cNvSpPr txBox="1">
+                    <a:spLocks noRot="1" noChangeAspect="1" noMove="1" noResize="1" noEditPoints="1" noAdjustHandles="1" noChangeArrowheads="1" noChangeShapeType="1" noTextEdit="1"/>
+                  </p:cNvSpPr>
+                  <p:nvPr/>
+                </p:nvSpPr>
+                <p:spPr>
+                  <a:xfrm>
+                    <a:off x="5934044" y="1733226"/>
+                    <a:ext cx="1434175" cy="369332"/>
+                  </a:xfrm>
+                  <a:prstGeom prst="rect">
+                    <a:avLst/>
+                  </a:prstGeom>
+                  <a:blipFill>
+                    <a:blip r:embed="rId5"/>
+                    <a:stretch>
+                      <a:fillRect b="-13115"/>
+                    </a:stretch>
+                  </a:blipFill>
+                </p:spPr>
+                <p:txBody>
+                  <a:bodyPr/>
+                  <a:lstStyle/>
+                  <a:p>
+                    <a:r>
+                      <a:rPr lang="ja-JP" altLang="en-US">
+                        <a:noFill/>
+                      </a:rPr>
+                      <a:t> </a:t>
+                    </a:r>
+                  </a:p>
+                </p:txBody>
+              </p:sp>
+            </mc:Fallback>
+          </mc:AlternateContent>
+          <mc:AlternateContent xmlns:mc="http://schemas.openxmlformats.org/markup-compatibility/2006" xmlns:a14="http://schemas.microsoft.com/office/drawing/2010/main">
+            <mc:Choice Requires="a14">
+              <p:sp>
+                <p:nvSpPr>
+                  <p:cNvPr id="40" name="テキスト ボックス 39">
+                    <a:extLst>
+                      <a:ext uri="{FF2B5EF4-FFF2-40B4-BE49-F238E27FC236}">
+                        <a16:creationId xmlns:a16="http://schemas.microsoft.com/office/drawing/2014/main" id="{8602D9C8-DF00-6FEB-CD90-98479094DDED}"/>
+                      </a:ext>
+                    </a:extLst>
+                  </p:cNvPr>
+                  <p:cNvSpPr txBox="1"/>
+                  <p:nvPr/>
+                </p:nvSpPr>
+                <p:spPr>
+                  <a:xfrm>
+                    <a:off x="5934044" y="2663196"/>
+                    <a:ext cx="1439433" cy="390748"/>
+                  </a:xfrm>
+                  <a:prstGeom prst="rect">
+                    <a:avLst/>
+                  </a:prstGeom>
+                  <a:noFill/>
+                </p:spPr>
+                <p:txBody>
+                  <a:bodyPr wrap="none" rtlCol="0">
+                    <a:spAutoFit/>
+                  </a:bodyPr>
+                  <a:lstStyle/>
+                  <a:p>
+                    <a:pPr/>
+                    <a14:m>
+                      <m:oMathPara xmlns:m="http://schemas.openxmlformats.org/officeDocument/2006/math">
+                        <m:oMathParaPr>
+                          <m:jc m:val="centerGroup"/>
+                        </m:oMathParaPr>
+                        <m:oMath xmlns:m="http://schemas.openxmlformats.org/officeDocument/2006/math">
+                          <m:r>
+                            <a:rPr kumimoji="1" lang="en-US" altLang="ja-JP" b="0" i="1" smtClean="0">
+                              <a:solidFill>
+                                <a:srgbClr val="00B0F0"/>
+                              </a:solidFill>
+                              <a:latin typeface="Cambria Math" panose="02040503050406030204" pitchFamily="18" charset="0"/>
+                            </a:rPr>
+                            <m:t>|</m:t>
+                          </m:r>
+                          <m:r>
+                            <a:rPr kumimoji="1" lang="en-US" altLang="ja-JP" b="0" i="1" smtClean="0">
+                              <a:solidFill>
+                                <a:srgbClr val="00B0F0"/>
+                              </a:solidFill>
+                              <a:latin typeface="Cambria Math" panose="02040503050406030204" pitchFamily="18" charset="0"/>
+                            </a:rPr>
+                            <m:t>𝑝</m:t>
+                          </m:r>
+                          <m:r>
+                            <a:rPr kumimoji="1" lang="en-US" altLang="ja-JP" b="0" i="1" smtClean="0">
+                              <a:solidFill>
+                                <a:srgbClr val="00B0F0"/>
+                              </a:solidFill>
+                              <a:latin typeface="Cambria Math" panose="02040503050406030204" pitchFamily="18" charset="0"/>
+                            </a:rPr>
+                            <m:t>⟩⟨</m:t>
+                          </m:r>
+                          <m:r>
+                            <a:rPr kumimoji="1" lang="en-US" altLang="ja-JP" b="0" i="1" smtClean="0">
+                              <a:solidFill>
+                                <a:srgbClr val="00B0F0"/>
+                              </a:solidFill>
+                              <a:latin typeface="Cambria Math" panose="02040503050406030204" pitchFamily="18" charset="0"/>
+                            </a:rPr>
+                            <m:t>𝑝</m:t>
+                          </m:r>
+                          <m:r>
+                            <a:rPr kumimoji="1" lang="en-US" altLang="ja-JP" b="0" i="1" smtClean="0">
+                              <a:solidFill>
+                                <a:srgbClr val="00B0F0"/>
+                              </a:solidFill>
+                              <a:latin typeface="Cambria Math" panose="02040503050406030204" pitchFamily="18" charset="0"/>
+                            </a:rPr>
+                            <m:t>|=</m:t>
+                          </m:r>
+                          <m:sSub>
+                            <m:sSubPr>
+                              <m:ctrlPr>
+                                <a:rPr kumimoji="1" lang="en-US" altLang="ja-JP" b="0" i="1" smtClean="0">
+                                  <a:solidFill>
+                                    <a:srgbClr val="00B0F0"/>
+                                  </a:solidFill>
+                                  <a:latin typeface="Cambria Math" panose="02040503050406030204" pitchFamily="18" charset="0"/>
+                                </a:rPr>
+                              </m:ctrlPr>
+                            </m:sSubPr>
+                            <m:e>
+                              <m:r>
+                                <a:rPr kumimoji="1" lang="en-US" altLang="ja-JP" b="0" i="1" smtClean="0">
+                                  <a:solidFill>
+                                    <a:srgbClr val="00B0F0"/>
+                                  </a:solidFill>
+                                  <a:latin typeface="Cambria Math" panose="02040503050406030204" pitchFamily="18" charset="0"/>
+                                </a:rPr>
+                                <m:t>𝑚</m:t>
+                              </m:r>
+                            </m:e>
+                            <m:sub>
+                              <m:r>
+                                <a:rPr kumimoji="1" lang="en-US" altLang="ja-JP" b="0" i="1" smtClean="0">
+                                  <a:solidFill>
+                                    <a:srgbClr val="00B0F0"/>
+                                  </a:solidFill>
+                                  <a:latin typeface="Cambria Math" panose="02040503050406030204" pitchFamily="18" charset="0"/>
+                                </a:rPr>
+                                <m:t>𝑝</m:t>
+                              </m:r>
+                            </m:sub>
+                          </m:sSub>
+                        </m:oMath>
+                      </m:oMathPara>
+                    </a14:m>
+                    <a:endParaRPr kumimoji="1" lang="ja-JP" altLang="en-US" dirty="0">
+                      <a:solidFill>
+                        <a:srgbClr val="00B0F0"/>
+                      </a:solidFill>
+                    </a:endParaRPr>
+                  </a:p>
+                </p:txBody>
+              </p:sp>
+            </mc:Choice>
+            <mc:Fallback xmlns="">
+              <p:sp>
+                <p:nvSpPr>
+                  <p:cNvPr id="40" name="テキスト ボックス 39">
+                    <a:extLst>
+                      <a:ext uri="{FF2B5EF4-FFF2-40B4-BE49-F238E27FC236}">
+                        <a16:creationId xmlns:a16="http://schemas.microsoft.com/office/drawing/2014/main" id="{8602D9C8-DF00-6FEB-CD90-98479094DDED}"/>
+                      </a:ext>
+                    </a:extLst>
+                  </p:cNvPr>
+                  <p:cNvSpPr txBox="1">
+                    <a:spLocks noRot="1" noChangeAspect="1" noMove="1" noResize="1" noEditPoints="1" noAdjustHandles="1" noChangeArrowheads="1" noChangeShapeType="1" noTextEdit="1"/>
+                  </p:cNvSpPr>
+                  <p:nvPr/>
+                </p:nvSpPr>
+                <p:spPr>
+                  <a:xfrm>
+                    <a:off x="5934044" y="2663196"/>
+                    <a:ext cx="1439433" cy="390748"/>
+                  </a:xfrm>
+                  <a:prstGeom prst="rect">
+                    <a:avLst/>
+                  </a:prstGeom>
+                  <a:blipFill>
+                    <a:blip r:embed="rId6"/>
+                    <a:stretch>
+                      <a:fillRect b="-7813"/>
+                    </a:stretch>
+                  </a:blipFill>
+                </p:spPr>
+                <p:txBody>
+                  <a:bodyPr/>
+                  <a:lstStyle/>
+                  <a:p>
+                    <a:r>
+                      <a:rPr lang="ja-JP" altLang="en-US">
+                        <a:noFill/>
+                      </a:rPr>
+                      <a:t> </a:t>
+                    </a:r>
+                  </a:p>
+                </p:txBody>
+              </p:sp>
+            </mc:Fallback>
+          </mc:AlternateContent>
+          <p:cxnSp>
+            <p:nvCxnSpPr>
+              <p:cNvPr id="41" name="直線コネクタ 40">
+                <a:extLst>
+                  <a:ext uri="{FF2B5EF4-FFF2-40B4-BE49-F238E27FC236}">
+                    <a16:creationId xmlns:a16="http://schemas.microsoft.com/office/drawing/2014/main" id="{0FED33D3-C5A8-D039-2256-C427A1E4F451}"/>
+                  </a:ext>
+                </a:extLst>
+              </p:cNvPr>
+              <p:cNvCxnSpPr>
+                <a:cxnSpLocks/>
+              </p:cNvCxnSpPr>
+              <p:nvPr/>
+            </p:nvCxnSpPr>
+            <p:spPr>
+              <a:xfrm>
+                <a:off x="3313791" y="3812926"/>
+                <a:ext cx="5861292" cy="0"/>
+              </a:xfrm>
+              <a:prstGeom prst="line">
+                <a:avLst/>
+              </a:prstGeom>
+              <a:ln w="12700">
+                <a:solidFill>
+                  <a:srgbClr val="00B0F0"/>
+                </a:solidFill>
+              </a:ln>
+            </p:spPr>
+            <p:style>
+              <a:lnRef idx="1">
+                <a:schemeClr val="accent1"/>
+              </a:lnRef>
+              <a:fillRef idx="0">
+                <a:schemeClr val="accent1"/>
+              </a:fillRef>
+              <a:effectRef idx="0">
+                <a:schemeClr val="accent1"/>
+              </a:effectRef>
+              <a:fontRef idx="minor">
+                <a:schemeClr val="tx1"/>
+              </a:fontRef>
+            </p:style>
+          </p:cxnSp>
+          <p:sp>
+            <p:nvSpPr>
+              <p:cNvPr id="43" name="正方形/長方形 42">
+                <a:extLst>
+                  <a:ext uri="{FF2B5EF4-FFF2-40B4-BE49-F238E27FC236}">
+                    <a16:creationId xmlns:a16="http://schemas.microsoft.com/office/drawing/2014/main" id="{73059959-D3DC-A9EF-FB01-339EAC29106E}"/>
+                  </a:ext>
+                </a:extLst>
+              </p:cNvPr>
+              <p:cNvSpPr/>
+              <p:nvPr/>
+            </p:nvSpPr>
+            <p:spPr>
+              <a:xfrm>
+                <a:off x="9178520" y="3560197"/>
+                <a:ext cx="820410" cy="1324732"/>
+              </a:xfrm>
+              <a:prstGeom prst="rect">
+                <a:avLst/>
+              </a:prstGeom>
+              <a:noFill/>
+              <a:ln>
+                <a:solidFill>
+                  <a:srgbClr val="00B0F0"/>
+                </a:solidFill>
+              </a:ln>
+            </p:spPr>
+            <p:style>
+              <a:lnRef idx="2">
+                <a:schemeClr val="accent1">
+                  <a:shade val="50000"/>
+                </a:schemeClr>
+              </a:lnRef>
+              <a:fillRef idx="1">
+                <a:schemeClr val="accent1"/>
+              </a:fillRef>
+              <a:effectRef idx="0">
+                <a:schemeClr val="accent1"/>
+              </a:effectRef>
+              <a:fontRef idx="minor">
+                <a:schemeClr val="lt1"/>
+              </a:fontRef>
+            </p:style>
+            <p:txBody>
+              <a:bodyPr rtlCol="0" anchor="ctr"/>
+              <a:lstStyle/>
+              <a:p>
+                <a:pPr algn="ctr"/>
+                <a:r>
+                  <a:rPr lang="en-US" altLang="ja-JP" dirty="0">
+                    <a:solidFill>
+                      <a:srgbClr val="00B0F0"/>
+                    </a:solidFill>
+                  </a:rPr>
+                  <a:t>99</a:t>
+                </a:r>
+                <a:r>
+                  <a:rPr kumimoji="1" lang="en-US" altLang="ja-JP" dirty="0">
+                    <a:solidFill>
+                      <a:srgbClr val="00B0F0"/>
+                    </a:solidFill>
+                  </a:rPr>
+                  <a:t>:1</a:t>
+                </a:r>
+              </a:p>
+              <a:p>
+                <a:pPr algn="ctr"/>
+                <a:r>
+                  <a:rPr kumimoji="1" lang="en-US" altLang="ja-JP" dirty="0">
+                    <a:solidFill>
+                      <a:srgbClr val="00B0F0"/>
+                    </a:solidFill>
+                  </a:rPr>
+                  <a:t>BS</a:t>
+                </a:r>
+                <a:r>
+                  <a:rPr kumimoji="1" lang="ja-JP" altLang="en-US" dirty="0"/>
+                  <a:t> </a:t>
+                </a:r>
+              </a:p>
+            </p:txBody>
+          </p:sp>
+          <p:cxnSp>
+            <p:nvCxnSpPr>
+              <p:cNvPr id="44" name="直線コネクタ 43">
+                <a:extLst>
+                  <a:ext uri="{FF2B5EF4-FFF2-40B4-BE49-F238E27FC236}">
+                    <a16:creationId xmlns:a16="http://schemas.microsoft.com/office/drawing/2014/main" id="{AD95741F-92C5-B968-923D-5C95B538AEC4}"/>
+                  </a:ext>
+                </a:extLst>
+              </p:cNvPr>
+              <p:cNvCxnSpPr>
+                <a:cxnSpLocks/>
+              </p:cNvCxnSpPr>
+              <p:nvPr/>
+            </p:nvCxnSpPr>
+            <p:spPr>
+              <a:xfrm>
+                <a:off x="1716141" y="4704466"/>
+                <a:ext cx="5512710" cy="0"/>
+              </a:xfrm>
+              <a:prstGeom prst="line">
+                <a:avLst/>
+              </a:prstGeom>
+              <a:ln w="12700">
+                <a:solidFill>
+                  <a:srgbClr val="00B0F0"/>
+                </a:solidFill>
+              </a:ln>
+            </p:spPr>
+            <p:style>
+              <a:lnRef idx="1">
+                <a:schemeClr val="accent1"/>
+              </a:lnRef>
+              <a:fillRef idx="0">
+                <a:schemeClr val="accent1"/>
+              </a:fillRef>
+              <a:effectRef idx="0">
+                <a:schemeClr val="accent1"/>
+              </a:effectRef>
+              <a:fontRef idx="minor">
+                <a:schemeClr val="tx1"/>
+              </a:fontRef>
+            </p:style>
+          </p:cxnSp>
+          <mc:AlternateContent xmlns:mc="http://schemas.openxmlformats.org/markup-compatibility/2006" xmlns:a14="http://schemas.microsoft.com/office/drawing/2010/main">
+            <mc:Choice Requires="a14">
+              <p:sp>
+                <p:nvSpPr>
+                  <p:cNvPr id="45" name="テキスト ボックス 44">
+                    <a:extLst>
+                      <a:ext uri="{FF2B5EF4-FFF2-40B4-BE49-F238E27FC236}">
+                        <a16:creationId xmlns:a16="http://schemas.microsoft.com/office/drawing/2014/main" id="{0443017C-6C9E-72D4-C1A3-2274143CA63B}"/>
+                      </a:ext>
+                    </a:extLst>
+                  </p:cNvPr>
+                  <p:cNvSpPr txBox="1"/>
+                  <p:nvPr/>
+                </p:nvSpPr>
+                <p:spPr>
+                  <a:xfrm>
+                    <a:off x="15750" y="4314441"/>
+                    <a:ext cx="1863011" cy="646331"/>
+                  </a:xfrm>
+                  <a:prstGeom prst="rect">
+                    <a:avLst/>
+                  </a:prstGeom>
+                  <a:noFill/>
+                </p:spPr>
+                <p:txBody>
+                  <a:bodyPr wrap="none" rtlCol="0">
+                    <a:spAutoFit/>
+                  </a:bodyPr>
+                  <a:lstStyle/>
+                  <a:p>
+                    <a:r>
+                      <a:rPr kumimoji="1" lang="en-US" altLang="ja-JP" b="0" dirty="0">
+                        <a:solidFill>
+                          <a:srgbClr val="00B0F0"/>
+                        </a:solidFill>
+                        <a:latin typeface="+mn-ea"/>
+                      </a:rPr>
+                      <a:t>strong coherent</a:t>
+                    </a:r>
+                  </a:p>
+                  <a:p>
+                    <a:pPr/>
+                    <a14:m>
+                      <m:oMathPara xmlns:m="http://schemas.openxmlformats.org/officeDocument/2006/math">
+                        <m:oMathParaPr>
+                          <m:jc m:val="centerGroup"/>
+                        </m:oMathParaPr>
+                        <m:oMath xmlns:m="http://schemas.openxmlformats.org/officeDocument/2006/math">
+                          <m:r>
+                            <a:rPr kumimoji="1" lang="en-US" altLang="ja-JP" b="0" i="1" smtClean="0">
+                              <a:solidFill>
+                                <a:srgbClr val="00B0F0"/>
+                              </a:solidFill>
+                              <a:latin typeface="Cambria Math" panose="02040503050406030204" pitchFamily="18" charset="0"/>
+                            </a:rPr>
+                            <m:t>|</m:t>
+                          </m:r>
+                          <m:r>
+                            <a:rPr kumimoji="1" lang="en-US" altLang="ja-JP" b="0" i="1" smtClean="0">
+                              <a:solidFill>
+                                <a:srgbClr val="00B0F0"/>
+                              </a:solidFill>
+                              <a:latin typeface="Cambria Math" panose="02040503050406030204" pitchFamily="18" charset="0"/>
+                            </a:rPr>
+                            <m:t>𝛼</m:t>
+                          </m:r>
+                          <m:r>
+                            <a:rPr kumimoji="1" lang="en-US" altLang="ja-JP" b="0" i="1" smtClean="0">
+                              <a:solidFill>
+                                <a:srgbClr val="00B0F0"/>
+                              </a:solidFill>
+                              <a:latin typeface="Cambria Math" panose="02040503050406030204" pitchFamily="18" charset="0"/>
+                            </a:rPr>
+                            <m:t>⟩</m:t>
+                          </m:r>
+                        </m:oMath>
+                      </m:oMathPara>
+                    </a14:m>
+                    <a:endParaRPr kumimoji="1" lang="ja-JP" altLang="en-US" dirty="0">
+                      <a:solidFill>
+                        <a:srgbClr val="00B0F0"/>
+                      </a:solidFill>
+                    </a:endParaRPr>
+                  </a:p>
+                </p:txBody>
+              </p:sp>
+            </mc:Choice>
+            <mc:Fallback xmlns="">
+              <p:sp>
+                <p:nvSpPr>
+                  <p:cNvPr id="45" name="テキスト ボックス 44">
+                    <a:extLst>
+                      <a:ext uri="{FF2B5EF4-FFF2-40B4-BE49-F238E27FC236}">
+                        <a16:creationId xmlns:a16="http://schemas.microsoft.com/office/drawing/2014/main" id="{0443017C-6C9E-72D4-C1A3-2274143CA63B}"/>
+                      </a:ext>
+                    </a:extLst>
+                  </p:cNvPr>
+                  <p:cNvSpPr txBox="1">
+                    <a:spLocks noRot="1" noChangeAspect="1" noMove="1" noResize="1" noEditPoints="1" noAdjustHandles="1" noChangeArrowheads="1" noChangeShapeType="1" noTextEdit="1"/>
+                  </p:cNvSpPr>
+                  <p:nvPr/>
+                </p:nvSpPr>
+                <p:spPr>
+                  <a:xfrm>
+                    <a:off x="15750" y="4314441"/>
+                    <a:ext cx="1863011" cy="646331"/>
+                  </a:xfrm>
+                  <a:prstGeom prst="rect">
+                    <a:avLst/>
+                  </a:prstGeom>
+                  <a:blipFill>
+                    <a:blip r:embed="rId7"/>
+                    <a:stretch>
+                      <a:fillRect l="-2951" t="-5660" r="-2295" b="-6604"/>
+                    </a:stretch>
+                  </a:blipFill>
+                </p:spPr>
+                <p:txBody>
+                  <a:bodyPr/>
+                  <a:lstStyle/>
+                  <a:p>
+                    <a:r>
+                      <a:rPr lang="ja-JP" altLang="en-US">
+                        <a:noFill/>
+                      </a:rPr>
+                      <a:t> </a:t>
+                    </a:r>
+                  </a:p>
+                </p:txBody>
+              </p:sp>
+            </mc:Fallback>
+          </mc:AlternateContent>
+          <p:cxnSp>
+            <p:nvCxnSpPr>
+              <p:cNvPr id="54" name="直線コネクタ 53">
+                <a:extLst>
+                  <a:ext uri="{FF2B5EF4-FFF2-40B4-BE49-F238E27FC236}">
+                    <a16:creationId xmlns:a16="http://schemas.microsoft.com/office/drawing/2014/main" id="{17659E28-9FCC-3E0F-06F4-A2903B79B0CD}"/>
+                  </a:ext>
+                </a:extLst>
+              </p:cNvPr>
+              <p:cNvCxnSpPr>
+                <a:cxnSpLocks/>
+              </p:cNvCxnSpPr>
+              <p:nvPr/>
+            </p:nvCxnSpPr>
+            <p:spPr>
+              <a:xfrm>
+                <a:off x="7875180" y="4704466"/>
+                <a:ext cx="331830" cy="0"/>
+              </a:xfrm>
+              <a:prstGeom prst="line">
+                <a:avLst/>
+              </a:prstGeom>
+              <a:ln w="12700">
+                <a:solidFill>
+                  <a:srgbClr val="00B0F0"/>
+                </a:solidFill>
+              </a:ln>
+            </p:spPr>
+            <p:style>
+              <a:lnRef idx="1">
+                <a:schemeClr val="accent1"/>
+              </a:lnRef>
+              <a:fillRef idx="0">
+                <a:schemeClr val="accent1"/>
+              </a:fillRef>
+              <a:effectRef idx="0">
+                <a:schemeClr val="accent1"/>
+              </a:effectRef>
+              <a:fontRef idx="minor">
+                <a:schemeClr val="tx1"/>
+              </a:fontRef>
+            </p:style>
+          </p:cxnSp>
+          <p:cxnSp>
+            <p:nvCxnSpPr>
+              <p:cNvPr id="56" name="直線コネクタ 55">
+                <a:extLst>
+                  <a:ext uri="{FF2B5EF4-FFF2-40B4-BE49-F238E27FC236}">
+                    <a16:creationId xmlns:a16="http://schemas.microsoft.com/office/drawing/2014/main" id="{0DA0C73E-7086-7E03-5FB8-50C85875D3E4}"/>
+                  </a:ext>
+                </a:extLst>
+              </p:cNvPr>
+              <p:cNvCxnSpPr>
+                <a:cxnSpLocks/>
+              </p:cNvCxnSpPr>
+              <p:nvPr/>
+            </p:nvCxnSpPr>
+            <p:spPr>
+              <a:xfrm>
+                <a:off x="9998930" y="3812926"/>
+                <a:ext cx="767070" cy="0"/>
+              </a:xfrm>
+              <a:prstGeom prst="line">
+                <a:avLst/>
+              </a:prstGeom>
+              <a:ln w="12700">
+                <a:solidFill>
+                  <a:srgbClr val="00B0F0"/>
+                </a:solidFill>
+              </a:ln>
+            </p:spPr>
+            <p:style>
+              <a:lnRef idx="1">
+                <a:schemeClr val="accent1"/>
+              </a:lnRef>
+              <a:fillRef idx="0">
+                <a:schemeClr val="accent1"/>
+              </a:fillRef>
+              <a:effectRef idx="0">
+                <a:schemeClr val="accent1"/>
+              </a:effectRef>
+              <a:fontRef idx="minor">
+                <a:schemeClr val="tx1"/>
+              </a:fontRef>
+            </p:style>
+          </p:cxnSp>
+          <mc:AlternateContent xmlns:mc="http://schemas.openxmlformats.org/markup-compatibility/2006" xmlns:a14="http://schemas.microsoft.com/office/drawing/2010/main">
+            <mc:Choice Requires="a14">
+              <p:sp>
+                <p:nvSpPr>
+                  <p:cNvPr id="57" name="テキスト ボックス 56">
+                    <a:extLst>
+                      <a:ext uri="{FF2B5EF4-FFF2-40B4-BE49-F238E27FC236}">
+                        <a16:creationId xmlns:a16="http://schemas.microsoft.com/office/drawing/2014/main" id="{E8690F64-81CD-9522-234B-436691DCE27D}"/>
+                      </a:ext>
+                    </a:extLst>
+                  </p:cNvPr>
+                  <p:cNvSpPr txBox="1"/>
+                  <p:nvPr/>
+                </p:nvSpPr>
+                <p:spPr>
+                  <a:xfrm>
+                    <a:off x="10613550" y="3429000"/>
+                    <a:ext cx="1484702" cy="646331"/>
+                  </a:xfrm>
+                  <a:prstGeom prst="rect">
+                    <a:avLst/>
+                  </a:prstGeom>
+                  <a:noFill/>
+                </p:spPr>
+                <p:txBody>
+                  <a:bodyPr wrap="none" rtlCol="0">
+                    <a:spAutoFit/>
+                  </a:bodyPr>
+                  <a:lstStyle/>
+                  <a:p>
+                    <a:r>
+                      <a:rPr lang="en-US" altLang="ja-JP" dirty="0">
+                        <a:solidFill>
+                          <a:srgbClr val="00B0F0"/>
+                        </a:solidFill>
+                        <a:latin typeface="+mn-ea"/>
+                      </a:rPr>
+                      <a:t>output</a:t>
+                    </a:r>
+                    <a:r>
+                      <a:rPr kumimoji="1" lang="en-US" altLang="ja-JP" b="0" dirty="0">
+                        <a:solidFill>
+                          <a:srgbClr val="00B0F0"/>
+                        </a:solidFill>
+                        <a:latin typeface="+mn-ea"/>
+                      </a:rPr>
+                      <a:t> state</a:t>
+                    </a:r>
+                  </a:p>
+                  <a:p>
+                    <a:pPr/>
+                    <a14:m>
+                      <m:oMathPara xmlns:m="http://schemas.openxmlformats.org/officeDocument/2006/math">
+                        <m:oMathParaPr>
+                          <m:jc m:val="centerGroup"/>
+                        </m:oMathParaPr>
+                        <m:oMath xmlns:m="http://schemas.openxmlformats.org/officeDocument/2006/math">
+                          <m:sSub>
+                            <m:sSubPr>
+                              <m:ctrlPr>
+                                <a:rPr kumimoji="1" lang="en-US" altLang="ja-JP" b="0" i="1" smtClean="0">
+                                  <a:solidFill>
+                                    <a:srgbClr val="00B0F0"/>
+                                  </a:solidFill>
+                                  <a:latin typeface="Cambria Math" panose="02040503050406030204" pitchFamily="18" charset="0"/>
+                                </a:rPr>
+                              </m:ctrlPr>
+                            </m:sSubPr>
+                            <m:e>
+                              <m:d>
+                                <m:dPr>
+                                  <m:begChr m:val="|"/>
+                                  <m:endChr m:val="⟩"/>
+                                  <m:ctrlPr>
+                                    <a:rPr kumimoji="1" lang="en-US" altLang="ja-JP" b="0" i="1" smtClean="0">
+                                      <a:solidFill>
+                                        <a:srgbClr val="00B0F0"/>
+                                      </a:solidFill>
+                                      <a:latin typeface="Cambria Math" panose="02040503050406030204" pitchFamily="18" charset="0"/>
+                                    </a:rPr>
+                                  </m:ctrlPr>
+                                </m:dPr>
+                                <m:e>
+                                  <m:r>
+                                    <a:rPr kumimoji="1" lang="en-US" altLang="ja-JP" b="0" i="1" smtClean="0">
+                                      <a:solidFill>
+                                        <a:srgbClr val="00B0F0"/>
+                                      </a:solidFill>
+                                      <a:latin typeface="Cambria Math" panose="02040503050406030204" pitchFamily="18" charset="0"/>
+                                    </a:rPr>
+                                    <m:t>𝜙</m:t>
+                                  </m:r>
+                                </m:e>
+                              </m:d>
+                            </m:e>
+                            <m:sub>
+                              <m:r>
+                                <m:rPr>
+                                  <m:sty m:val="p"/>
+                                </m:rPr>
+                                <a:rPr kumimoji="1" lang="en-US" altLang="ja-JP" b="0" i="0" smtClean="0">
+                                  <a:solidFill>
+                                    <a:srgbClr val="00B0F0"/>
+                                  </a:solidFill>
+                                  <a:latin typeface="Cambria Math" panose="02040503050406030204" pitchFamily="18" charset="0"/>
+                                </a:rPr>
+                                <m:t>out</m:t>
+                              </m:r>
+                            </m:sub>
+                          </m:sSub>
+                        </m:oMath>
+                      </m:oMathPara>
+                    </a14:m>
+                    <a:endParaRPr kumimoji="1" lang="ja-JP" altLang="en-US" dirty="0">
+                      <a:solidFill>
+                        <a:srgbClr val="00B0F0"/>
+                      </a:solidFill>
+                    </a:endParaRPr>
+                  </a:p>
+                </p:txBody>
+              </p:sp>
+            </mc:Choice>
+            <mc:Fallback xmlns="">
+              <p:sp>
+                <p:nvSpPr>
+                  <p:cNvPr id="57" name="テキスト ボックス 56">
+                    <a:extLst>
+                      <a:ext uri="{FF2B5EF4-FFF2-40B4-BE49-F238E27FC236}">
+                        <a16:creationId xmlns:a16="http://schemas.microsoft.com/office/drawing/2014/main" id="{E8690F64-81CD-9522-234B-436691DCE27D}"/>
+                      </a:ext>
+                    </a:extLst>
+                  </p:cNvPr>
+                  <p:cNvSpPr txBox="1">
+                    <a:spLocks noRot="1" noChangeAspect="1" noMove="1" noResize="1" noEditPoints="1" noAdjustHandles="1" noChangeArrowheads="1" noChangeShapeType="1" noTextEdit="1"/>
+                  </p:cNvSpPr>
+                  <p:nvPr/>
+                </p:nvSpPr>
+                <p:spPr>
+                  <a:xfrm>
+                    <a:off x="10613550" y="3429000"/>
+                    <a:ext cx="1484702" cy="646331"/>
+                  </a:xfrm>
+                  <a:prstGeom prst="rect">
+                    <a:avLst/>
+                  </a:prstGeom>
+                  <a:blipFill>
+                    <a:blip r:embed="rId8"/>
+                    <a:stretch>
+                      <a:fillRect l="-3279" t="-5660" r="-2459" b="-5660"/>
+                    </a:stretch>
+                  </a:blipFill>
+                </p:spPr>
+                <p:txBody>
+                  <a:bodyPr/>
+                  <a:lstStyle/>
+                  <a:p>
+                    <a:r>
+                      <a:rPr lang="ja-JP" altLang="en-US">
+                        <a:noFill/>
+                      </a:rPr>
+                      <a:t> </a:t>
+                    </a:r>
+                  </a:p>
+                </p:txBody>
+              </p:sp>
+            </mc:Fallback>
+          </mc:AlternateContent>
+          <p:sp>
+            <p:nvSpPr>
+              <p:cNvPr id="2" name="正方形/長方形 1">
+                <a:extLst>
+                  <a:ext uri="{FF2B5EF4-FFF2-40B4-BE49-F238E27FC236}">
+                    <a16:creationId xmlns:a16="http://schemas.microsoft.com/office/drawing/2014/main" id="{1C6D068F-FA9C-C69C-DABD-4804CDBA8BCD}"/>
+                  </a:ext>
+                </a:extLst>
+              </p:cNvPr>
+              <p:cNvSpPr/>
+              <p:nvPr/>
+            </p:nvSpPr>
+            <p:spPr>
+              <a:xfrm>
+                <a:off x="7228851" y="4373565"/>
+                <a:ext cx="646329" cy="646329"/>
+              </a:xfrm>
+              <a:prstGeom prst="rect">
+                <a:avLst/>
+              </a:prstGeom>
+              <a:noFill/>
+              <a:ln w="12700">
+                <a:solidFill>
+                  <a:srgbClr val="00B0F0"/>
+                </a:solidFill>
+              </a:ln>
+            </p:spPr>
+            <p:style>
+              <a:lnRef idx="2">
+                <a:schemeClr val="accent1">
+                  <a:shade val="50000"/>
+                </a:schemeClr>
+              </a:lnRef>
+              <a:fillRef idx="1">
+                <a:schemeClr val="accent1"/>
+              </a:fillRef>
+              <a:effectRef idx="0">
+                <a:schemeClr val="accent1"/>
+              </a:effectRef>
+              <a:fontRef idx="minor">
+                <a:schemeClr val="lt1"/>
+              </a:fontRef>
+            </p:style>
+            <p:txBody>
+              <a:bodyPr rtlCol="0" anchor="ctr"/>
+              <a:lstStyle/>
+              <a:p>
+                <a:pPr algn="ctr"/>
+                <a:r>
+                  <a:rPr kumimoji="1" lang="en-US" altLang="ja-JP" sz="1600" dirty="0">
+                    <a:solidFill>
+                      <a:srgbClr val="00B0F0"/>
+                    </a:solidFill>
+                  </a:rPr>
+                  <a:t>EOM</a:t>
+                </a:r>
+                <a:endParaRPr kumimoji="1" lang="ja-JP" altLang="en-US" sz="1600" dirty="0">
+                  <a:solidFill>
+                    <a:srgbClr val="00B0F0"/>
+                  </a:solidFill>
+                </a:endParaRPr>
+              </a:p>
+            </p:txBody>
+          </p:sp>
+          <p:sp>
+            <p:nvSpPr>
+              <p:cNvPr id="4" name="正方形/長方形 3">
+                <a:extLst>
+                  <a:ext uri="{FF2B5EF4-FFF2-40B4-BE49-F238E27FC236}">
+                    <a16:creationId xmlns:a16="http://schemas.microsoft.com/office/drawing/2014/main" id="{F1F6643D-A954-E8B1-C4BA-74D757D09E84}"/>
+                  </a:ext>
+                </a:extLst>
+              </p:cNvPr>
+              <p:cNvSpPr/>
+              <p:nvPr/>
+            </p:nvSpPr>
+            <p:spPr>
+              <a:xfrm>
+                <a:off x="8207010" y="4373565"/>
+                <a:ext cx="646329" cy="646329"/>
+              </a:xfrm>
+              <a:prstGeom prst="rect">
+                <a:avLst/>
+              </a:prstGeom>
+              <a:noFill/>
+              <a:ln w="12700">
+                <a:solidFill>
+                  <a:srgbClr val="00B0F0"/>
+                </a:solidFill>
+              </a:ln>
+            </p:spPr>
+            <p:style>
+              <a:lnRef idx="2">
+                <a:schemeClr val="accent1">
+                  <a:shade val="50000"/>
+                </a:schemeClr>
+              </a:lnRef>
+              <a:fillRef idx="1">
+                <a:schemeClr val="accent1"/>
+              </a:fillRef>
+              <a:effectRef idx="0">
+                <a:schemeClr val="accent1"/>
+              </a:effectRef>
+              <a:fontRef idx="minor">
+                <a:schemeClr val="lt1"/>
+              </a:fontRef>
+            </p:style>
+            <p:txBody>
+              <a:bodyPr rtlCol="0" anchor="ctr"/>
+              <a:lstStyle/>
+              <a:p>
+                <a:pPr algn="ctr"/>
+                <a:r>
+                  <a:rPr kumimoji="1" lang="en-US" altLang="ja-JP" sz="1600" dirty="0">
+                    <a:solidFill>
+                      <a:srgbClr val="00B0F0"/>
+                    </a:solidFill>
+                  </a:rPr>
+                  <a:t>EOM</a:t>
+                </a:r>
+                <a:endParaRPr kumimoji="1" lang="ja-JP" altLang="en-US" dirty="0">
+                  <a:solidFill>
+                    <a:srgbClr val="00B0F0"/>
+                  </a:solidFill>
+                </a:endParaRPr>
+              </a:p>
+            </p:txBody>
+          </p:sp>
+          <p:cxnSp>
+            <p:nvCxnSpPr>
+              <p:cNvPr id="5" name="直線コネクタ 4">
+                <a:extLst>
+                  <a:ext uri="{FF2B5EF4-FFF2-40B4-BE49-F238E27FC236}">
+                    <a16:creationId xmlns:a16="http://schemas.microsoft.com/office/drawing/2014/main" id="{E830C877-6CB3-55EB-D460-82A971856E61}"/>
+                  </a:ext>
+                </a:extLst>
+              </p:cNvPr>
+              <p:cNvCxnSpPr>
+                <a:cxnSpLocks/>
+              </p:cNvCxnSpPr>
+              <p:nvPr/>
+            </p:nvCxnSpPr>
+            <p:spPr>
+              <a:xfrm>
+                <a:off x="8853339" y="4704466"/>
+                <a:ext cx="331830" cy="0"/>
+              </a:xfrm>
+              <a:prstGeom prst="line">
+                <a:avLst/>
+              </a:prstGeom>
+              <a:ln w="12700">
+                <a:solidFill>
+                  <a:srgbClr val="00B0F0"/>
+                </a:solidFill>
+              </a:ln>
+            </p:spPr>
+            <p:style>
+              <a:lnRef idx="1">
+                <a:schemeClr val="accent1"/>
+              </a:lnRef>
+              <a:fillRef idx="0">
+                <a:schemeClr val="accent1"/>
+              </a:fillRef>
+              <a:effectRef idx="0">
+                <a:schemeClr val="accent1"/>
+              </a:effectRef>
+              <a:fontRef idx="minor">
+                <a:schemeClr val="tx1"/>
+              </a:fontRef>
+            </p:style>
+          </p:cxnSp>
+          <p:cxnSp>
+            <p:nvCxnSpPr>
+              <p:cNvPr id="7" name="直線コネクタ 6">
+                <a:extLst>
+                  <a:ext uri="{FF2B5EF4-FFF2-40B4-BE49-F238E27FC236}">
+                    <a16:creationId xmlns:a16="http://schemas.microsoft.com/office/drawing/2014/main" id="{A1483F1D-8B3F-769D-FE80-EE98F704A448}"/>
+                  </a:ext>
+                </a:extLst>
+              </p:cNvPr>
+              <p:cNvCxnSpPr>
+                <a:cxnSpLocks/>
+              </p:cNvCxnSpPr>
+              <p:nvPr/>
+            </p:nvCxnSpPr>
+            <p:spPr>
+              <a:xfrm>
+                <a:off x="9998930" y="4696369"/>
+                <a:ext cx="331830" cy="0"/>
+              </a:xfrm>
+              <a:prstGeom prst="line">
+                <a:avLst/>
+              </a:prstGeom>
+              <a:ln w="12700">
+                <a:solidFill>
+                  <a:srgbClr val="00B0F0"/>
+                </a:solidFill>
+              </a:ln>
+            </p:spPr>
+            <p:style>
+              <a:lnRef idx="1">
+                <a:schemeClr val="accent1"/>
+              </a:lnRef>
+              <a:fillRef idx="0">
+                <a:schemeClr val="accent1"/>
+              </a:fillRef>
+              <a:effectRef idx="0">
+                <a:schemeClr val="accent1"/>
+              </a:effectRef>
+              <a:fontRef idx="minor">
+                <a:schemeClr val="tx1"/>
+              </a:fontRef>
+            </p:style>
+          </p:cxnSp>
+          <p:sp>
+            <p:nvSpPr>
+              <p:cNvPr id="6" name="テキスト ボックス 5">
+                <a:extLst>
+                  <a:ext uri="{FF2B5EF4-FFF2-40B4-BE49-F238E27FC236}">
+                    <a16:creationId xmlns:a16="http://schemas.microsoft.com/office/drawing/2014/main" id="{1367A4B6-1380-10E4-5DE8-E9E14BFE9532}"/>
                   </a:ext>
                 </a:extLst>
               </p:cNvPr>
@@ -4140,8 +6535,8 @@
             </p:nvSpPr>
             <p:spPr>
               <a:xfrm>
-                <a:off x="360129" y="1614909"/>
-                <a:ext cx="1356012" cy="646331"/>
+                <a:off x="6863365" y="5027629"/>
+                <a:ext cx="1404552" cy="646331"/>
               </a:xfrm>
               <a:prstGeom prst="rect">
                 <a:avLst/>
@@ -4161,73 +6556,19 @@
                     </a:solidFill>
                     <a:latin typeface="+mn-ea"/>
                   </a:rPr>
-                  <a:t>input state</a:t>
+                  <a:t>amplitude </a:t>
                 </a:r>
               </a:p>
               <a:p>
-                <a:pPr/>
-                <a14:m>
-                  <m:oMathPara xmlns:m="http://schemas.openxmlformats.org/officeDocument/2006/math">
-                    <m:oMathParaPr>
-                      <m:jc m:val="centerGroup"/>
-                    </m:oMathParaPr>
-                    <m:oMath xmlns:m="http://schemas.openxmlformats.org/officeDocument/2006/math">
-                      <m:sSub>
-                        <m:sSubPr>
-                          <m:ctrlPr>
-                            <a:rPr kumimoji="1" lang="en-US" altLang="ja-JP" b="0" i="1" smtClean="0">
-                              <a:solidFill>
-                                <a:srgbClr val="00B0F0"/>
-                              </a:solidFill>
-                              <a:latin typeface="Cambria Math" panose="02040503050406030204" pitchFamily="18" charset="0"/>
-                            </a:rPr>
-                          </m:ctrlPr>
-                        </m:sSubPr>
-                        <m:e>
-                          <m:d>
-                            <m:dPr>
-                              <m:begChr m:val="|"/>
-                              <m:endChr m:val="⟩"/>
-                              <m:ctrlPr>
-                                <a:rPr kumimoji="1" lang="en-US" altLang="ja-JP" b="0" i="1" smtClean="0">
-                                  <a:solidFill>
-                                    <a:srgbClr val="00B0F0"/>
-                                  </a:solidFill>
-                                  <a:latin typeface="Cambria Math" panose="02040503050406030204" pitchFamily="18" charset="0"/>
-                                </a:rPr>
-                              </m:ctrlPr>
-                            </m:dPr>
-                            <m:e>
-                              <m:r>
-                                <a:rPr kumimoji="1" lang="en-US" altLang="ja-JP" b="0" i="1" smtClean="0">
-                                  <a:solidFill>
-                                    <a:srgbClr val="00B0F0"/>
-                                  </a:solidFill>
-                                  <a:latin typeface="Cambria Math" panose="02040503050406030204" pitchFamily="18" charset="0"/>
-                                </a:rPr>
-                                <m:t>𝜙</m:t>
-                              </m:r>
-                            </m:e>
-                          </m:d>
-                        </m:e>
-                        <m:sub>
-                          <m:r>
-                            <m:rPr>
-                              <m:sty m:val="p"/>
-                            </m:rPr>
-                            <a:rPr kumimoji="1" lang="en-US" altLang="ja-JP" b="0" i="0" smtClean="0">
-                              <a:solidFill>
-                                <a:srgbClr val="00B0F0"/>
-                              </a:solidFill>
-                              <a:latin typeface="Cambria Math" panose="02040503050406030204" pitchFamily="18" charset="0"/>
-                            </a:rPr>
-                            <m:t>in</m:t>
-                          </m:r>
-                        </m:sub>
-                      </m:sSub>
-                    </m:oMath>
-                  </m:oMathPara>
-                </a14:m>
+                <a:r>
+                  <a:rPr kumimoji="1" lang="en-US" altLang="ja-JP" b="0" dirty="0">
+                    <a:solidFill>
+                      <a:srgbClr val="00B0F0"/>
+                    </a:solidFill>
+                    <a:latin typeface="+mn-ea"/>
+                  </a:rPr>
+                  <a:t>modulation</a:t>
+                </a:r>
                 <a:endParaRPr kumimoji="1" lang="ja-JP" altLang="en-US" dirty="0">
                   <a:solidFill>
                     <a:srgbClr val="00B0F0"/>
@@ -4236,189 +6577,12 @@
               </a:p>
             </p:txBody>
           </p:sp>
-        </mc:Choice>
-        <mc:Fallback xmlns="">
           <p:sp>
             <p:nvSpPr>
-              <p:cNvPr id="25" name="テキスト ボックス 24">
+              <p:cNvPr id="8" name="テキスト ボックス 7">
                 <a:extLst>
                   <a:ext uri="{FF2B5EF4-FFF2-40B4-BE49-F238E27FC236}">
-                    <a16:creationId xmlns:a16="http://schemas.microsoft.com/office/drawing/2014/main" id="{5A82312B-E0A9-C112-4326-F306B312F331}"/>
-                  </a:ext>
-                </a:extLst>
-              </p:cNvPr>
-              <p:cNvSpPr txBox="1">
-                <a:spLocks noRot="1" noChangeAspect="1" noMove="1" noResize="1" noEditPoints="1" noAdjustHandles="1" noChangeArrowheads="1" noChangeShapeType="1" noTextEdit="1"/>
-              </p:cNvSpPr>
-              <p:nvPr/>
-            </p:nvSpPr>
-            <p:spPr>
-              <a:xfrm>
-                <a:off x="360129" y="1614909"/>
-                <a:ext cx="1356012" cy="646331"/>
-              </a:xfrm>
-              <a:prstGeom prst="rect">
-                <a:avLst/>
-              </a:prstGeom>
-              <a:blipFill>
-                <a:blip r:embed="rId2"/>
-                <a:stretch>
-                  <a:fillRect l="-3587" t="-5660" r="-897" b="-6604"/>
-                </a:stretch>
-              </a:blipFill>
-            </p:spPr>
-            <p:txBody>
-              <a:bodyPr/>
-              <a:lstStyle/>
-              <a:p>
-                <a:r>
-                  <a:rPr lang="ja-JP" altLang="en-US">
-                    <a:noFill/>
-                  </a:rPr>
-                  <a:t> </a:t>
-                </a:r>
-              </a:p>
-            </p:txBody>
-          </p:sp>
-        </mc:Fallback>
-      </mc:AlternateContent>
-      <p:cxnSp>
-        <p:nvCxnSpPr>
-          <p:cNvPr id="3" name="直線コネクタ 2">
-            <a:extLst>
-              <a:ext uri="{FF2B5EF4-FFF2-40B4-BE49-F238E27FC236}">
-                <a16:creationId xmlns:a16="http://schemas.microsoft.com/office/drawing/2014/main" id="{38C9F603-6B6A-6B3E-4215-6CDC865D3666}"/>
-              </a:ext>
-            </a:extLst>
-          </p:cNvPr>
-          <p:cNvCxnSpPr>
-            <a:cxnSpLocks/>
-          </p:cNvCxnSpPr>
-          <p:nvPr/>
-        </p:nvCxnSpPr>
-        <p:spPr>
-          <a:xfrm>
-            <a:off x="1716141" y="1938074"/>
-            <a:ext cx="2364720" cy="0"/>
-          </a:xfrm>
-          <a:prstGeom prst="line">
-            <a:avLst/>
-          </a:prstGeom>
-          <a:ln w="12700">
-            <a:solidFill>
-              <a:srgbClr val="00B0F0"/>
-            </a:solidFill>
-          </a:ln>
-        </p:spPr>
-        <p:style>
-          <a:lnRef idx="1">
-            <a:schemeClr val="accent1"/>
-          </a:lnRef>
-          <a:fillRef idx="0">
-            <a:schemeClr val="accent1"/>
-          </a:fillRef>
-          <a:effectRef idx="0">
-            <a:schemeClr val="accent1"/>
-          </a:effectRef>
-          <a:fontRef idx="minor">
-            <a:schemeClr val="tx1"/>
-          </a:fontRef>
-        </p:style>
-      </p:cxnSp>
-      <p:cxnSp>
-        <p:nvCxnSpPr>
-          <p:cNvPr id="13" name="直線コネクタ 12">
-            <a:extLst>
-              <a:ext uri="{FF2B5EF4-FFF2-40B4-BE49-F238E27FC236}">
-                <a16:creationId xmlns:a16="http://schemas.microsoft.com/office/drawing/2014/main" id="{547CDFF3-E3EC-071C-F317-EE9D1323B5D9}"/>
-              </a:ext>
-            </a:extLst>
-          </p:cNvPr>
-          <p:cNvCxnSpPr>
-            <a:cxnSpLocks/>
-          </p:cNvCxnSpPr>
-          <p:nvPr/>
-        </p:nvCxnSpPr>
-        <p:spPr>
-          <a:xfrm>
-            <a:off x="1726311" y="2882954"/>
-            <a:ext cx="767070" cy="0"/>
-          </a:xfrm>
-          <a:prstGeom prst="line">
-            <a:avLst/>
-          </a:prstGeom>
-          <a:ln w="12700">
-            <a:solidFill>
-              <a:srgbClr val="00B0F0"/>
-            </a:solidFill>
-          </a:ln>
-        </p:spPr>
-        <p:style>
-          <a:lnRef idx="1">
-            <a:schemeClr val="accent1"/>
-          </a:lnRef>
-          <a:fillRef idx="0">
-            <a:schemeClr val="accent1"/>
-          </a:fillRef>
-          <a:effectRef idx="0">
-            <a:schemeClr val="accent1"/>
-          </a:effectRef>
-          <a:fontRef idx="minor">
-            <a:schemeClr val="tx1"/>
-          </a:fontRef>
-        </p:style>
-      </p:cxnSp>
-      <p:cxnSp>
-        <p:nvCxnSpPr>
-          <p:cNvPr id="14" name="直線コネクタ 13">
-            <a:extLst>
-              <a:ext uri="{FF2B5EF4-FFF2-40B4-BE49-F238E27FC236}">
-                <a16:creationId xmlns:a16="http://schemas.microsoft.com/office/drawing/2014/main" id="{B79079C2-8A5D-47E9-C617-997721ECE4D7}"/>
-              </a:ext>
-            </a:extLst>
-          </p:cNvPr>
-          <p:cNvCxnSpPr>
-            <a:cxnSpLocks/>
-          </p:cNvCxnSpPr>
-          <p:nvPr/>
-        </p:nvCxnSpPr>
-        <p:spPr>
-          <a:xfrm>
-            <a:off x="1726311" y="3812926"/>
-            <a:ext cx="767070" cy="0"/>
-          </a:xfrm>
-          <a:prstGeom prst="line">
-            <a:avLst/>
-          </a:prstGeom>
-          <a:ln w="12700">
-            <a:solidFill>
-              <a:srgbClr val="00B0F0"/>
-            </a:solidFill>
-          </a:ln>
-        </p:spPr>
-        <p:style>
-          <a:lnRef idx="1">
-            <a:schemeClr val="accent1"/>
-          </a:lnRef>
-          <a:fillRef idx="0">
-            <a:schemeClr val="accent1"/>
-          </a:fillRef>
-          <a:effectRef idx="0">
-            <a:schemeClr val="accent1"/>
-          </a:effectRef>
-          <a:fontRef idx="minor">
-            <a:schemeClr val="tx1"/>
-          </a:fontRef>
-        </p:style>
-      </p:cxnSp>
-      <mc:AlternateContent xmlns:mc="http://schemas.openxmlformats.org/markup-compatibility/2006" xmlns:a14="http://schemas.microsoft.com/office/drawing/2010/main">
-        <mc:Choice Requires="a14">
-          <p:sp>
-            <p:nvSpPr>
-              <p:cNvPr id="15" name="テキスト ボックス 14">
-                <a:extLst>
-                  <a:ext uri="{FF2B5EF4-FFF2-40B4-BE49-F238E27FC236}">
-                    <a16:creationId xmlns:a16="http://schemas.microsoft.com/office/drawing/2014/main" id="{9E13D592-7A48-5D46-B826-821C87DDDDE1}"/>
+                    <a16:creationId xmlns:a16="http://schemas.microsoft.com/office/drawing/2014/main" id="{137BF189-4539-636B-C9CF-186B97EB799B}"/>
                   </a:ext>
                 </a:extLst>
               </p:cNvPr>
@@ -4427,1561 +6591,8 @@
             </p:nvSpPr>
             <p:spPr>
               <a:xfrm>
-                <a:off x="49414" y="2544880"/>
-                <a:ext cx="1795684" cy="646331"/>
-              </a:xfrm>
-              <a:prstGeom prst="rect">
-                <a:avLst/>
-              </a:prstGeom>
-              <a:noFill/>
-            </p:spPr>
-            <p:txBody>
-              <a:bodyPr wrap="none" rtlCol="0">
-                <a:spAutoFit/>
-              </a:bodyPr>
-              <a:lstStyle/>
-              <a:p>
-                <a:r>
-                  <a:rPr kumimoji="1" lang="en-US" altLang="ja-JP" b="0" dirty="0">
-                    <a:solidFill>
-                      <a:srgbClr val="00B0F0"/>
-                    </a:solidFill>
-                    <a:latin typeface="+mn-ea"/>
-                  </a:rPr>
-                  <a:t>squeezed state</a:t>
-                </a:r>
-              </a:p>
-              <a:p>
-                <a:pPr/>
-                <a14:m>
-                  <m:oMathPara xmlns:m="http://schemas.openxmlformats.org/officeDocument/2006/math">
-                    <m:oMathParaPr>
-                      <m:jc m:val="centerGroup"/>
-                    </m:oMathParaPr>
-                    <m:oMath xmlns:m="http://schemas.openxmlformats.org/officeDocument/2006/math">
-                      <m:r>
-                        <a:rPr kumimoji="1" lang="en-US" altLang="ja-JP" b="0" i="1" smtClean="0">
-                          <a:solidFill>
-                            <a:srgbClr val="00B0F0"/>
-                          </a:solidFill>
-                          <a:latin typeface="Cambria Math" panose="02040503050406030204" pitchFamily="18" charset="0"/>
-                        </a:rPr>
-                        <m:t>𝑆</m:t>
-                      </m:r>
-                      <m:r>
-                        <a:rPr kumimoji="1" lang="en-US" altLang="ja-JP" b="0" i="1" smtClean="0">
-                          <a:solidFill>
-                            <a:srgbClr val="00B0F0"/>
-                          </a:solidFill>
-                          <a:latin typeface="Cambria Math" panose="02040503050406030204" pitchFamily="18" charset="0"/>
-                        </a:rPr>
-                        <m:t>(</m:t>
-                      </m:r>
-                      <m:r>
-                        <a:rPr kumimoji="1" lang="en-US" altLang="ja-JP" b="0" i="1" smtClean="0">
-                          <a:solidFill>
-                            <a:srgbClr val="00B0F0"/>
-                          </a:solidFill>
-                          <a:latin typeface="Cambria Math" panose="02040503050406030204" pitchFamily="18" charset="0"/>
-                        </a:rPr>
-                        <m:t>𝑟</m:t>
-                      </m:r>
-                      <m:r>
-                        <a:rPr kumimoji="1" lang="en-US" altLang="ja-JP" b="0" i="1" smtClean="0">
-                          <a:solidFill>
-                            <a:srgbClr val="00B0F0"/>
-                          </a:solidFill>
-                          <a:latin typeface="Cambria Math" panose="02040503050406030204" pitchFamily="18" charset="0"/>
-                        </a:rPr>
-                        <m:t>)|0⟩</m:t>
-                      </m:r>
-                    </m:oMath>
-                  </m:oMathPara>
-                </a14:m>
-                <a:endParaRPr kumimoji="1" lang="ja-JP" altLang="en-US" dirty="0">
-                  <a:solidFill>
-                    <a:srgbClr val="00B0F0"/>
-                  </a:solidFill>
-                </a:endParaRPr>
-              </a:p>
-            </p:txBody>
-          </p:sp>
-        </mc:Choice>
-        <mc:Fallback xmlns="">
-          <p:sp>
-            <p:nvSpPr>
-              <p:cNvPr id="15" name="テキスト ボックス 14">
-                <a:extLst>
-                  <a:ext uri="{FF2B5EF4-FFF2-40B4-BE49-F238E27FC236}">
-                    <a16:creationId xmlns:a16="http://schemas.microsoft.com/office/drawing/2014/main" id="{9E13D592-7A48-5D46-B826-821C87DDDDE1}"/>
-                  </a:ext>
-                </a:extLst>
-              </p:cNvPr>
-              <p:cNvSpPr txBox="1">
-                <a:spLocks noRot="1" noChangeAspect="1" noMove="1" noResize="1" noEditPoints="1" noAdjustHandles="1" noChangeArrowheads="1" noChangeShapeType="1" noTextEdit="1"/>
-              </p:cNvSpPr>
-              <p:nvPr/>
-            </p:nvSpPr>
-            <p:spPr>
-              <a:xfrm>
-                <a:off x="49414" y="2544880"/>
-                <a:ext cx="1795684" cy="646331"/>
-              </a:xfrm>
-              <a:prstGeom prst="rect">
-                <a:avLst/>
-              </a:prstGeom>
-              <a:blipFill>
-                <a:blip r:embed="rId3"/>
-                <a:stretch>
-                  <a:fillRect l="-2712" t="-4717" r="-1695" b="-7547"/>
-                </a:stretch>
-              </a:blipFill>
-            </p:spPr>
-            <p:txBody>
-              <a:bodyPr/>
-              <a:lstStyle/>
-              <a:p>
-                <a:r>
-                  <a:rPr lang="ja-JP" altLang="en-US">
-                    <a:noFill/>
-                  </a:rPr>
-                  <a:t> </a:t>
-                </a:r>
-              </a:p>
-            </p:txBody>
-          </p:sp>
-        </mc:Fallback>
-      </mc:AlternateContent>
-      <mc:AlternateContent xmlns:mc="http://schemas.openxmlformats.org/markup-compatibility/2006" xmlns:a14="http://schemas.microsoft.com/office/drawing/2010/main">
-        <mc:Choice Requires="a14">
-          <p:sp>
-            <p:nvSpPr>
-              <p:cNvPr id="16" name="テキスト ボックス 15">
-                <a:extLst>
-                  <a:ext uri="{FF2B5EF4-FFF2-40B4-BE49-F238E27FC236}">
-                    <a16:creationId xmlns:a16="http://schemas.microsoft.com/office/drawing/2014/main" id="{E31E81BF-1DD8-67C0-ACE8-69DE695A0F97}"/>
-                  </a:ext>
-                </a:extLst>
-              </p:cNvPr>
-              <p:cNvSpPr txBox="1"/>
-              <p:nvPr/>
-            </p:nvSpPr>
-            <p:spPr>
-              <a:xfrm>
-                <a:off x="49414" y="3369561"/>
-                <a:ext cx="1795684" cy="646331"/>
-              </a:xfrm>
-              <a:prstGeom prst="rect">
-                <a:avLst/>
-              </a:prstGeom>
-              <a:noFill/>
-            </p:spPr>
-            <p:txBody>
-              <a:bodyPr wrap="none" rtlCol="0">
-                <a:spAutoFit/>
-              </a:bodyPr>
-              <a:lstStyle/>
-              <a:p>
-                <a:r>
-                  <a:rPr kumimoji="1" lang="en-US" altLang="ja-JP" b="0" dirty="0">
-                    <a:solidFill>
-                      <a:srgbClr val="00B0F0"/>
-                    </a:solidFill>
-                    <a:latin typeface="+mn-ea"/>
-                  </a:rPr>
-                  <a:t>squeezed state</a:t>
-                </a:r>
-              </a:p>
-              <a:p>
-                <a:pPr/>
-                <a14:m>
-                  <m:oMathPara xmlns:m="http://schemas.openxmlformats.org/officeDocument/2006/math">
-                    <m:oMathParaPr>
-                      <m:jc m:val="centerGroup"/>
-                    </m:oMathParaPr>
-                    <m:oMath xmlns:m="http://schemas.openxmlformats.org/officeDocument/2006/math">
-                      <m:r>
-                        <a:rPr kumimoji="1" lang="en-US" altLang="ja-JP" b="0" i="1" smtClean="0">
-                          <a:solidFill>
-                            <a:srgbClr val="00B0F0"/>
-                          </a:solidFill>
-                          <a:latin typeface="Cambria Math" panose="02040503050406030204" pitchFamily="18" charset="0"/>
-                        </a:rPr>
-                        <m:t>𝑆</m:t>
-                      </m:r>
-                      <m:r>
-                        <a:rPr kumimoji="1" lang="en-US" altLang="ja-JP" b="0" i="1" smtClean="0">
-                          <a:solidFill>
-                            <a:srgbClr val="00B0F0"/>
-                          </a:solidFill>
-                          <a:latin typeface="Cambria Math" panose="02040503050406030204" pitchFamily="18" charset="0"/>
-                        </a:rPr>
-                        <m:t>(−</m:t>
-                      </m:r>
-                      <m:r>
-                        <a:rPr kumimoji="1" lang="en-US" altLang="ja-JP" b="0" i="1" smtClean="0">
-                          <a:solidFill>
-                            <a:srgbClr val="00B0F0"/>
-                          </a:solidFill>
-                          <a:latin typeface="Cambria Math" panose="02040503050406030204" pitchFamily="18" charset="0"/>
-                        </a:rPr>
-                        <m:t>𝑟</m:t>
-                      </m:r>
-                      <m:r>
-                        <a:rPr kumimoji="1" lang="en-US" altLang="ja-JP" b="0" i="1" smtClean="0">
-                          <a:solidFill>
-                            <a:srgbClr val="00B0F0"/>
-                          </a:solidFill>
-                          <a:latin typeface="Cambria Math" panose="02040503050406030204" pitchFamily="18" charset="0"/>
-                        </a:rPr>
-                        <m:t>)|0⟩</m:t>
-                      </m:r>
-                    </m:oMath>
-                  </m:oMathPara>
-                </a14:m>
-                <a:endParaRPr kumimoji="1" lang="ja-JP" altLang="en-US" dirty="0">
-                  <a:solidFill>
-                    <a:srgbClr val="00B0F0"/>
-                  </a:solidFill>
-                </a:endParaRPr>
-              </a:p>
-            </p:txBody>
-          </p:sp>
-        </mc:Choice>
-        <mc:Fallback xmlns="">
-          <p:sp>
-            <p:nvSpPr>
-              <p:cNvPr id="16" name="テキスト ボックス 15">
-                <a:extLst>
-                  <a:ext uri="{FF2B5EF4-FFF2-40B4-BE49-F238E27FC236}">
-                    <a16:creationId xmlns:a16="http://schemas.microsoft.com/office/drawing/2014/main" id="{E31E81BF-1DD8-67C0-ACE8-69DE695A0F97}"/>
-                  </a:ext>
-                </a:extLst>
-              </p:cNvPr>
-              <p:cNvSpPr txBox="1">
-                <a:spLocks noRot="1" noChangeAspect="1" noMove="1" noResize="1" noEditPoints="1" noAdjustHandles="1" noChangeArrowheads="1" noChangeShapeType="1" noTextEdit="1"/>
-              </p:cNvSpPr>
-              <p:nvPr/>
-            </p:nvSpPr>
-            <p:spPr>
-              <a:xfrm>
-                <a:off x="49414" y="3369561"/>
-                <a:ext cx="1795684" cy="646331"/>
-              </a:xfrm>
-              <a:prstGeom prst="rect">
-                <a:avLst/>
-              </a:prstGeom>
-              <a:blipFill>
-                <a:blip r:embed="rId4"/>
-                <a:stretch>
-                  <a:fillRect l="-2712" t="-5660" r="-1695" b="-6604"/>
-                </a:stretch>
-              </a:blipFill>
-            </p:spPr>
-            <p:txBody>
-              <a:bodyPr/>
-              <a:lstStyle/>
-              <a:p>
-                <a:r>
-                  <a:rPr lang="ja-JP" altLang="en-US">
-                    <a:noFill/>
-                  </a:rPr>
-                  <a:t> </a:t>
-                </a:r>
-              </a:p>
-            </p:txBody>
-          </p:sp>
-        </mc:Fallback>
-      </mc:AlternateContent>
-      <p:sp>
-        <p:nvSpPr>
-          <p:cNvPr id="17" name="正方形/長方形 16">
-            <a:extLst>
-              <a:ext uri="{FF2B5EF4-FFF2-40B4-BE49-F238E27FC236}">
-                <a16:creationId xmlns:a16="http://schemas.microsoft.com/office/drawing/2014/main" id="{00175CBE-CB47-5567-229F-0B81528BB285}"/>
-              </a:ext>
-            </a:extLst>
-          </p:cNvPr>
-          <p:cNvSpPr/>
-          <p:nvPr/>
-        </p:nvSpPr>
-        <p:spPr>
-          <a:xfrm>
-            <a:off x="4080861" y="1715648"/>
-            <a:ext cx="820410" cy="1324732"/>
-          </a:xfrm>
-          <a:prstGeom prst="rect">
-            <a:avLst/>
-          </a:prstGeom>
-          <a:noFill/>
-          <a:ln>
-            <a:solidFill>
-              <a:srgbClr val="00B0F0"/>
-            </a:solidFill>
-          </a:ln>
-        </p:spPr>
-        <p:style>
-          <a:lnRef idx="2">
-            <a:schemeClr val="accent1">
-              <a:shade val="50000"/>
-            </a:schemeClr>
-          </a:lnRef>
-          <a:fillRef idx="1">
-            <a:schemeClr val="accent1"/>
-          </a:fillRef>
-          <a:effectRef idx="0">
-            <a:schemeClr val="accent1"/>
-          </a:effectRef>
-          <a:fontRef idx="minor">
-            <a:schemeClr val="lt1"/>
-          </a:fontRef>
-        </p:style>
-        <p:txBody>
-          <a:bodyPr rtlCol="0" anchor="ctr"/>
-          <a:lstStyle/>
-          <a:p>
-            <a:pPr algn="ctr"/>
-            <a:r>
-              <a:rPr kumimoji="1" lang="en-US" altLang="ja-JP" dirty="0">
-                <a:solidFill>
-                  <a:srgbClr val="00B0F0"/>
-                </a:solidFill>
-              </a:rPr>
-              <a:t>50:50</a:t>
-            </a:r>
-          </a:p>
-          <a:p>
-            <a:pPr algn="ctr"/>
-            <a:r>
-              <a:rPr kumimoji="1" lang="en-US" altLang="ja-JP" dirty="0">
-                <a:solidFill>
-                  <a:srgbClr val="00B0F0"/>
-                </a:solidFill>
-              </a:rPr>
-              <a:t>BS</a:t>
-            </a:r>
-            <a:r>
-              <a:rPr kumimoji="1" lang="ja-JP" altLang="en-US" dirty="0"/>
-              <a:t> </a:t>
-            </a:r>
-          </a:p>
-        </p:txBody>
-      </p:sp>
-      <p:cxnSp>
-        <p:nvCxnSpPr>
-          <p:cNvPr id="18" name="直線コネクタ 17">
-            <a:extLst>
-              <a:ext uri="{FF2B5EF4-FFF2-40B4-BE49-F238E27FC236}">
-                <a16:creationId xmlns:a16="http://schemas.microsoft.com/office/drawing/2014/main" id="{044CF99E-FB4D-32FA-0D7F-D2847FB82700}"/>
-              </a:ext>
-            </a:extLst>
-          </p:cNvPr>
-          <p:cNvCxnSpPr>
-            <a:cxnSpLocks/>
-          </p:cNvCxnSpPr>
-          <p:nvPr/>
-        </p:nvCxnSpPr>
-        <p:spPr>
-          <a:xfrm>
-            <a:off x="3313791" y="2882954"/>
-            <a:ext cx="767070" cy="0"/>
-          </a:xfrm>
-          <a:prstGeom prst="line">
-            <a:avLst/>
-          </a:prstGeom>
-          <a:ln w="12700">
-            <a:solidFill>
-              <a:srgbClr val="00B0F0"/>
-            </a:solidFill>
-          </a:ln>
-        </p:spPr>
-        <p:style>
-          <a:lnRef idx="1">
-            <a:schemeClr val="accent1"/>
-          </a:lnRef>
-          <a:fillRef idx="0">
-            <a:schemeClr val="accent1"/>
-          </a:fillRef>
-          <a:effectRef idx="0">
-            <a:schemeClr val="accent1"/>
-          </a:effectRef>
-          <a:fontRef idx="minor">
-            <a:schemeClr val="tx1"/>
-          </a:fontRef>
-        </p:style>
-      </p:cxnSp>
-      <p:cxnSp>
-        <p:nvCxnSpPr>
-          <p:cNvPr id="22" name="直線コネクタ 21">
-            <a:extLst>
-              <a:ext uri="{FF2B5EF4-FFF2-40B4-BE49-F238E27FC236}">
-                <a16:creationId xmlns:a16="http://schemas.microsoft.com/office/drawing/2014/main" id="{9F6F180B-A36F-26BE-AFD7-25A70232EA33}"/>
-              </a:ext>
-            </a:extLst>
-          </p:cNvPr>
-          <p:cNvCxnSpPr>
-            <a:cxnSpLocks/>
-          </p:cNvCxnSpPr>
-          <p:nvPr/>
-        </p:nvCxnSpPr>
-        <p:spPr>
-          <a:xfrm>
-            <a:off x="4901271" y="1938074"/>
-            <a:ext cx="767070" cy="0"/>
-          </a:xfrm>
-          <a:prstGeom prst="line">
-            <a:avLst/>
-          </a:prstGeom>
-          <a:ln w="12700">
-            <a:solidFill>
-              <a:srgbClr val="00B0F0"/>
-            </a:solidFill>
-          </a:ln>
-        </p:spPr>
-        <p:style>
-          <a:lnRef idx="1">
-            <a:schemeClr val="accent1"/>
-          </a:lnRef>
-          <a:fillRef idx="0">
-            <a:schemeClr val="accent1"/>
-          </a:fillRef>
-          <a:effectRef idx="0">
-            <a:schemeClr val="accent1"/>
-          </a:effectRef>
-          <a:fontRef idx="minor">
-            <a:schemeClr val="tx1"/>
-          </a:fontRef>
-        </p:style>
-      </p:cxnSp>
-      <p:cxnSp>
-        <p:nvCxnSpPr>
-          <p:cNvPr id="23" name="直線コネクタ 22">
-            <a:extLst>
-              <a:ext uri="{FF2B5EF4-FFF2-40B4-BE49-F238E27FC236}">
-                <a16:creationId xmlns:a16="http://schemas.microsoft.com/office/drawing/2014/main" id="{B1F1DC72-DF8D-B206-D220-55B5A39BA925}"/>
-              </a:ext>
-            </a:extLst>
-          </p:cNvPr>
-          <p:cNvCxnSpPr>
-            <a:cxnSpLocks/>
-          </p:cNvCxnSpPr>
-          <p:nvPr/>
-        </p:nvCxnSpPr>
-        <p:spPr>
-          <a:xfrm>
-            <a:off x="4901271" y="2882954"/>
-            <a:ext cx="767070" cy="0"/>
-          </a:xfrm>
-          <a:prstGeom prst="line">
-            <a:avLst/>
-          </a:prstGeom>
-          <a:ln w="12700">
-            <a:solidFill>
-              <a:srgbClr val="00B0F0"/>
-            </a:solidFill>
-          </a:ln>
-        </p:spPr>
-        <p:style>
-          <a:lnRef idx="1">
-            <a:schemeClr val="accent1"/>
-          </a:lnRef>
-          <a:fillRef idx="0">
-            <a:schemeClr val="accent1"/>
-          </a:fillRef>
-          <a:effectRef idx="0">
-            <a:schemeClr val="accent1"/>
-          </a:effectRef>
-          <a:fontRef idx="minor">
-            <a:schemeClr val="tx1"/>
-          </a:fontRef>
-        </p:style>
-      </p:cxnSp>
-      <p:grpSp>
-        <p:nvGrpSpPr>
-          <p:cNvPr id="34" name="グループ化 33">
-            <a:extLst>
-              <a:ext uri="{FF2B5EF4-FFF2-40B4-BE49-F238E27FC236}">
-                <a16:creationId xmlns:a16="http://schemas.microsoft.com/office/drawing/2014/main" id="{9ADB904D-25B0-3B27-9CBF-31A1D793BA6B}"/>
-              </a:ext>
-            </a:extLst>
-          </p:cNvPr>
-          <p:cNvGrpSpPr/>
-          <p:nvPr/>
-        </p:nvGrpSpPr>
-        <p:grpSpPr>
-          <a:xfrm>
-            <a:off x="5670295" y="1604801"/>
-            <a:ext cx="646329" cy="670968"/>
-            <a:chOff x="5846464" y="1604801"/>
-            <a:chExt cx="646329" cy="670968"/>
-          </a:xfrm>
-        </p:grpSpPr>
-        <p:sp>
-          <p:nvSpPr>
-            <p:cNvPr id="24" name="正方形/長方形 23">
-              <a:extLst>
-                <a:ext uri="{FF2B5EF4-FFF2-40B4-BE49-F238E27FC236}">
-                  <a16:creationId xmlns:a16="http://schemas.microsoft.com/office/drawing/2014/main" id="{56D2C95C-0AD3-D7D8-B981-400C6E2C9688}"/>
-                </a:ext>
-              </a:extLst>
-            </p:cNvPr>
-            <p:cNvSpPr/>
-            <p:nvPr/>
-          </p:nvSpPr>
-          <p:spPr>
-            <a:xfrm>
-              <a:off x="5846464" y="1604801"/>
-              <a:ext cx="646329" cy="646329"/>
-            </a:xfrm>
-            <a:prstGeom prst="rect">
-              <a:avLst/>
-            </a:prstGeom>
-            <a:noFill/>
-            <a:ln w="12700">
-              <a:solidFill>
-                <a:srgbClr val="00B0F0"/>
-              </a:solidFill>
-            </a:ln>
-          </p:spPr>
-          <p:style>
-            <a:lnRef idx="2">
-              <a:schemeClr val="accent1">
-                <a:shade val="50000"/>
-              </a:schemeClr>
-            </a:lnRef>
-            <a:fillRef idx="1">
-              <a:schemeClr val="accent1"/>
-            </a:fillRef>
-            <a:effectRef idx="0">
-              <a:schemeClr val="accent1"/>
-            </a:effectRef>
-            <a:fontRef idx="minor">
-              <a:schemeClr val="lt1"/>
-            </a:fontRef>
-          </p:style>
-          <p:txBody>
-            <a:bodyPr rtlCol="0" anchor="ctr"/>
-            <a:lstStyle/>
-            <a:p>
-              <a:pPr algn="ctr"/>
-              <a:endParaRPr kumimoji="1" lang="ja-JP" altLang="en-US" dirty="0"/>
-            </a:p>
-          </p:txBody>
-        </p:sp>
-        <p:sp>
-          <p:nvSpPr>
-            <p:cNvPr id="29" name="円弧 28">
-              <a:extLst>
-                <a:ext uri="{FF2B5EF4-FFF2-40B4-BE49-F238E27FC236}">
-                  <a16:creationId xmlns:a16="http://schemas.microsoft.com/office/drawing/2014/main" id="{5997CD09-BC67-5367-C4D4-25FF94B153EE}"/>
-                </a:ext>
-              </a:extLst>
-            </p:cNvPr>
-            <p:cNvSpPr/>
-            <p:nvPr/>
-          </p:nvSpPr>
-          <p:spPr>
-            <a:xfrm rot="18900000">
-              <a:off x="5947511" y="1811750"/>
-              <a:ext cx="464019" cy="464019"/>
-            </a:xfrm>
-            <a:prstGeom prst="arc">
-              <a:avLst>
-                <a:gd name="adj1" fmla="val 15236206"/>
-                <a:gd name="adj2" fmla="val 1122544"/>
-              </a:avLst>
-            </a:prstGeom>
-            <a:ln w="12700">
-              <a:solidFill>
-                <a:srgbClr val="00B0F0"/>
-              </a:solidFill>
-            </a:ln>
-          </p:spPr>
-          <p:style>
-            <a:lnRef idx="1">
-              <a:schemeClr val="accent1"/>
-            </a:lnRef>
-            <a:fillRef idx="0">
-              <a:schemeClr val="accent1"/>
-            </a:fillRef>
-            <a:effectRef idx="0">
-              <a:schemeClr val="accent1"/>
-            </a:effectRef>
-            <a:fontRef idx="minor">
-              <a:schemeClr val="tx1"/>
-            </a:fontRef>
-          </p:style>
-          <p:txBody>
-            <a:bodyPr rtlCol="0" anchor="ctr"/>
-            <a:lstStyle/>
-            <a:p>
-              <a:pPr algn="ctr"/>
-              <a:endParaRPr kumimoji="1" lang="ja-JP" altLang="en-US"/>
-            </a:p>
-          </p:txBody>
-        </p:sp>
-        <p:cxnSp>
-          <p:nvCxnSpPr>
-            <p:cNvPr id="31" name="直線コネクタ 30">
-              <a:extLst>
-                <a:ext uri="{FF2B5EF4-FFF2-40B4-BE49-F238E27FC236}">
-                  <a16:creationId xmlns:a16="http://schemas.microsoft.com/office/drawing/2014/main" id="{4D039251-C3D1-5DF0-BD26-A978AADDC0A9}"/>
-                </a:ext>
-              </a:extLst>
-            </p:cNvPr>
-            <p:cNvCxnSpPr>
-              <a:cxnSpLocks/>
-            </p:cNvCxnSpPr>
-            <p:nvPr/>
-          </p:nvCxnSpPr>
-          <p:spPr>
-            <a:xfrm flipH="1">
-              <a:off x="6164580" y="1829396"/>
-              <a:ext cx="202186" cy="202186"/>
-            </a:xfrm>
-            <a:prstGeom prst="line">
-              <a:avLst/>
-            </a:prstGeom>
-            <a:ln w="12700">
-              <a:solidFill>
-                <a:srgbClr val="00B0F0"/>
-              </a:solidFill>
-            </a:ln>
-          </p:spPr>
-          <p:style>
-            <a:lnRef idx="1">
-              <a:schemeClr val="accent1"/>
-            </a:lnRef>
-            <a:fillRef idx="0">
-              <a:schemeClr val="accent1"/>
-            </a:fillRef>
-            <a:effectRef idx="0">
-              <a:schemeClr val="accent1"/>
-            </a:effectRef>
-            <a:fontRef idx="minor">
-              <a:schemeClr val="tx1"/>
-            </a:fontRef>
-          </p:style>
-        </p:cxnSp>
-      </p:grpSp>
-      <p:grpSp>
-        <p:nvGrpSpPr>
-          <p:cNvPr id="35" name="グループ化 34">
-            <a:extLst>
-              <a:ext uri="{FF2B5EF4-FFF2-40B4-BE49-F238E27FC236}">
-                <a16:creationId xmlns:a16="http://schemas.microsoft.com/office/drawing/2014/main" id="{7E826845-E542-4449-84F4-BE68D6305486}"/>
-              </a:ext>
-            </a:extLst>
-          </p:cNvPr>
-          <p:cNvGrpSpPr/>
-          <p:nvPr/>
-        </p:nvGrpSpPr>
-        <p:grpSpPr>
-          <a:xfrm>
-            <a:off x="5672566" y="2518841"/>
-            <a:ext cx="646329" cy="670968"/>
-            <a:chOff x="5846464" y="1604801"/>
-            <a:chExt cx="646329" cy="670968"/>
-          </a:xfrm>
-        </p:grpSpPr>
-        <p:sp>
-          <p:nvSpPr>
-            <p:cNvPr id="36" name="正方形/長方形 35">
-              <a:extLst>
-                <a:ext uri="{FF2B5EF4-FFF2-40B4-BE49-F238E27FC236}">
-                  <a16:creationId xmlns:a16="http://schemas.microsoft.com/office/drawing/2014/main" id="{9A57AA2D-4E6D-4016-47FD-05343751D7B2}"/>
-                </a:ext>
-              </a:extLst>
-            </p:cNvPr>
-            <p:cNvSpPr/>
-            <p:nvPr/>
-          </p:nvSpPr>
-          <p:spPr>
-            <a:xfrm>
-              <a:off x="5846464" y="1604801"/>
-              <a:ext cx="646329" cy="646329"/>
-            </a:xfrm>
-            <a:prstGeom prst="rect">
-              <a:avLst/>
-            </a:prstGeom>
-            <a:noFill/>
-            <a:ln w="12700">
-              <a:solidFill>
-                <a:srgbClr val="00B0F0"/>
-              </a:solidFill>
-            </a:ln>
-          </p:spPr>
-          <p:style>
-            <a:lnRef idx="2">
-              <a:schemeClr val="accent1">
-                <a:shade val="50000"/>
-              </a:schemeClr>
-            </a:lnRef>
-            <a:fillRef idx="1">
-              <a:schemeClr val="accent1"/>
-            </a:fillRef>
-            <a:effectRef idx="0">
-              <a:schemeClr val="accent1"/>
-            </a:effectRef>
-            <a:fontRef idx="minor">
-              <a:schemeClr val="lt1"/>
-            </a:fontRef>
-          </p:style>
-          <p:txBody>
-            <a:bodyPr rtlCol="0" anchor="ctr"/>
-            <a:lstStyle/>
-            <a:p>
-              <a:pPr algn="ctr"/>
-              <a:endParaRPr kumimoji="1" lang="ja-JP" altLang="en-US"/>
-            </a:p>
-          </p:txBody>
-        </p:sp>
-        <p:sp>
-          <p:nvSpPr>
-            <p:cNvPr id="37" name="円弧 36">
-              <a:extLst>
-                <a:ext uri="{FF2B5EF4-FFF2-40B4-BE49-F238E27FC236}">
-                  <a16:creationId xmlns:a16="http://schemas.microsoft.com/office/drawing/2014/main" id="{DF52FD0B-476D-614F-B863-0BB27402367B}"/>
-                </a:ext>
-              </a:extLst>
-            </p:cNvPr>
-            <p:cNvSpPr/>
-            <p:nvPr/>
-          </p:nvSpPr>
-          <p:spPr>
-            <a:xfrm rot="18900000">
-              <a:off x="5947511" y="1811750"/>
-              <a:ext cx="464019" cy="464019"/>
-            </a:xfrm>
-            <a:prstGeom prst="arc">
-              <a:avLst>
-                <a:gd name="adj1" fmla="val 15236206"/>
-                <a:gd name="adj2" fmla="val 1122544"/>
-              </a:avLst>
-            </a:prstGeom>
-            <a:ln w="12700">
-              <a:solidFill>
-                <a:srgbClr val="00B0F0"/>
-              </a:solidFill>
-            </a:ln>
-          </p:spPr>
-          <p:style>
-            <a:lnRef idx="1">
-              <a:schemeClr val="accent1"/>
-            </a:lnRef>
-            <a:fillRef idx="0">
-              <a:schemeClr val="accent1"/>
-            </a:fillRef>
-            <a:effectRef idx="0">
-              <a:schemeClr val="accent1"/>
-            </a:effectRef>
-            <a:fontRef idx="minor">
-              <a:schemeClr val="tx1"/>
-            </a:fontRef>
-          </p:style>
-          <p:txBody>
-            <a:bodyPr rtlCol="0" anchor="ctr"/>
-            <a:lstStyle/>
-            <a:p>
-              <a:pPr algn="ctr"/>
-              <a:endParaRPr kumimoji="1" lang="ja-JP" altLang="en-US"/>
-            </a:p>
-          </p:txBody>
-        </p:sp>
-        <p:cxnSp>
-          <p:nvCxnSpPr>
-            <p:cNvPr id="38" name="直線コネクタ 37">
-              <a:extLst>
-                <a:ext uri="{FF2B5EF4-FFF2-40B4-BE49-F238E27FC236}">
-                  <a16:creationId xmlns:a16="http://schemas.microsoft.com/office/drawing/2014/main" id="{6BD397C4-C164-3DD9-62B9-369DD7C8BD6D}"/>
-                </a:ext>
-              </a:extLst>
-            </p:cNvPr>
-            <p:cNvCxnSpPr>
-              <a:cxnSpLocks/>
-            </p:cNvCxnSpPr>
-            <p:nvPr/>
-          </p:nvCxnSpPr>
-          <p:spPr>
-            <a:xfrm flipH="1">
-              <a:off x="6164580" y="1829396"/>
-              <a:ext cx="202186" cy="202186"/>
-            </a:xfrm>
-            <a:prstGeom prst="line">
-              <a:avLst/>
-            </a:prstGeom>
-            <a:ln w="12700">
-              <a:solidFill>
-                <a:srgbClr val="00B0F0"/>
-              </a:solidFill>
-            </a:ln>
-          </p:spPr>
-          <p:style>
-            <a:lnRef idx="1">
-              <a:schemeClr val="accent1"/>
-            </a:lnRef>
-            <a:fillRef idx="0">
-              <a:schemeClr val="accent1"/>
-            </a:fillRef>
-            <a:effectRef idx="0">
-              <a:schemeClr val="accent1"/>
-            </a:effectRef>
-            <a:fontRef idx="minor">
-              <a:schemeClr val="tx1"/>
-            </a:fontRef>
-          </p:style>
-        </p:cxnSp>
-      </p:grpSp>
-      <mc:AlternateContent xmlns:mc="http://schemas.openxmlformats.org/markup-compatibility/2006" xmlns:a14="http://schemas.microsoft.com/office/drawing/2010/main">
-        <mc:Choice Requires="a14">
-          <p:sp>
-            <p:nvSpPr>
-              <p:cNvPr id="39" name="テキスト ボックス 38">
-                <a:extLst>
-                  <a:ext uri="{FF2B5EF4-FFF2-40B4-BE49-F238E27FC236}">
-                    <a16:creationId xmlns:a16="http://schemas.microsoft.com/office/drawing/2014/main" id="{13F6787A-36FB-6FB9-E792-1B25525D931D}"/>
-                  </a:ext>
-                </a:extLst>
-              </p:cNvPr>
-              <p:cNvSpPr txBox="1"/>
-              <p:nvPr/>
-            </p:nvSpPr>
-            <p:spPr>
-              <a:xfrm>
-                <a:off x="6244437" y="1733226"/>
-                <a:ext cx="1434175" cy="369332"/>
-              </a:xfrm>
-              <a:prstGeom prst="rect">
-                <a:avLst/>
-              </a:prstGeom>
-              <a:noFill/>
-            </p:spPr>
-            <p:txBody>
-              <a:bodyPr wrap="none" rtlCol="0">
-                <a:spAutoFit/>
-              </a:bodyPr>
-              <a:lstStyle/>
-              <a:p>
-                <a:pPr/>
-                <a14:m>
-                  <m:oMathPara xmlns:m="http://schemas.openxmlformats.org/officeDocument/2006/math">
-                    <m:oMathParaPr>
-                      <m:jc m:val="centerGroup"/>
-                    </m:oMathParaPr>
-                    <m:oMath xmlns:m="http://schemas.openxmlformats.org/officeDocument/2006/math">
-                      <m:r>
-                        <a:rPr kumimoji="1" lang="en-US" altLang="ja-JP" b="0" i="1" smtClean="0">
-                          <a:solidFill>
-                            <a:srgbClr val="00B0F0"/>
-                          </a:solidFill>
-                          <a:latin typeface="Cambria Math" panose="02040503050406030204" pitchFamily="18" charset="0"/>
-                        </a:rPr>
-                        <m:t>|</m:t>
-                      </m:r>
-                      <m:r>
-                        <a:rPr kumimoji="1" lang="en-US" altLang="ja-JP" b="0" i="1" smtClean="0">
-                          <a:solidFill>
-                            <a:srgbClr val="00B0F0"/>
-                          </a:solidFill>
-                          <a:latin typeface="Cambria Math" panose="02040503050406030204" pitchFamily="18" charset="0"/>
-                        </a:rPr>
-                        <m:t>𝑥</m:t>
-                      </m:r>
-                      <m:r>
-                        <a:rPr kumimoji="1" lang="en-US" altLang="ja-JP" b="0" i="1" smtClean="0">
-                          <a:solidFill>
-                            <a:srgbClr val="00B0F0"/>
-                          </a:solidFill>
-                          <a:latin typeface="Cambria Math" panose="02040503050406030204" pitchFamily="18" charset="0"/>
-                        </a:rPr>
-                        <m:t>⟩⟨</m:t>
-                      </m:r>
-                      <m:r>
-                        <a:rPr kumimoji="1" lang="en-US" altLang="ja-JP" b="0" i="1" smtClean="0">
-                          <a:solidFill>
-                            <a:srgbClr val="00B0F0"/>
-                          </a:solidFill>
-                          <a:latin typeface="Cambria Math" panose="02040503050406030204" pitchFamily="18" charset="0"/>
-                        </a:rPr>
-                        <m:t>𝑥</m:t>
-                      </m:r>
-                      <m:r>
-                        <a:rPr kumimoji="1" lang="en-US" altLang="ja-JP" b="0" i="1" smtClean="0">
-                          <a:solidFill>
-                            <a:srgbClr val="00B0F0"/>
-                          </a:solidFill>
-                          <a:latin typeface="Cambria Math" panose="02040503050406030204" pitchFamily="18" charset="0"/>
-                        </a:rPr>
-                        <m:t>|=</m:t>
-                      </m:r>
-                      <m:sSub>
-                        <m:sSubPr>
-                          <m:ctrlPr>
-                            <a:rPr kumimoji="1" lang="en-US" altLang="ja-JP" b="0" i="1" smtClean="0">
-                              <a:solidFill>
-                                <a:srgbClr val="00B0F0"/>
-                              </a:solidFill>
-                              <a:latin typeface="Cambria Math" panose="02040503050406030204" pitchFamily="18" charset="0"/>
-                            </a:rPr>
-                          </m:ctrlPr>
-                        </m:sSubPr>
-                        <m:e>
-                          <m:r>
-                            <a:rPr kumimoji="1" lang="en-US" altLang="ja-JP" b="0" i="1" smtClean="0">
-                              <a:solidFill>
-                                <a:srgbClr val="00B0F0"/>
-                              </a:solidFill>
-                              <a:latin typeface="Cambria Math" panose="02040503050406030204" pitchFamily="18" charset="0"/>
-                            </a:rPr>
-                            <m:t>𝑚</m:t>
-                          </m:r>
-                        </m:e>
-                        <m:sub>
-                          <m:r>
-                            <a:rPr kumimoji="1" lang="en-US" altLang="ja-JP" b="0" i="1" smtClean="0">
-                              <a:solidFill>
-                                <a:srgbClr val="00B0F0"/>
-                              </a:solidFill>
-                              <a:latin typeface="Cambria Math" panose="02040503050406030204" pitchFamily="18" charset="0"/>
-                            </a:rPr>
-                            <m:t>𝑥</m:t>
-                          </m:r>
-                        </m:sub>
-                      </m:sSub>
-                    </m:oMath>
-                  </m:oMathPara>
-                </a14:m>
-                <a:endParaRPr kumimoji="1" lang="ja-JP" altLang="en-US" dirty="0">
-                  <a:solidFill>
-                    <a:srgbClr val="00B0F0"/>
-                  </a:solidFill>
-                </a:endParaRPr>
-              </a:p>
-            </p:txBody>
-          </p:sp>
-        </mc:Choice>
-        <mc:Fallback xmlns="">
-          <p:sp>
-            <p:nvSpPr>
-              <p:cNvPr id="39" name="テキスト ボックス 38">
-                <a:extLst>
-                  <a:ext uri="{FF2B5EF4-FFF2-40B4-BE49-F238E27FC236}">
-                    <a16:creationId xmlns:a16="http://schemas.microsoft.com/office/drawing/2014/main" id="{13F6787A-36FB-6FB9-E792-1B25525D931D}"/>
-                  </a:ext>
-                </a:extLst>
-              </p:cNvPr>
-              <p:cNvSpPr txBox="1">
-                <a:spLocks noRot="1" noChangeAspect="1" noMove="1" noResize="1" noEditPoints="1" noAdjustHandles="1" noChangeArrowheads="1" noChangeShapeType="1" noTextEdit="1"/>
-              </p:cNvSpPr>
-              <p:nvPr/>
-            </p:nvSpPr>
-            <p:spPr>
-              <a:xfrm>
-                <a:off x="6244437" y="1733226"/>
-                <a:ext cx="1434175" cy="369332"/>
-              </a:xfrm>
-              <a:prstGeom prst="rect">
-                <a:avLst/>
-              </a:prstGeom>
-              <a:blipFill>
-                <a:blip r:embed="rId5"/>
-                <a:stretch>
-                  <a:fillRect b="-13115"/>
-                </a:stretch>
-              </a:blipFill>
-            </p:spPr>
-            <p:txBody>
-              <a:bodyPr/>
-              <a:lstStyle/>
-              <a:p>
-                <a:r>
-                  <a:rPr lang="ja-JP" altLang="en-US">
-                    <a:noFill/>
-                  </a:rPr>
-                  <a:t> </a:t>
-                </a:r>
-              </a:p>
-            </p:txBody>
-          </p:sp>
-        </mc:Fallback>
-      </mc:AlternateContent>
-      <mc:AlternateContent xmlns:mc="http://schemas.openxmlformats.org/markup-compatibility/2006" xmlns:a14="http://schemas.microsoft.com/office/drawing/2010/main">
-        <mc:Choice Requires="a14">
-          <p:sp>
-            <p:nvSpPr>
-              <p:cNvPr id="40" name="テキスト ボックス 39">
-                <a:extLst>
-                  <a:ext uri="{FF2B5EF4-FFF2-40B4-BE49-F238E27FC236}">
-                    <a16:creationId xmlns:a16="http://schemas.microsoft.com/office/drawing/2014/main" id="{8602D9C8-DF00-6FEB-CD90-98479094DDED}"/>
-                  </a:ext>
-                </a:extLst>
-              </p:cNvPr>
-              <p:cNvSpPr txBox="1"/>
-              <p:nvPr/>
-            </p:nvSpPr>
-            <p:spPr>
-              <a:xfrm>
-                <a:off x="6244437" y="2663196"/>
-                <a:ext cx="1439433" cy="390748"/>
-              </a:xfrm>
-              <a:prstGeom prst="rect">
-                <a:avLst/>
-              </a:prstGeom>
-              <a:noFill/>
-            </p:spPr>
-            <p:txBody>
-              <a:bodyPr wrap="none" rtlCol="0">
-                <a:spAutoFit/>
-              </a:bodyPr>
-              <a:lstStyle/>
-              <a:p>
-                <a:pPr/>
-                <a14:m>
-                  <m:oMathPara xmlns:m="http://schemas.openxmlformats.org/officeDocument/2006/math">
-                    <m:oMathParaPr>
-                      <m:jc m:val="centerGroup"/>
-                    </m:oMathParaPr>
-                    <m:oMath xmlns:m="http://schemas.openxmlformats.org/officeDocument/2006/math">
-                      <m:r>
-                        <a:rPr kumimoji="1" lang="en-US" altLang="ja-JP" b="0" i="1" smtClean="0">
-                          <a:solidFill>
-                            <a:srgbClr val="00B0F0"/>
-                          </a:solidFill>
-                          <a:latin typeface="Cambria Math" panose="02040503050406030204" pitchFamily="18" charset="0"/>
-                        </a:rPr>
-                        <m:t>|</m:t>
-                      </m:r>
-                      <m:r>
-                        <a:rPr kumimoji="1" lang="en-US" altLang="ja-JP" b="0" i="1" smtClean="0">
-                          <a:solidFill>
-                            <a:srgbClr val="00B0F0"/>
-                          </a:solidFill>
-                          <a:latin typeface="Cambria Math" panose="02040503050406030204" pitchFamily="18" charset="0"/>
-                        </a:rPr>
-                        <m:t>𝑝</m:t>
-                      </m:r>
-                      <m:r>
-                        <a:rPr kumimoji="1" lang="en-US" altLang="ja-JP" b="0" i="1" smtClean="0">
-                          <a:solidFill>
-                            <a:srgbClr val="00B0F0"/>
-                          </a:solidFill>
-                          <a:latin typeface="Cambria Math" panose="02040503050406030204" pitchFamily="18" charset="0"/>
-                        </a:rPr>
-                        <m:t>⟩⟨</m:t>
-                      </m:r>
-                      <m:r>
-                        <a:rPr kumimoji="1" lang="en-US" altLang="ja-JP" b="0" i="1" smtClean="0">
-                          <a:solidFill>
-                            <a:srgbClr val="00B0F0"/>
-                          </a:solidFill>
-                          <a:latin typeface="Cambria Math" panose="02040503050406030204" pitchFamily="18" charset="0"/>
-                        </a:rPr>
-                        <m:t>𝑝</m:t>
-                      </m:r>
-                      <m:r>
-                        <a:rPr kumimoji="1" lang="en-US" altLang="ja-JP" b="0" i="1" smtClean="0">
-                          <a:solidFill>
-                            <a:srgbClr val="00B0F0"/>
-                          </a:solidFill>
-                          <a:latin typeface="Cambria Math" panose="02040503050406030204" pitchFamily="18" charset="0"/>
-                        </a:rPr>
-                        <m:t>|=</m:t>
-                      </m:r>
-                      <m:sSub>
-                        <m:sSubPr>
-                          <m:ctrlPr>
-                            <a:rPr kumimoji="1" lang="en-US" altLang="ja-JP" b="0" i="1" smtClean="0">
-                              <a:solidFill>
-                                <a:srgbClr val="00B0F0"/>
-                              </a:solidFill>
-                              <a:latin typeface="Cambria Math" panose="02040503050406030204" pitchFamily="18" charset="0"/>
-                            </a:rPr>
-                          </m:ctrlPr>
-                        </m:sSubPr>
-                        <m:e>
-                          <m:r>
-                            <a:rPr kumimoji="1" lang="en-US" altLang="ja-JP" b="0" i="1" smtClean="0">
-                              <a:solidFill>
-                                <a:srgbClr val="00B0F0"/>
-                              </a:solidFill>
-                              <a:latin typeface="Cambria Math" panose="02040503050406030204" pitchFamily="18" charset="0"/>
-                            </a:rPr>
-                            <m:t>𝑚</m:t>
-                          </m:r>
-                        </m:e>
-                        <m:sub>
-                          <m:r>
-                            <a:rPr kumimoji="1" lang="en-US" altLang="ja-JP" b="0" i="1" smtClean="0">
-                              <a:solidFill>
-                                <a:srgbClr val="00B0F0"/>
-                              </a:solidFill>
-                              <a:latin typeface="Cambria Math" panose="02040503050406030204" pitchFamily="18" charset="0"/>
-                            </a:rPr>
-                            <m:t>𝑝</m:t>
-                          </m:r>
-                        </m:sub>
-                      </m:sSub>
-                    </m:oMath>
-                  </m:oMathPara>
-                </a14:m>
-                <a:endParaRPr kumimoji="1" lang="ja-JP" altLang="en-US" dirty="0">
-                  <a:solidFill>
-                    <a:srgbClr val="00B0F0"/>
-                  </a:solidFill>
-                </a:endParaRPr>
-              </a:p>
-            </p:txBody>
-          </p:sp>
-        </mc:Choice>
-        <mc:Fallback xmlns="">
-          <p:sp>
-            <p:nvSpPr>
-              <p:cNvPr id="40" name="テキスト ボックス 39">
-                <a:extLst>
-                  <a:ext uri="{FF2B5EF4-FFF2-40B4-BE49-F238E27FC236}">
-                    <a16:creationId xmlns:a16="http://schemas.microsoft.com/office/drawing/2014/main" id="{8602D9C8-DF00-6FEB-CD90-98479094DDED}"/>
-                  </a:ext>
-                </a:extLst>
-              </p:cNvPr>
-              <p:cNvSpPr txBox="1">
-                <a:spLocks noRot="1" noChangeAspect="1" noMove="1" noResize="1" noEditPoints="1" noAdjustHandles="1" noChangeArrowheads="1" noChangeShapeType="1" noTextEdit="1"/>
-              </p:cNvSpPr>
-              <p:nvPr/>
-            </p:nvSpPr>
-            <p:spPr>
-              <a:xfrm>
-                <a:off x="6244437" y="2663196"/>
-                <a:ext cx="1439433" cy="390748"/>
-              </a:xfrm>
-              <a:prstGeom prst="rect">
-                <a:avLst/>
-              </a:prstGeom>
-              <a:blipFill>
-                <a:blip r:embed="rId6"/>
-                <a:stretch>
-                  <a:fillRect b="-7813"/>
-                </a:stretch>
-              </a:blipFill>
-            </p:spPr>
-            <p:txBody>
-              <a:bodyPr/>
-              <a:lstStyle/>
-              <a:p>
-                <a:r>
-                  <a:rPr lang="ja-JP" altLang="en-US">
-                    <a:noFill/>
-                  </a:rPr>
-                  <a:t> </a:t>
-                </a:r>
-              </a:p>
-            </p:txBody>
-          </p:sp>
-        </mc:Fallback>
-      </mc:AlternateContent>
-      <p:cxnSp>
-        <p:nvCxnSpPr>
-          <p:cNvPr id="41" name="直線コネクタ 40">
-            <a:extLst>
-              <a:ext uri="{FF2B5EF4-FFF2-40B4-BE49-F238E27FC236}">
-                <a16:creationId xmlns:a16="http://schemas.microsoft.com/office/drawing/2014/main" id="{0FED33D3-C5A8-D039-2256-C427A1E4F451}"/>
-              </a:ext>
-            </a:extLst>
-          </p:cNvPr>
-          <p:cNvCxnSpPr>
-            <a:cxnSpLocks/>
-          </p:cNvCxnSpPr>
-          <p:nvPr/>
-        </p:nvCxnSpPr>
-        <p:spPr>
-          <a:xfrm>
-            <a:off x="3313791" y="3812926"/>
-            <a:ext cx="5861292" cy="0"/>
-          </a:xfrm>
-          <a:prstGeom prst="line">
-            <a:avLst/>
-          </a:prstGeom>
-          <a:ln w="12700">
-            <a:solidFill>
-              <a:srgbClr val="00B0F0"/>
-            </a:solidFill>
-          </a:ln>
-        </p:spPr>
-        <p:style>
-          <a:lnRef idx="1">
-            <a:schemeClr val="accent1"/>
-          </a:lnRef>
-          <a:fillRef idx="0">
-            <a:schemeClr val="accent1"/>
-          </a:fillRef>
-          <a:effectRef idx="0">
-            <a:schemeClr val="accent1"/>
-          </a:effectRef>
-          <a:fontRef idx="minor">
-            <a:schemeClr val="tx1"/>
-          </a:fontRef>
-        </p:style>
-      </p:cxnSp>
-      <p:sp>
-        <p:nvSpPr>
-          <p:cNvPr id="43" name="正方形/長方形 42">
-            <a:extLst>
-              <a:ext uri="{FF2B5EF4-FFF2-40B4-BE49-F238E27FC236}">
-                <a16:creationId xmlns:a16="http://schemas.microsoft.com/office/drawing/2014/main" id="{73059959-D3DC-A9EF-FB01-339EAC29106E}"/>
-              </a:ext>
-            </a:extLst>
-          </p:cNvPr>
-          <p:cNvSpPr/>
-          <p:nvPr/>
-        </p:nvSpPr>
-        <p:spPr>
-          <a:xfrm>
-            <a:off x="9178520" y="3560197"/>
-            <a:ext cx="820410" cy="1324732"/>
-          </a:xfrm>
-          <a:prstGeom prst="rect">
-            <a:avLst/>
-          </a:prstGeom>
-          <a:noFill/>
-          <a:ln>
-            <a:solidFill>
-              <a:srgbClr val="00B0F0"/>
-            </a:solidFill>
-          </a:ln>
-        </p:spPr>
-        <p:style>
-          <a:lnRef idx="2">
-            <a:schemeClr val="accent1">
-              <a:shade val="50000"/>
-            </a:schemeClr>
-          </a:lnRef>
-          <a:fillRef idx="1">
-            <a:schemeClr val="accent1"/>
-          </a:fillRef>
-          <a:effectRef idx="0">
-            <a:schemeClr val="accent1"/>
-          </a:effectRef>
-          <a:fontRef idx="minor">
-            <a:schemeClr val="lt1"/>
-          </a:fontRef>
-        </p:style>
-        <p:txBody>
-          <a:bodyPr rtlCol="0" anchor="ctr"/>
-          <a:lstStyle/>
-          <a:p>
-            <a:pPr algn="ctr"/>
-            <a:r>
-              <a:rPr lang="en-US" altLang="ja-JP" dirty="0">
-                <a:solidFill>
-                  <a:srgbClr val="00B0F0"/>
-                </a:solidFill>
-              </a:rPr>
-              <a:t>99</a:t>
-            </a:r>
-            <a:r>
-              <a:rPr kumimoji="1" lang="en-US" altLang="ja-JP" dirty="0">
-                <a:solidFill>
-                  <a:srgbClr val="00B0F0"/>
-                </a:solidFill>
-              </a:rPr>
-              <a:t>:1</a:t>
-            </a:r>
-          </a:p>
-          <a:p>
-            <a:pPr algn="ctr"/>
-            <a:r>
-              <a:rPr kumimoji="1" lang="en-US" altLang="ja-JP" dirty="0">
-                <a:solidFill>
-                  <a:srgbClr val="00B0F0"/>
-                </a:solidFill>
-              </a:rPr>
-              <a:t>BS</a:t>
-            </a:r>
-            <a:r>
-              <a:rPr kumimoji="1" lang="ja-JP" altLang="en-US" dirty="0"/>
-              <a:t> </a:t>
-            </a:r>
-          </a:p>
-        </p:txBody>
-      </p:sp>
-      <p:cxnSp>
-        <p:nvCxnSpPr>
-          <p:cNvPr id="44" name="直線コネクタ 43">
-            <a:extLst>
-              <a:ext uri="{FF2B5EF4-FFF2-40B4-BE49-F238E27FC236}">
-                <a16:creationId xmlns:a16="http://schemas.microsoft.com/office/drawing/2014/main" id="{AD95741F-92C5-B968-923D-5C95B538AEC4}"/>
-              </a:ext>
-            </a:extLst>
-          </p:cNvPr>
-          <p:cNvCxnSpPr>
-            <a:cxnSpLocks/>
-          </p:cNvCxnSpPr>
-          <p:nvPr/>
-        </p:nvCxnSpPr>
-        <p:spPr>
-          <a:xfrm>
-            <a:off x="1716141" y="4704466"/>
-            <a:ext cx="5512710" cy="0"/>
-          </a:xfrm>
-          <a:prstGeom prst="line">
-            <a:avLst/>
-          </a:prstGeom>
-          <a:ln w="12700">
-            <a:solidFill>
-              <a:srgbClr val="00B0F0"/>
-            </a:solidFill>
-          </a:ln>
-        </p:spPr>
-        <p:style>
-          <a:lnRef idx="1">
-            <a:schemeClr val="accent1"/>
-          </a:lnRef>
-          <a:fillRef idx="0">
-            <a:schemeClr val="accent1"/>
-          </a:fillRef>
-          <a:effectRef idx="0">
-            <a:schemeClr val="accent1"/>
-          </a:effectRef>
-          <a:fontRef idx="minor">
-            <a:schemeClr val="tx1"/>
-          </a:fontRef>
-        </p:style>
-      </p:cxnSp>
-      <mc:AlternateContent xmlns:mc="http://schemas.openxmlformats.org/markup-compatibility/2006" xmlns:a14="http://schemas.microsoft.com/office/drawing/2010/main">
-        <mc:Choice Requires="a14">
-          <p:sp>
-            <p:nvSpPr>
-              <p:cNvPr id="45" name="テキスト ボックス 44">
-                <a:extLst>
-                  <a:ext uri="{FF2B5EF4-FFF2-40B4-BE49-F238E27FC236}">
-                    <a16:creationId xmlns:a16="http://schemas.microsoft.com/office/drawing/2014/main" id="{0443017C-6C9E-72D4-C1A3-2274143CA63B}"/>
-                  </a:ext>
-                </a:extLst>
-              </p:cNvPr>
-              <p:cNvSpPr txBox="1"/>
-              <p:nvPr/>
-            </p:nvSpPr>
-            <p:spPr>
-              <a:xfrm>
-                <a:off x="15750" y="4314441"/>
-                <a:ext cx="1863011" cy="646331"/>
-              </a:xfrm>
-              <a:prstGeom prst="rect">
-                <a:avLst/>
-              </a:prstGeom>
-              <a:noFill/>
-            </p:spPr>
-            <p:txBody>
-              <a:bodyPr wrap="none" rtlCol="0">
-                <a:spAutoFit/>
-              </a:bodyPr>
-              <a:lstStyle/>
-              <a:p>
-                <a:r>
-                  <a:rPr kumimoji="1" lang="en-US" altLang="ja-JP" b="0" dirty="0">
-                    <a:solidFill>
-                      <a:srgbClr val="00B0F0"/>
-                    </a:solidFill>
-                    <a:latin typeface="+mn-ea"/>
-                  </a:rPr>
-                  <a:t>strong coherent</a:t>
-                </a:r>
-              </a:p>
-              <a:p>
-                <a:pPr/>
-                <a14:m>
-                  <m:oMathPara xmlns:m="http://schemas.openxmlformats.org/officeDocument/2006/math">
-                    <m:oMathParaPr>
-                      <m:jc m:val="centerGroup"/>
-                    </m:oMathParaPr>
-                    <m:oMath xmlns:m="http://schemas.openxmlformats.org/officeDocument/2006/math">
-                      <m:r>
-                        <a:rPr kumimoji="1" lang="en-US" altLang="ja-JP" b="0" i="1" smtClean="0">
-                          <a:solidFill>
-                            <a:srgbClr val="00B0F0"/>
-                          </a:solidFill>
-                          <a:latin typeface="Cambria Math" panose="02040503050406030204" pitchFamily="18" charset="0"/>
-                        </a:rPr>
-                        <m:t>|</m:t>
-                      </m:r>
-                      <m:r>
-                        <a:rPr kumimoji="1" lang="en-US" altLang="ja-JP" b="0" i="1" smtClean="0">
-                          <a:solidFill>
-                            <a:srgbClr val="00B0F0"/>
-                          </a:solidFill>
-                          <a:latin typeface="Cambria Math" panose="02040503050406030204" pitchFamily="18" charset="0"/>
-                        </a:rPr>
-                        <m:t>𝛼</m:t>
-                      </m:r>
-                      <m:r>
-                        <a:rPr kumimoji="1" lang="en-US" altLang="ja-JP" b="0" i="1" smtClean="0">
-                          <a:solidFill>
-                            <a:srgbClr val="00B0F0"/>
-                          </a:solidFill>
-                          <a:latin typeface="Cambria Math" panose="02040503050406030204" pitchFamily="18" charset="0"/>
-                        </a:rPr>
-                        <m:t>⟩</m:t>
-                      </m:r>
-                    </m:oMath>
-                  </m:oMathPara>
-                </a14:m>
-                <a:endParaRPr kumimoji="1" lang="ja-JP" altLang="en-US" dirty="0">
-                  <a:solidFill>
-                    <a:srgbClr val="00B0F0"/>
-                  </a:solidFill>
-                </a:endParaRPr>
-              </a:p>
-            </p:txBody>
-          </p:sp>
-        </mc:Choice>
-        <mc:Fallback xmlns="">
-          <p:sp>
-            <p:nvSpPr>
-              <p:cNvPr id="45" name="テキスト ボックス 44">
-                <a:extLst>
-                  <a:ext uri="{FF2B5EF4-FFF2-40B4-BE49-F238E27FC236}">
-                    <a16:creationId xmlns:a16="http://schemas.microsoft.com/office/drawing/2014/main" id="{0443017C-6C9E-72D4-C1A3-2274143CA63B}"/>
-                  </a:ext>
-                </a:extLst>
-              </p:cNvPr>
-              <p:cNvSpPr txBox="1">
-                <a:spLocks noRot="1" noChangeAspect="1" noMove="1" noResize="1" noEditPoints="1" noAdjustHandles="1" noChangeArrowheads="1" noChangeShapeType="1" noTextEdit="1"/>
-              </p:cNvSpPr>
-              <p:nvPr/>
-            </p:nvSpPr>
-            <p:spPr>
-              <a:xfrm>
-                <a:off x="15750" y="4314441"/>
-                <a:ext cx="1863011" cy="646331"/>
-              </a:xfrm>
-              <a:prstGeom prst="rect">
-                <a:avLst/>
-              </a:prstGeom>
-              <a:blipFill>
-                <a:blip r:embed="rId7"/>
-                <a:stretch>
-                  <a:fillRect l="-2951" t="-5660" r="-2295" b="-6604"/>
-                </a:stretch>
-              </a:blipFill>
-            </p:spPr>
-            <p:txBody>
-              <a:bodyPr/>
-              <a:lstStyle/>
-              <a:p>
-                <a:r>
-                  <a:rPr lang="ja-JP" altLang="en-US">
-                    <a:noFill/>
-                  </a:rPr>
-                  <a:t> </a:t>
-                </a:r>
-              </a:p>
-            </p:txBody>
-          </p:sp>
-        </mc:Fallback>
-      </mc:AlternateContent>
-      <p:cxnSp>
-        <p:nvCxnSpPr>
-          <p:cNvPr id="54" name="直線コネクタ 53">
-            <a:extLst>
-              <a:ext uri="{FF2B5EF4-FFF2-40B4-BE49-F238E27FC236}">
-                <a16:creationId xmlns:a16="http://schemas.microsoft.com/office/drawing/2014/main" id="{17659E28-9FCC-3E0F-06F4-A2903B79B0CD}"/>
-              </a:ext>
-            </a:extLst>
-          </p:cNvPr>
-          <p:cNvCxnSpPr>
-            <a:cxnSpLocks/>
-          </p:cNvCxnSpPr>
-          <p:nvPr/>
-        </p:nvCxnSpPr>
-        <p:spPr>
-          <a:xfrm>
-            <a:off x="7875180" y="4704466"/>
-            <a:ext cx="331830" cy="0"/>
-          </a:xfrm>
-          <a:prstGeom prst="line">
-            <a:avLst/>
-          </a:prstGeom>
-          <a:ln w="12700">
-            <a:solidFill>
-              <a:srgbClr val="00B0F0"/>
-            </a:solidFill>
-          </a:ln>
-        </p:spPr>
-        <p:style>
-          <a:lnRef idx="1">
-            <a:schemeClr val="accent1"/>
-          </a:lnRef>
-          <a:fillRef idx="0">
-            <a:schemeClr val="accent1"/>
-          </a:fillRef>
-          <a:effectRef idx="0">
-            <a:schemeClr val="accent1"/>
-          </a:effectRef>
-          <a:fontRef idx="minor">
-            <a:schemeClr val="tx1"/>
-          </a:fontRef>
-        </p:style>
-      </p:cxnSp>
-      <p:cxnSp>
-        <p:nvCxnSpPr>
-          <p:cNvPr id="56" name="直線コネクタ 55">
-            <a:extLst>
-              <a:ext uri="{FF2B5EF4-FFF2-40B4-BE49-F238E27FC236}">
-                <a16:creationId xmlns:a16="http://schemas.microsoft.com/office/drawing/2014/main" id="{0DA0C73E-7086-7E03-5FB8-50C85875D3E4}"/>
-              </a:ext>
-            </a:extLst>
-          </p:cNvPr>
-          <p:cNvCxnSpPr>
-            <a:cxnSpLocks/>
-          </p:cNvCxnSpPr>
-          <p:nvPr/>
-        </p:nvCxnSpPr>
-        <p:spPr>
-          <a:xfrm>
-            <a:off x="9998930" y="3812926"/>
-            <a:ext cx="767070" cy="0"/>
-          </a:xfrm>
-          <a:prstGeom prst="line">
-            <a:avLst/>
-          </a:prstGeom>
-          <a:ln w="12700">
-            <a:solidFill>
-              <a:srgbClr val="00B0F0"/>
-            </a:solidFill>
-          </a:ln>
-        </p:spPr>
-        <p:style>
-          <a:lnRef idx="1">
-            <a:schemeClr val="accent1"/>
-          </a:lnRef>
-          <a:fillRef idx="0">
-            <a:schemeClr val="accent1"/>
-          </a:fillRef>
-          <a:effectRef idx="0">
-            <a:schemeClr val="accent1"/>
-          </a:effectRef>
-          <a:fontRef idx="minor">
-            <a:schemeClr val="tx1"/>
-          </a:fontRef>
-        </p:style>
-      </p:cxnSp>
-      <mc:AlternateContent xmlns:mc="http://schemas.openxmlformats.org/markup-compatibility/2006" xmlns:a14="http://schemas.microsoft.com/office/drawing/2010/main">
-        <mc:Choice Requires="a14">
-          <p:sp>
-            <p:nvSpPr>
-              <p:cNvPr id="57" name="テキスト ボックス 56">
-                <a:extLst>
-                  <a:ext uri="{FF2B5EF4-FFF2-40B4-BE49-F238E27FC236}">
-                    <a16:creationId xmlns:a16="http://schemas.microsoft.com/office/drawing/2014/main" id="{E8690F64-81CD-9522-234B-436691DCE27D}"/>
-                  </a:ext>
-                </a:extLst>
-              </p:cNvPr>
-              <p:cNvSpPr txBox="1"/>
-              <p:nvPr/>
-            </p:nvSpPr>
-            <p:spPr>
-              <a:xfrm>
-                <a:off x="10613550" y="3429000"/>
-                <a:ext cx="1484702" cy="646331"/>
+                <a:off x="8164689" y="5029327"/>
+                <a:ext cx="1377300" cy="646331"/>
               </a:xfrm>
               <a:prstGeom prst="rect">
                 <a:avLst/>
@@ -6001,8 +6612,16 @@
                     </a:solidFill>
                     <a:latin typeface="+mn-ea"/>
                   </a:rPr>
-                  <a:t>output</a:t>
+                  <a:t>phase</a:t>
                 </a:r>
+                <a:endParaRPr kumimoji="1" lang="en-US" altLang="ja-JP" b="0" dirty="0">
+                  <a:solidFill>
+                    <a:srgbClr val="00B0F0"/>
+                  </a:solidFill>
+                  <a:latin typeface="+mn-ea"/>
+                </a:endParaRPr>
+              </a:p>
+              <a:p>
                 <a:r>
                   <a:rPr kumimoji="1" lang="en-US" altLang="ja-JP" b="0" dirty="0">
                     <a:solidFill>
@@ -6010,73 +6629,8 @@
                     </a:solidFill>
                     <a:latin typeface="+mn-ea"/>
                   </a:rPr>
-                  <a:t> state</a:t>
+                  <a:t>modulation</a:t>
                 </a:r>
-              </a:p>
-              <a:p>
-                <a:pPr/>
-                <a14:m>
-                  <m:oMathPara xmlns:m="http://schemas.openxmlformats.org/officeDocument/2006/math">
-                    <m:oMathParaPr>
-                      <m:jc m:val="centerGroup"/>
-                    </m:oMathParaPr>
-                    <m:oMath xmlns:m="http://schemas.openxmlformats.org/officeDocument/2006/math">
-                      <m:sSub>
-                        <m:sSubPr>
-                          <m:ctrlPr>
-                            <a:rPr kumimoji="1" lang="en-US" altLang="ja-JP" b="0" i="1" smtClean="0">
-                              <a:solidFill>
-                                <a:srgbClr val="00B0F0"/>
-                              </a:solidFill>
-                              <a:latin typeface="Cambria Math" panose="02040503050406030204" pitchFamily="18" charset="0"/>
-                            </a:rPr>
-                          </m:ctrlPr>
-                        </m:sSubPr>
-                        <m:e>
-                          <m:d>
-                            <m:dPr>
-                              <m:begChr m:val="|"/>
-                              <m:endChr m:val="⟩"/>
-                              <m:ctrlPr>
-                                <a:rPr kumimoji="1" lang="en-US" altLang="ja-JP" b="0" i="1" smtClean="0">
-                                  <a:solidFill>
-                                    <a:srgbClr val="00B0F0"/>
-                                  </a:solidFill>
-                                  <a:latin typeface="Cambria Math" panose="02040503050406030204" pitchFamily="18" charset="0"/>
-                                </a:rPr>
-                              </m:ctrlPr>
-                            </m:dPr>
-                            <m:e>
-                              <m:r>
-                                <a:rPr kumimoji="1" lang="en-US" altLang="ja-JP" b="0" i="1" smtClean="0">
-                                  <a:solidFill>
-                                    <a:srgbClr val="00B0F0"/>
-                                  </a:solidFill>
-                                  <a:latin typeface="Cambria Math" panose="02040503050406030204" pitchFamily="18" charset="0"/>
-                                </a:rPr>
-                                <m:t>𝜙</m:t>
-                              </m:r>
-                            </m:e>
-                          </m:d>
-                        </m:e>
-                        <m:sub>
-                          <m:r>
-                            <m:rPr>
-                              <m:sty m:val="p"/>
-                            </m:rPr>
-                            <a:rPr kumimoji="1" lang="en-US" altLang="ja-JP" b="0" i="0" smtClean="0">
-                              <a:solidFill>
-                                <a:srgbClr val="00B0F0"/>
-                              </a:solidFill>
-                              <a:latin typeface="Cambria Math" panose="02040503050406030204" pitchFamily="18" charset="0"/>
-                            </a:rPr>
-                            <m:t>out</m:t>
-                          </m:r>
-                        </m:sub>
-                      </m:sSub>
-                    </m:oMath>
-                  </m:oMathPara>
-                </a14:m>
                 <a:endParaRPr kumimoji="1" lang="ja-JP" altLang="en-US" dirty="0">
                   <a:solidFill>
                     <a:srgbClr val="00B0F0"/>
@@ -6085,378 +6639,388 @@
               </a:p>
             </p:txBody>
           </p:sp>
-        </mc:Choice>
-        <mc:Fallback xmlns="">
-          <p:sp>
-            <p:nvSpPr>
-              <p:cNvPr id="57" name="テキスト ボックス 56">
+          <p:cxnSp>
+            <p:nvCxnSpPr>
+              <p:cNvPr id="32" name="直線コネクタ 31">
                 <a:extLst>
                   <a:ext uri="{FF2B5EF4-FFF2-40B4-BE49-F238E27FC236}">
-                    <a16:creationId xmlns:a16="http://schemas.microsoft.com/office/drawing/2014/main" id="{E8690F64-81CD-9522-234B-436691DCE27D}"/>
+                    <a16:creationId xmlns:a16="http://schemas.microsoft.com/office/drawing/2014/main" id="{E8BB4CE5-9428-9C40-E344-ACFA10CBDF30}"/>
                   </a:ext>
                 </a:extLst>
               </p:cNvPr>
-              <p:cNvSpPr txBox="1">
-                <a:spLocks noRot="1" noChangeAspect="1" noMove="1" noResize="1" noEditPoints="1" noAdjustHandles="1" noChangeArrowheads="1" noChangeShapeType="1" noTextEdit="1"/>
-              </p:cNvSpPr>
+              <p:cNvCxnSpPr>
+                <a:cxnSpLocks/>
+              </p:cNvCxnSpPr>
               <p:nvPr/>
-            </p:nvSpPr>
+            </p:nvCxnSpPr>
             <p:spPr>
               <a:xfrm>
-                <a:off x="10613550" y="3429000"/>
-                <a:ext cx="1484702" cy="646331"/>
+                <a:off x="7506143" y="1888120"/>
+                <a:ext cx="0" cy="2483748"/>
               </a:xfrm>
-              <a:prstGeom prst="rect">
+              <a:prstGeom prst="line">
                 <a:avLst/>
               </a:prstGeom>
-              <a:blipFill>
-                <a:blip r:embed="rId8"/>
-                <a:stretch>
-                  <a:fillRect l="-3279" t="-5660" r="-2459" b="-5660"/>
-                </a:stretch>
-              </a:blipFill>
-            </p:spPr>
-            <p:txBody>
-              <a:bodyPr/>
-              <a:lstStyle/>
-              <a:p>
-                <a:r>
-                  <a:rPr lang="ja-JP" altLang="en-US">
-                    <a:noFill/>
-                  </a:rPr>
-                  <a:t> </a:t>
-                </a:r>
-              </a:p>
-            </p:txBody>
-          </p:sp>
-        </mc:Fallback>
-      </mc:AlternateContent>
-      <p:sp>
-        <p:nvSpPr>
-          <p:cNvPr id="2" name="正方形/長方形 1">
-            <a:extLst>
-              <a:ext uri="{FF2B5EF4-FFF2-40B4-BE49-F238E27FC236}">
-                <a16:creationId xmlns:a16="http://schemas.microsoft.com/office/drawing/2014/main" id="{1C6D068F-FA9C-C69C-DABD-4804CDBA8BCD}"/>
-              </a:ext>
-            </a:extLst>
-          </p:cNvPr>
-          <p:cNvSpPr/>
-          <p:nvPr/>
-        </p:nvSpPr>
-        <p:spPr>
-          <a:xfrm>
-            <a:off x="7228851" y="4373565"/>
-            <a:ext cx="646329" cy="646329"/>
-          </a:xfrm>
-          <a:prstGeom prst="rect">
-            <a:avLst/>
-          </a:prstGeom>
-          <a:noFill/>
-          <a:ln w="12700">
-            <a:solidFill>
-              <a:srgbClr val="00B0F0"/>
-            </a:solidFill>
-          </a:ln>
-        </p:spPr>
-        <p:style>
-          <a:lnRef idx="2">
-            <a:schemeClr val="accent1">
-              <a:shade val="50000"/>
-            </a:schemeClr>
-          </a:lnRef>
-          <a:fillRef idx="1">
-            <a:schemeClr val="accent1"/>
-          </a:fillRef>
-          <a:effectRef idx="0">
-            <a:schemeClr val="accent1"/>
-          </a:effectRef>
-          <a:fontRef idx="minor">
-            <a:schemeClr val="lt1"/>
-          </a:fontRef>
-        </p:style>
-        <p:txBody>
-          <a:bodyPr rtlCol="0" anchor="ctr"/>
-          <a:lstStyle/>
-          <a:p>
-            <a:pPr algn="ctr"/>
-            <a:r>
-              <a:rPr kumimoji="1" lang="en-US" altLang="ja-JP" sz="1600" dirty="0">
+              <a:ln w="12700">
                 <a:solidFill>
                   <a:srgbClr val="00B0F0"/>
                 </a:solidFill>
-              </a:rPr>
-              <a:t>EOM</a:t>
-            </a:r>
-            <a:endParaRPr kumimoji="1" lang="ja-JP" altLang="en-US" sz="1600" dirty="0">
-              <a:solidFill>
-                <a:srgbClr val="00B0F0"/>
-              </a:solidFill>
-            </a:endParaRPr>
-          </a:p>
-        </p:txBody>
-      </p:sp>
-      <p:sp>
-        <p:nvSpPr>
-          <p:cNvPr id="4" name="正方形/長方形 3">
-            <a:extLst>
-              <a:ext uri="{FF2B5EF4-FFF2-40B4-BE49-F238E27FC236}">
-                <a16:creationId xmlns:a16="http://schemas.microsoft.com/office/drawing/2014/main" id="{F1F6643D-A954-E8B1-C4BA-74D757D09E84}"/>
-              </a:ext>
-            </a:extLst>
-          </p:cNvPr>
-          <p:cNvSpPr/>
-          <p:nvPr/>
-        </p:nvSpPr>
-        <p:spPr>
-          <a:xfrm>
-            <a:off x="8207010" y="4373565"/>
-            <a:ext cx="646329" cy="646329"/>
-          </a:xfrm>
-          <a:prstGeom prst="rect">
-            <a:avLst/>
-          </a:prstGeom>
-          <a:noFill/>
-          <a:ln w="12700">
-            <a:solidFill>
-              <a:srgbClr val="00B0F0"/>
-            </a:solidFill>
-          </a:ln>
-        </p:spPr>
-        <p:style>
-          <a:lnRef idx="2">
-            <a:schemeClr val="accent1">
-              <a:shade val="50000"/>
-            </a:schemeClr>
-          </a:lnRef>
-          <a:fillRef idx="1">
-            <a:schemeClr val="accent1"/>
-          </a:fillRef>
-          <a:effectRef idx="0">
-            <a:schemeClr val="accent1"/>
-          </a:effectRef>
-          <a:fontRef idx="minor">
-            <a:schemeClr val="lt1"/>
-          </a:fontRef>
-        </p:style>
-        <p:txBody>
-          <a:bodyPr rtlCol="0" anchor="ctr"/>
-          <a:lstStyle/>
-          <a:p>
-            <a:pPr algn="ctr"/>
-            <a:r>
-              <a:rPr kumimoji="1" lang="en-US" altLang="ja-JP" sz="1600" dirty="0">
+              </a:ln>
+            </p:spPr>
+            <p:style>
+              <a:lnRef idx="1">
+                <a:schemeClr val="accent1"/>
+              </a:lnRef>
+              <a:fillRef idx="0">
+                <a:schemeClr val="accent1"/>
+              </a:fillRef>
+              <a:effectRef idx="0">
+                <a:schemeClr val="accent1"/>
+              </a:effectRef>
+              <a:fontRef idx="minor">
+                <a:schemeClr val="tx1"/>
+              </a:fontRef>
+            </p:style>
+          </p:cxnSp>
+          <p:cxnSp>
+            <p:nvCxnSpPr>
+              <p:cNvPr id="42" name="直線コネクタ 41">
+                <a:extLst>
+                  <a:ext uri="{FF2B5EF4-FFF2-40B4-BE49-F238E27FC236}">
+                    <a16:creationId xmlns:a16="http://schemas.microsoft.com/office/drawing/2014/main" id="{AC60841A-2934-1651-D1D2-84D2DF691E1E}"/>
+                  </a:ext>
+                </a:extLst>
+              </p:cNvPr>
+              <p:cNvCxnSpPr>
+                <a:cxnSpLocks/>
+              </p:cNvCxnSpPr>
+              <p:nvPr/>
+            </p:nvCxnSpPr>
+            <p:spPr>
+              <a:xfrm>
+                <a:off x="7591897" y="1888120"/>
+                <a:ext cx="0" cy="2483748"/>
+              </a:xfrm>
+              <a:prstGeom prst="line">
+                <a:avLst/>
+              </a:prstGeom>
+              <a:ln w="12700">
                 <a:solidFill>
                   <a:srgbClr val="00B0F0"/>
                 </a:solidFill>
-              </a:rPr>
-              <a:t>EOM</a:t>
-            </a:r>
-            <a:endParaRPr kumimoji="1" lang="ja-JP" altLang="en-US" dirty="0">
-              <a:solidFill>
-                <a:srgbClr val="00B0F0"/>
-              </a:solidFill>
-            </a:endParaRPr>
-          </a:p>
-        </p:txBody>
-      </p:sp>
-      <p:cxnSp>
-        <p:nvCxnSpPr>
-          <p:cNvPr id="5" name="直線コネクタ 4">
-            <a:extLst>
-              <a:ext uri="{FF2B5EF4-FFF2-40B4-BE49-F238E27FC236}">
-                <a16:creationId xmlns:a16="http://schemas.microsoft.com/office/drawing/2014/main" id="{E830C877-6CB3-55EB-D460-82A971856E61}"/>
-              </a:ext>
-            </a:extLst>
-          </p:cNvPr>
-          <p:cNvCxnSpPr>
-            <a:cxnSpLocks/>
-          </p:cNvCxnSpPr>
-          <p:nvPr/>
-        </p:nvCxnSpPr>
-        <p:spPr>
-          <a:xfrm>
-            <a:off x="8853339" y="4704466"/>
-            <a:ext cx="331830" cy="0"/>
-          </a:xfrm>
-          <a:prstGeom prst="line">
-            <a:avLst/>
-          </a:prstGeom>
-          <a:ln w="12700">
-            <a:solidFill>
-              <a:srgbClr val="00B0F0"/>
-            </a:solidFill>
-          </a:ln>
-        </p:spPr>
-        <p:style>
-          <a:lnRef idx="1">
-            <a:schemeClr val="accent1"/>
-          </a:lnRef>
-          <a:fillRef idx="0">
-            <a:schemeClr val="accent1"/>
-          </a:fillRef>
-          <a:effectRef idx="0">
-            <a:schemeClr val="accent1"/>
-          </a:effectRef>
-          <a:fontRef idx="minor">
-            <a:schemeClr val="tx1"/>
-          </a:fontRef>
-        </p:style>
-      </p:cxnSp>
-      <p:cxnSp>
-        <p:nvCxnSpPr>
-          <p:cNvPr id="7" name="直線コネクタ 6">
-            <a:extLst>
-              <a:ext uri="{FF2B5EF4-FFF2-40B4-BE49-F238E27FC236}">
-                <a16:creationId xmlns:a16="http://schemas.microsoft.com/office/drawing/2014/main" id="{A1483F1D-8B3F-769D-FE80-EE98F704A448}"/>
-              </a:ext>
-            </a:extLst>
-          </p:cNvPr>
-          <p:cNvCxnSpPr>
-            <a:cxnSpLocks/>
-          </p:cNvCxnSpPr>
-          <p:nvPr/>
-        </p:nvCxnSpPr>
-        <p:spPr>
-          <a:xfrm>
-            <a:off x="9998930" y="4696369"/>
-            <a:ext cx="331830" cy="0"/>
-          </a:xfrm>
-          <a:prstGeom prst="line">
-            <a:avLst/>
-          </a:prstGeom>
-          <a:ln w="12700">
-            <a:solidFill>
-              <a:srgbClr val="00B0F0"/>
-            </a:solidFill>
-          </a:ln>
-        </p:spPr>
-        <p:style>
-          <a:lnRef idx="1">
-            <a:schemeClr val="accent1"/>
-          </a:lnRef>
-          <a:fillRef idx="0">
-            <a:schemeClr val="accent1"/>
-          </a:fillRef>
-          <a:effectRef idx="0">
-            <a:schemeClr val="accent1"/>
-          </a:effectRef>
-          <a:fontRef idx="minor">
-            <a:schemeClr val="tx1"/>
-          </a:fontRef>
-        </p:style>
-      </p:cxnSp>
-      <p:sp>
-        <p:nvSpPr>
-          <p:cNvPr id="6" name="テキスト ボックス 5">
-            <a:extLst>
-              <a:ext uri="{FF2B5EF4-FFF2-40B4-BE49-F238E27FC236}">
-                <a16:creationId xmlns:a16="http://schemas.microsoft.com/office/drawing/2014/main" id="{1367A4B6-1380-10E4-5DE8-E9E14BFE9532}"/>
-              </a:ext>
-            </a:extLst>
-          </p:cNvPr>
-          <p:cNvSpPr txBox="1"/>
-          <p:nvPr/>
-        </p:nvSpPr>
-        <p:spPr>
-          <a:xfrm>
-            <a:off x="6863365" y="5027629"/>
-            <a:ext cx="1377300" cy="646331"/>
-          </a:xfrm>
-          <a:prstGeom prst="rect">
-            <a:avLst/>
-          </a:prstGeom>
-          <a:noFill/>
-        </p:spPr>
-        <p:txBody>
-          <a:bodyPr wrap="none" rtlCol="0">
-            <a:spAutoFit/>
-          </a:bodyPr>
-          <a:lstStyle/>
-          <a:p>
-            <a:r>
-              <a:rPr kumimoji="1" lang="en-US" altLang="ja-JP" b="0" dirty="0">
+              </a:ln>
+            </p:spPr>
+            <p:style>
+              <a:lnRef idx="1">
+                <a:schemeClr val="accent1"/>
+              </a:lnRef>
+              <a:fillRef idx="0">
+                <a:schemeClr val="accent1"/>
+              </a:fillRef>
+              <a:effectRef idx="0">
+                <a:schemeClr val="accent1"/>
+              </a:effectRef>
+              <a:fontRef idx="minor">
+                <a:schemeClr val="tx1"/>
+              </a:fontRef>
+            </p:style>
+          </p:cxnSp>
+          <p:cxnSp>
+            <p:nvCxnSpPr>
+              <p:cNvPr id="50" name="直線コネクタ 49">
+                <a:extLst>
+                  <a:ext uri="{FF2B5EF4-FFF2-40B4-BE49-F238E27FC236}">
+                    <a16:creationId xmlns:a16="http://schemas.microsoft.com/office/drawing/2014/main" id="{A056DA0A-0950-9E3C-AF59-180071BE4201}"/>
+                  </a:ext>
+                </a:extLst>
+              </p:cNvPr>
+              <p:cNvCxnSpPr/>
+              <p:nvPr/>
+            </p:nvCxnSpPr>
+            <p:spPr>
+              <a:xfrm>
+                <a:off x="7304805" y="2809240"/>
+                <a:ext cx="1285522" cy="0"/>
+              </a:xfrm>
+              <a:prstGeom prst="line">
+                <a:avLst/>
+              </a:prstGeom>
+              <a:ln w="12700">
                 <a:solidFill>
                   <a:srgbClr val="00B0F0"/>
                 </a:solidFill>
-                <a:latin typeface="+mn-ea"/>
-              </a:rPr>
-              <a:t>phase </a:t>
-            </a:r>
-          </a:p>
-          <a:p>
-            <a:r>
-              <a:rPr kumimoji="1" lang="en-US" altLang="ja-JP" b="0" dirty="0">
+              </a:ln>
+            </p:spPr>
+            <p:style>
+              <a:lnRef idx="1">
+                <a:schemeClr val="accent1"/>
+              </a:lnRef>
+              <a:fillRef idx="0">
+                <a:schemeClr val="accent1"/>
+              </a:fillRef>
+              <a:effectRef idx="0">
+                <a:schemeClr val="accent1"/>
+              </a:effectRef>
+              <a:fontRef idx="minor">
+                <a:schemeClr val="tx1"/>
+              </a:fontRef>
+            </p:style>
+          </p:cxnSp>
+          <p:cxnSp>
+            <p:nvCxnSpPr>
+              <p:cNvPr id="51" name="直線コネクタ 50">
+                <a:extLst>
+                  <a:ext uri="{FF2B5EF4-FFF2-40B4-BE49-F238E27FC236}">
+                    <a16:creationId xmlns:a16="http://schemas.microsoft.com/office/drawing/2014/main" id="{3BFF0CF1-3196-A685-6180-C68176A57477}"/>
+                  </a:ext>
+                </a:extLst>
+              </p:cNvPr>
+              <p:cNvCxnSpPr/>
+              <p:nvPr/>
+            </p:nvCxnSpPr>
+            <p:spPr>
+              <a:xfrm>
+                <a:off x="7304805" y="2882954"/>
+                <a:ext cx="1285522" cy="0"/>
+              </a:xfrm>
+              <a:prstGeom prst="line">
+                <a:avLst/>
+              </a:prstGeom>
+              <a:ln w="12700">
                 <a:solidFill>
                   <a:srgbClr val="00B0F0"/>
                 </a:solidFill>
-                <a:latin typeface="+mn-ea"/>
-              </a:rPr>
-              <a:t>modulation</a:t>
-            </a:r>
-            <a:endParaRPr kumimoji="1" lang="ja-JP" altLang="en-US" dirty="0">
-              <a:solidFill>
-                <a:srgbClr val="00B0F0"/>
-              </a:solidFill>
-            </a:endParaRPr>
-          </a:p>
-        </p:txBody>
-      </p:sp>
-      <p:sp>
-        <p:nvSpPr>
-          <p:cNvPr id="8" name="テキスト ボックス 7">
-            <a:extLst>
-              <a:ext uri="{FF2B5EF4-FFF2-40B4-BE49-F238E27FC236}">
-                <a16:creationId xmlns:a16="http://schemas.microsoft.com/office/drawing/2014/main" id="{137BF189-4539-636B-C9CF-186B97EB799B}"/>
-              </a:ext>
-            </a:extLst>
-          </p:cNvPr>
-          <p:cNvSpPr txBox="1"/>
-          <p:nvPr/>
-        </p:nvSpPr>
-        <p:spPr>
-          <a:xfrm>
-            <a:off x="8164689" y="5029327"/>
-            <a:ext cx="1377300" cy="646331"/>
-          </a:xfrm>
-          <a:prstGeom prst="rect">
-            <a:avLst/>
-          </a:prstGeom>
-          <a:noFill/>
-        </p:spPr>
-        <p:txBody>
-          <a:bodyPr wrap="none" rtlCol="0">
-            <a:spAutoFit/>
-          </a:bodyPr>
-          <a:lstStyle/>
-          <a:p>
-            <a:r>
-              <a:rPr kumimoji="1" lang="en-US" altLang="ja-JP" b="0" dirty="0">
+              </a:ln>
+            </p:spPr>
+            <p:style>
+              <a:lnRef idx="1">
+                <a:schemeClr val="accent1"/>
+              </a:lnRef>
+              <a:fillRef idx="0">
+                <a:schemeClr val="accent1"/>
+              </a:fillRef>
+              <a:effectRef idx="0">
+                <a:schemeClr val="accent1"/>
+              </a:effectRef>
+              <a:fontRef idx="minor">
+                <a:schemeClr val="tx1"/>
+              </a:fontRef>
+            </p:style>
+          </p:cxnSp>
+          <p:cxnSp>
+            <p:nvCxnSpPr>
+              <p:cNvPr id="52" name="直線コネクタ 51">
+                <a:extLst>
+                  <a:ext uri="{FF2B5EF4-FFF2-40B4-BE49-F238E27FC236}">
+                    <a16:creationId xmlns:a16="http://schemas.microsoft.com/office/drawing/2014/main" id="{E696B837-1766-56CA-51BB-6201B8C77968}"/>
+                  </a:ext>
+                </a:extLst>
+              </p:cNvPr>
+              <p:cNvCxnSpPr/>
+              <p:nvPr/>
+            </p:nvCxnSpPr>
+            <p:spPr>
+              <a:xfrm>
+                <a:off x="7304805" y="1978705"/>
+                <a:ext cx="1285522" cy="0"/>
+              </a:xfrm>
+              <a:prstGeom prst="line">
+                <a:avLst/>
+              </a:prstGeom>
+              <a:ln w="12700">
                 <a:solidFill>
                   <a:srgbClr val="00B0F0"/>
                 </a:solidFill>
-                <a:latin typeface="+mn-ea"/>
-              </a:rPr>
-              <a:t>amplitude </a:t>
-            </a:r>
-          </a:p>
-          <a:p>
-            <a:r>
-              <a:rPr kumimoji="1" lang="en-US" altLang="ja-JP" b="0" dirty="0">
+              </a:ln>
+            </p:spPr>
+            <p:style>
+              <a:lnRef idx="1">
+                <a:schemeClr val="accent1"/>
+              </a:lnRef>
+              <a:fillRef idx="0">
+                <a:schemeClr val="accent1"/>
+              </a:fillRef>
+              <a:effectRef idx="0">
+                <a:schemeClr val="accent1"/>
+              </a:effectRef>
+              <a:fontRef idx="minor">
+                <a:schemeClr val="tx1"/>
+              </a:fontRef>
+            </p:style>
+          </p:cxnSp>
+          <p:cxnSp>
+            <p:nvCxnSpPr>
+              <p:cNvPr id="53" name="直線コネクタ 52">
+                <a:extLst>
+                  <a:ext uri="{FF2B5EF4-FFF2-40B4-BE49-F238E27FC236}">
+                    <a16:creationId xmlns:a16="http://schemas.microsoft.com/office/drawing/2014/main" id="{214EE189-A836-8FFF-E7BA-2E7E3DD55FE1}"/>
+                  </a:ext>
+                </a:extLst>
+              </p:cNvPr>
+              <p:cNvCxnSpPr/>
+              <p:nvPr/>
+            </p:nvCxnSpPr>
+            <p:spPr>
+              <a:xfrm>
+                <a:off x="7304805" y="1888120"/>
+                <a:ext cx="1285522" cy="0"/>
+              </a:xfrm>
+              <a:prstGeom prst="line">
+                <a:avLst/>
+              </a:prstGeom>
+              <a:ln w="12700">
                 <a:solidFill>
                   <a:srgbClr val="00B0F0"/>
                 </a:solidFill>
-                <a:latin typeface="+mn-ea"/>
-              </a:rPr>
-              <a:t>modulation</a:t>
-            </a:r>
-            <a:endParaRPr kumimoji="1" lang="ja-JP" altLang="en-US" dirty="0">
-              <a:solidFill>
-                <a:srgbClr val="00B0F0"/>
-              </a:solidFill>
-            </a:endParaRPr>
-          </a:p>
-        </p:txBody>
-      </p:sp>
+              </a:ln>
+            </p:spPr>
+            <p:style>
+              <a:lnRef idx="1">
+                <a:schemeClr val="accent1"/>
+              </a:lnRef>
+              <a:fillRef idx="0">
+                <a:schemeClr val="accent1"/>
+              </a:fillRef>
+              <a:effectRef idx="0">
+                <a:schemeClr val="accent1"/>
+              </a:effectRef>
+              <a:fontRef idx="minor">
+                <a:schemeClr val="tx1"/>
+              </a:fontRef>
+            </p:style>
+          </p:cxnSp>
+          <p:cxnSp>
+            <p:nvCxnSpPr>
+              <p:cNvPr id="55" name="直線コネクタ 54">
+                <a:extLst>
+                  <a:ext uri="{FF2B5EF4-FFF2-40B4-BE49-F238E27FC236}">
+                    <a16:creationId xmlns:a16="http://schemas.microsoft.com/office/drawing/2014/main" id="{EBF77377-4884-F7CF-A159-A6645D588CC4}"/>
+                  </a:ext>
+                </a:extLst>
+              </p:cNvPr>
+              <p:cNvCxnSpPr>
+                <a:cxnSpLocks/>
+              </p:cNvCxnSpPr>
+              <p:nvPr/>
+            </p:nvCxnSpPr>
+            <p:spPr>
+              <a:xfrm>
+                <a:off x="8501870" y="1888120"/>
+                <a:ext cx="0" cy="2483748"/>
+              </a:xfrm>
+              <a:prstGeom prst="line">
+                <a:avLst/>
+              </a:prstGeom>
+              <a:ln w="12700">
+                <a:solidFill>
+                  <a:srgbClr val="00B0F0"/>
+                </a:solidFill>
+              </a:ln>
+            </p:spPr>
+            <p:style>
+              <a:lnRef idx="1">
+                <a:schemeClr val="accent1"/>
+              </a:lnRef>
+              <a:fillRef idx="0">
+                <a:schemeClr val="accent1"/>
+              </a:fillRef>
+              <a:effectRef idx="0">
+                <a:schemeClr val="accent1"/>
+              </a:effectRef>
+              <a:fontRef idx="minor">
+                <a:schemeClr val="tx1"/>
+              </a:fontRef>
+            </p:style>
+          </p:cxnSp>
+          <p:cxnSp>
+            <p:nvCxnSpPr>
+              <p:cNvPr id="58" name="直線コネクタ 57">
+                <a:extLst>
+                  <a:ext uri="{FF2B5EF4-FFF2-40B4-BE49-F238E27FC236}">
+                    <a16:creationId xmlns:a16="http://schemas.microsoft.com/office/drawing/2014/main" id="{45203D06-8810-EDB8-C681-8B119BFE6A67}"/>
+                  </a:ext>
+                </a:extLst>
+              </p:cNvPr>
+              <p:cNvCxnSpPr>
+                <a:cxnSpLocks/>
+              </p:cNvCxnSpPr>
+              <p:nvPr/>
+            </p:nvCxnSpPr>
+            <p:spPr>
+              <a:xfrm>
+                <a:off x="8587624" y="1888120"/>
+                <a:ext cx="0" cy="2483748"/>
+              </a:xfrm>
+              <a:prstGeom prst="line">
+                <a:avLst/>
+              </a:prstGeom>
+              <a:ln w="12700">
+                <a:solidFill>
+                  <a:srgbClr val="00B0F0"/>
+                </a:solidFill>
+              </a:ln>
+            </p:spPr>
+            <p:style>
+              <a:lnRef idx="1">
+                <a:schemeClr val="accent1"/>
+              </a:lnRef>
+              <a:fillRef idx="0">
+                <a:schemeClr val="accent1"/>
+              </a:fillRef>
+              <a:effectRef idx="0">
+                <a:schemeClr val="accent1"/>
+              </a:effectRef>
+              <a:fontRef idx="minor">
+                <a:schemeClr val="tx1"/>
+              </a:fontRef>
+            </p:style>
+          </p:cxnSp>
+        </p:grpSp>
+        <p:sp>
+          <p:nvSpPr>
+            <p:cNvPr id="9" name="テキスト ボックス 8">
+              <a:extLst>
+                <a:ext uri="{FF2B5EF4-FFF2-40B4-BE49-F238E27FC236}">
+                  <a16:creationId xmlns:a16="http://schemas.microsoft.com/office/drawing/2014/main" id="{75D24A63-7DC8-1E54-6CF0-8A1A03917ACB}"/>
+                </a:ext>
+              </a:extLst>
+            </p:cNvPr>
+            <p:cNvSpPr txBox="1"/>
+            <p:nvPr/>
+          </p:nvSpPr>
+          <p:spPr>
+            <a:xfrm>
+              <a:off x="4901271" y="1129138"/>
+              <a:ext cx="2815194" cy="369332"/>
+            </a:xfrm>
+            <a:prstGeom prst="rect">
+              <a:avLst/>
+            </a:prstGeom>
+            <a:noFill/>
+          </p:spPr>
+          <p:txBody>
+            <a:bodyPr wrap="none" rtlCol="0">
+              <a:spAutoFit/>
+            </a:bodyPr>
+            <a:lstStyle/>
+            <a:p>
+              <a:r>
+                <a:rPr kumimoji="1" lang="en-US" altLang="ja-JP" dirty="0">
+                  <a:solidFill>
+                    <a:srgbClr val="00B0F0"/>
+                  </a:solidFill>
+                </a:rPr>
+                <a:t>homodyne measurement</a:t>
+              </a:r>
+              <a:endParaRPr kumimoji="1" lang="ja-JP" altLang="en-US" dirty="0">
+                <a:solidFill>
+                  <a:srgbClr val="00B0F0"/>
+                </a:solidFill>
+              </a:endParaRPr>
+            </a:p>
+          </p:txBody>
+        </p:sp>
+      </p:grpSp>
     </p:spTree>
     <p:extLst>
       <p:ext uri="{BB962C8B-B14F-4D97-AF65-F5344CB8AC3E}">
